--- a/figure/FigurePreparation/metaOmics_tutorial2.pptx
+++ b/figure/FigurePreparation/metaOmics_tutorial2.pptx
@@ -5,7 +5,7 @@
     <p:sldMasterId id="2147483648" r:id="rId1"/>
   </p:sldMasterIdLst>
   <p:notesMasterIdLst>
-    <p:notesMasterId r:id="rId24"/>
+    <p:notesMasterId r:id="rId26"/>
   </p:notesMasterIdLst>
   <p:sldIdLst>
     <p:sldId id="256" r:id="rId2"/>
@@ -30,6 +30,8 @@
     <p:sldId id="275" r:id="rId21"/>
     <p:sldId id="276" r:id="rId22"/>
     <p:sldId id="277" r:id="rId23"/>
+    <p:sldId id="278" r:id="rId24"/>
+    <p:sldId id="279" r:id="rId25"/>
   </p:sldIdLst>
   <p:sldSz cx="9144000" cy="5486400"/>
   <p:notesSz cx="6858000" cy="9144000"/>
@@ -8546,6 +8548,477 @@
     <p:extLst>
       <p:ext uri="{BB962C8B-B14F-4D97-AF65-F5344CB8AC3E}">
         <p14:creationId xmlns:p14="http://schemas.microsoft.com/office/powerpoint/2010/main" val="3583757922"/>
+      </p:ext>
+    </p:extLst>
+  </p:cSld>
+  <p:clrMapOvr>
+    <a:masterClrMapping/>
+  </p:clrMapOvr>
+</p:sld>
+</file>
+
+<file path=ppt/slides/slide23.xml><?xml version="1.0" encoding="utf-8"?>
+<p:sld xmlns:a="http://schemas.openxmlformats.org/drawingml/2006/main" xmlns:r="http://schemas.openxmlformats.org/officeDocument/2006/relationships" xmlns:p="http://schemas.openxmlformats.org/presentationml/2006/main">
+  <p:cSld>
+    <p:spTree>
+      <p:nvGrpSpPr>
+        <p:cNvPr id="1" name=""/>
+        <p:cNvGrpSpPr/>
+        <p:nvPr/>
+      </p:nvGrpSpPr>
+      <p:grpSpPr>
+        <a:xfrm>
+          <a:off x="0" y="0"/>
+          <a:ext cx="0" cy="0"/>
+          <a:chOff x="0" y="0"/>
+          <a:chExt cx="0" cy="0"/>
+        </a:xfrm>
+      </p:grpSpPr>
+      <p:sp>
+        <p:nvSpPr>
+          <p:cNvPr id="2" name="Title 1"/>
+          <p:cNvSpPr>
+            <a:spLocks noGrp="1"/>
+          </p:cNvSpPr>
+          <p:nvPr>
+            <p:ph type="title"/>
+          </p:nvPr>
+        </p:nvSpPr>
+        <p:spPr/>
+        <p:txBody>
+          <a:bodyPr/>
+          <a:lstStyle/>
+          <a:p>
+            <a:r>
+              <a:rPr lang="en-US" dirty="0" err="1" smtClean="0"/>
+              <a:t>MetaPCA</a:t>
+            </a:r>
+            <a:endParaRPr lang="en-US" dirty="0"/>
+          </a:p>
+        </p:txBody>
+      </p:sp>
+      <p:sp>
+        <p:nvSpPr>
+          <p:cNvPr id="3" name="Content Placeholder 2"/>
+          <p:cNvSpPr>
+            <a:spLocks noGrp="1"/>
+          </p:cNvSpPr>
+          <p:nvPr>
+            <p:ph idx="1"/>
+          </p:nvPr>
+        </p:nvSpPr>
+        <p:spPr/>
+        <p:txBody>
+          <a:bodyPr/>
+          <a:lstStyle/>
+          <a:p>
+            <a:endParaRPr lang="en-US"/>
+          </a:p>
+        </p:txBody>
+      </p:sp>
+    </p:spTree>
+    <p:extLst>
+      <p:ext uri="{BB962C8B-B14F-4D97-AF65-F5344CB8AC3E}">
+        <p14:creationId xmlns:p14="http://schemas.microsoft.com/office/powerpoint/2010/main" val="2459247518"/>
+      </p:ext>
+    </p:extLst>
+  </p:cSld>
+  <p:clrMapOvr>
+    <a:masterClrMapping/>
+  </p:clrMapOvr>
+  <p:timing>
+    <p:tnLst>
+      <p:par>
+        <p:cTn xmlns:p14="http://schemas.microsoft.com/office/powerpoint/2010/main" id="1" dur="indefinite" restart="never" nodeType="tmRoot"/>
+      </p:par>
+    </p:tnLst>
+  </p:timing>
+</p:sld>
+</file>
+
+<file path=ppt/slides/slide24.xml><?xml version="1.0" encoding="utf-8"?>
+<p:sld xmlns:a="http://schemas.openxmlformats.org/drawingml/2006/main" xmlns:r="http://schemas.openxmlformats.org/officeDocument/2006/relationships" xmlns:p="http://schemas.openxmlformats.org/presentationml/2006/main">
+  <p:cSld>
+    <p:spTree>
+      <p:nvGrpSpPr>
+        <p:cNvPr id="1" name=""/>
+        <p:cNvGrpSpPr/>
+        <p:nvPr/>
+      </p:nvGrpSpPr>
+      <p:grpSpPr>
+        <a:xfrm>
+          <a:off x="0" y="0"/>
+          <a:ext cx="0" cy="0"/>
+          <a:chOff x="0" y="0"/>
+          <a:chExt cx="0" cy="0"/>
+        </a:xfrm>
+      </p:grpSpPr>
+      <p:pic>
+        <p:nvPicPr>
+          <p:cNvPr id="2" name="Picture 1" descr="metaPCAHome.png"/>
+          <p:cNvPicPr>
+            <a:picLocks noChangeAspect="1"/>
+          </p:cNvPicPr>
+          <p:nvPr/>
+        </p:nvPicPr>
+        <p:blipFill>
+          <a:blip r:embed="rId2">
+            <a:extLst>
+              <a:ext uri="{28A0092B-C50C-407E-A947-70E740481C1C}">
+                <a14:useLocalDpi xmlns:a14="http://schemas.microsoft.com/office/drawing/2010/main" val="0"/>
+              </a:ext>
+            </a:extLst>
+          </a:blip>
+          <a:stretch>
+            <a:fillRect/>
+          </a:stretch>
+        </p:blipFill>
+        <p:spPr>
+          <a:xfrm>
+            <a:off x="282198" y="0"/>
+            <a:ext cx="8514303" cy="5486400"/>
+          </a:xfrm>
+          <a:prstGeom prst="rect">
+            <a:avLst/>
+          </a:prstGeom>
+        </p:spPr>
+      </p:pic>
+      <p:sp>
+        <p:nvSpPr>
+          <p:cNvPr id="3" name="Rounded Rectangle 2"/>
+          <p:cNvSpPr/>
+          <p:nvPr/>
+        </p:nvSpPr>
+        <p:spPr>
+          <a:xfrm>
+            <a:off x="393699" y="2212559"/>
+            <a:ext cx="2585058" cy="471800"/>
+          </a:xfrm>
+          <a:prstGeom prst="roundRect">
+            <a:avLst/>
+          </a:prstGeom>
+          <a:noFill/>
+          <a:ln w="28575" cmpd="sng">
+            <a:solidFill>
+              <a:srgbClr val="FF0000"/>
+            </a:solidFill>
+          </a:ln>
+          <a:effectLst/>
+        </p:spPr>
+        <p:style>
+          <a:lnRef idx="1">
+            <a:schemeClr val="accent1"/>
+          </a:lnRef>
+          <a:fillRef idx="3">
+            <a:schemeClr val="accent1"/>
+          </a:fillRef>
+          <a:effectRef idx="2">
+            <a:schemeClr val="accent1"/>
+          </a:effectRef>
+          <a:fontRef idx="minor">
+            <a:schemeClr val="lt1"/>
+          </a:fontRef>
+        </p:style>
+        <p:txBody>
+          <a:bodyPr rtlCol="0" anchor="ctr"/>
+          <a:lstStyle/>
+          <a:p>
+            <a:pPr algn="ctr"/>
+            <a:endParaRPr lang="en-US"/>
+          </a:p>
+        </p:txBody>
+      </p:sp>
+      <p:sp>
+        <p:nvSpPr>
+          <p:cNvPr id="4" name="TextBox 3"/>
+          <p:cNvSpPr txBox="1"/>
+          <p:nvPr/>
+        </p:nvSpPr>
+        <p:spPr>
+          <a:xfrm>
+            <a:off x="0" y="1977093"/>
+            <a:ext cx="635000" cy="369332"/>
+          </a:xfrm>
+          <a:prstGeom prst="rect">
+            <a:avLst/>
+          </a:prstGeom>
+          <a:noFill/>
+        </p:spPr>
+        <p:txBody>
+          <a:bodyPr wrap="square" rtlCol="0">
+            <a:spAutoFit/>
+          </a:bodyPr>
+          <a:lstStyle/>
+          <a:p>
+            <a:r>
+              <a:rPr lang="en-US" dirty="0" smtClean="0">
+                <a:solidFill>
+                  <a:srgbClr val="FF0000"/>
+                </a:solidFill>
+              </a:rPr>
+              <a:t>(1)</a:t>
+            </a:r>
+            <a:endParaRPr lang="en-US" dirty="0">
+              <a:solidFill>
+                <a:srgbClr val="FF0000"/>
+              </a:solidFill>
+            </a:endParaRPr>
+          </a:p>
+        </p:txBody>
+      </p:sp>
+      <p:sp>
+        <p:nvSpPr>
+          <p:cNvPr id="7" name="Rounded Rectangle 6"/>
+          <p:cNvSpPr/>
+          <p:nvPr/>
+        </p:nvSpPr>
+        <p:spPr>
+          <a:xfrm>
+            <a:off x="383261" y="2744779"/>
+            <a:ext cx="2109488" cy="471800"/>
+          </a:xfrm>
+          <a:prstGeom prst="roundRect">
+            <a:avLst/>
+          </a:prstGeom>
+          <a:noFill/>
+          <a:ln w="28575" cmpd="sng">
+            <a:solidFill>
+              <a:srgbClr val="FF0000"/>
+            </a:solidFill>
+          </a:ln>
+          <a:effectLst/>
+        </p:spPr>
+        <p:style>
+          <a:lnRef idx="1">
+            <a:schemeClr val="accent1"/>
+          </a:lnRef>
+          <a:fillRef idx="3">
+            <a:schemeClr val="accent1"/>
+          </a:fillRef>
+          <a:effectRef idx="2">
+            <a:schemeClr val="accent1"/>
+          </a:effectRef>
+          <a:fontRef idx="minor">
+            <a:schemeClr val="lt1"/>
+          </a:fontRef>
+        </p:style>
+        <p:txBody>
+          <a:bodyPr rtlCol="0" anchor="ctr"/>
+          <a:lstStyle/>
+          <a:p>
+            <a:pPr algn="ctr"/>
+            <a:endParaRPr lang="en-US"/>
+          </a:p>
+        </p:txBody>
+      </p:sp>
+      <p:sp>
+        <p:nvSpPr>
+          <p:cNvPr id="8" name="TextBox 7"/>
+          <p:cNvSpPr txBox="1"/>
+          <p:nvPr/>
+        </p:nvSpPr>
+        <p:spPr>
+          <a:xfrm>
+            <a:off x="-10438" y="2509313"/>
+            <a:ext cx="635000" cy="369332"/>
+          </a:xfrm>
+          <a:prstGeom prst="rect">
+            <a:avLst/>
+          </a:prstGeom>
+          <a:noFill/>
+        </p:spPr>
+        <p:txBody>
+          <a:bodyPr wrap="square" rtlCol="0">
+            <a:spAutoFit/>
+          </a:bodyPr>
+          <a:lstStyle/>
+          <a:p>
+            <a:r>
+              <a:rPr lang="en-US" dirty="0" smtClean="0">
+                <a:solidFill>
+                  <a:srgbClr val="FF0000"/>
+                </a:solidFill>
+              </a:rPr>
+              <a:t>(2)</a:t>
+            </a:r>
+            <a:endParaRPr lang="en-US" dirty="0">
+              <a:solidFill>
+                <a:srgbClr val="FF0000"/>
+              </a:solidFill>
+            </a:endParaRPr>
+          </a:p>
+        </p:txBody>
+      </p:sp>
+      <p:sp>
+        <p:nvSpPr>
+          <p:cNvPr id="9" name="Rounded Rectangle 8"/>
+          <p:cNvSpPr/>
+          <p:nvPr/>
+        </p:nvSpPr>
+        <p:spPr>
+          <a:xfrm>
+            <a:off x="376264" y="3353298"/>
+            <a:ext cx="2109488" cy="237658"/>
+          </a:xfrm>
+          <a:prstGeom prst="roundRect">
+            <a:avLst/>
+          </a:prstGeom>
+          <a:noFill/>
+          <a:ln w="28575" cmpd="sng">
+            <a:solidFill>
+              <a:srgbClr val="FF0000"/>
+            </a:solidFill>
+          </a:ln>
+          <a:effectLst/>
+        </p:spPr>
+        <p:style>
+          <a:lnRef idx="1">
+            <a:schemeClr val="accent1"/>
+          </a:lnRef>
+          <a:fillRef idx="3">
+            <a:schemeClr val="accent1"/>
+          </a:fillRef>
+          <a:effectRef idx="2">
+            <a:schemeClr val="accent1"/>
+          </a:effectRef>
+          <a:fontRef idx="minor">
+            <a:schemeClr val="lt1"/>
+          </a:fontRef>
+        </p:style>
+        <p:txBody>
+          <a:bodyPr rtlCol="0" anchor="ctr"/>
+          <a:lstStyle/>
+          <a:p>
+            <a:pPr algn="ctr"/>
+            <a:endParaRPr lang="en-US"/>
+          </a:p>
+        </p:txBody>
+      </p:sp>
+      <p:sp>
+        <p:nvSpPr>
+          <p:cNvPr id="10" name="TextBox 9"/>
+          <p:cNvSpPr txBox="1"/>
+          <p:nvPr/>
+        </p:nvSpPr>
+        <p:spPr>
+          <a:xfrm>
+            <a:off x="0" y="3251447"/>
+            <a:ext cx="635000" cy="369332"/>
+          </a:xfrm>
+          <a:prstGeom prst="rect">
+            <a:avLst/>
+          </a:prstGeom>
+          <a:noFill/>
+        </p:spPr>
+        <p:txBody>
+          <a:bodyPr wrap="square" rtlCol="0">
+            <a:spAutoFit/>
+          </a:bodyPr>
+          <a:lstStyle/>
+          <a:p>
+            <a:r>
+              <a:rPr lang="en-US" dirty="0" smtClean="0">
+                <a:solidFill>
+                  <a:srgbClr val="FF0000"/>
+                </a:solidFill>
+              </a:rPr>
+              <a:t>(3)</a:t>
+            </a:r>
+            <a:endParaRPr lang="en-US" dirty="0">
+              <a:solidFill>
+                <a:srgbClr val="FF0000"/>
+              </a:solidFill>
+            </a:endParaRPr>
+          </a:p>
+        </p:txBody>
+      </p:sp>
+      <p:sp>
+        <p:nvSpPr>
+          <p:cNvPr id="11" name="Rounded Rectangle 10"/>
+          <p:cNvSpPr/>
+          <p:nvPr/>
+        </p:nvSpPr>
+        <p:spPr>
+          <a:xfrm>
+            <a:off x="371884" y="3615465"/>
+            <a:ext cx="2109488" cy="237658"/>
+          </a:xfrm>
+          <a:prstGeom prst="roundRect">
+            <a:avLst/>
+          </a:prstGeom>
+          <a:noFill/>
+          <a:ln w="28575" cmpd="sng">
+            <a:solidFill>
+              <a:srgbClr val="FF0000"/>
+            </a:solidFill>
+          </a:ln>
+          <a:effectLst/>
+        </p:spPr>
+        <p:style>
+          <a:lnRef idx="1">
+            <a:schemeClr val="accent1"/>
+          </a:lnRef>
+          <a:fillRef idx="3">
+            <a:schemeClr val="accent1"/>
+          </a:fillRef>
+          <a:effectRef idx="2">
+            <a:schemeClr val="accent1"/>
+          </a:effectRef>
+          <a:fontRef idx="minor">
+            <a:schemeClr val="lt1"/>
+          </a:fontRef>
+        </p:style>
+        <p:txBody>
+          <a:bodyPr rtlCol="0" anchor="ctr"/>
+          <a:lstStyle/>
+          <a:p>
+            <a:pPr algn="ctr"/>
+            <a:endParaRPr lang="en-US"/>
+          </a:p>
+        </p:txBody>
+      </p:sp>
+      <p:sp>
+        <p:nvSpPr>
+          <p:cNvPr id="12" name="TextBox 11"/>
+          <p:cNvSpPr txBox="1"/>
+          <p:nvPr/>
+        </p:nvSpPr>
+        <p:spPr>
+          <a:xfrm>
+            <a:off x="-4380" y="3513614"/>
+            <a:ext cx="635000" cy="369332"/>
+          </a:xfrm>
+          <a:prstGeom prst="rect">
+            <a:avLst/>
+          </a:prstGeom>
+          <a:noFill/>
+        </p:spPr>
+        <p:txBody>
+          <a:bodyPr wrap="square" rtlCol="0">
+            <a:spAutoFit/>
+          </a:bodyPr>
+          <a:lstStyle/>
+          <a:p>
+            <a:r>
+              <a:rPr lang="en-US" dirty="0" smtClean="0">
+                <a:solidFill>
+                  <a:srgbClr val="FF0000"/>
+                </a:solidFill>
+              </a:rPr>
+              <a:t>(4)</a:t>
+            </a:r>
+            <a:endParaRPr lang="en-US" dirty="0">
+              <a:solidFill>
+                <a:srgbClr val="FF0000"/>
+              </a:solidFill>
+            </a:endParaRPr>
+          </a:p>
+        </p:txBody>
+      </p:sp>
+    </p:spTree>
+    <p:extLst>
+      <p:ext uri="{BB962C8B-B14F-4D97-AF65-F5344CB8AC3E}">
+        <p14:creationId xmlns:p14="http://schemas.microsoft.com/office/powerpoint/2010/main" val="2228087863"/>
       </p:ext>
     </p:extLst>
   </p:cSld>

--- a/figure/FigurePreparation/metaOmics_tutorial2.pptx
+++ b/figure/FigurePreparation/metaOmics_tutorial2.pptx
@@ -215,7 +215,7 @@
           <a:p>
             <a:fld id="{241DB8E5-A873-744C-8CC6-1EF170DC0665}" type="datetimeFigureOut">
               <a:rPr lang="en-US" smtClean="0"/>
-              <a:t>4/18/17</a:t>
+              <a:t>4/19/17</a:t>
             </a:fld>
             <a:endParaRPr lang="en-US"/>
           </a:p>
@@ -664,7 +664,7 @@
           <a:p>
             <a:fld id="{8F6C2658-6881-9745-B2CC-D3C93100C429}" type="datetimeFigureOut">
               <a:rPr lang="en-US" smtClean="0"/>
-              <a:t>4/18/17</a:t>
+              <a:t>4/19/17</a:t>
             </a:fld>
             <a:endParaRPr lang="en-US"/>
           </a:p>
@@ -834,7 +834,7 @@
           <a:p>
             <a:fld id="{8F6C2658-6881-9745-B2CC-D3C93100C429}" type="datetimeFigureOut">
               <a:rPr lang="en-US" smtClean="0"/>
-              <a:t>4/18/17</a:t>
+              <a:t>4/19/17</a:t>
             </a:fld>
             <a:endParaRPr lang="en-US"/>
           </a:p>
@@ -1014,7 +1014,7 @@
           <a:p>
             <a:fld id="{8F6C2658-6881-9745-B2CC-D3C93100C429}" type="datetimeFigureOut">
               <a:rPr lang="en-US" smtClean="0"/>
-              <a:t>4/18/17</a:t>
+              <a:t>4/19/17</a:t>
             </a:fld>
             <a:endParaRPr lang="en-US"/>
           </a:p>
@@ -1184,7 +1184,7 @@
           <a:p>
             <a:fld id="{8F6C2658-6881-9745-B2CC-D3C93100C429}" type="datetimeFigureOut">
               <a:rPr lang="en-US" smtClean="0"/>
-              <a:t>4/18/17</a:t>
+              <a:t>4/19/17</a:t>
             </a:fld>
             <a:endParaRPr lang="en-US"/>
           </a:p>
@@ -1430,7 +1430,7 @@
           <a:p>
             <a:fld id="{8F6C2658-6881-9745-B2CC-D3C93100C429}" type="datetimeFigureOut">
               <a:rPr lang="en-US" smtClean="0"/>
-              <a:t>4/18/17</a:t>
+              <a:t>4/19/17</a:t>
             </a:fld>
             <a:endParaRPr lang="en-US"/>
           </a:p>
@@ -1718,7 +1718,7 @@
           <a:p>
             <a:fld id="{8F6C2658-6881-9745-B2CC-D3C93100C429}" type="datetimeFigureOut">
               <a:rPr lang="en-US" smtClean="0"/>
-              <a:t>4/18/17</a:t>
+              <a:t>4/19/17</a:t>
             </a:fld>
             <a:endParaRPr lang="en-US"/>
           </a:p>
@@ -2140,7 +2140,7 @@
           <a:p>
             <a:fld id="{8F6C2658-6881-9745-B2CC-D3C93100C429}" type="datetimeFigureOut">
               <a:rPr lang="en-US" smtClean="0"/>
-              <a:t>4/18/17</a:t>
+              <a:t>4/19/17</a:t>
             </a:fld>
             <a:endParaRPr lang="en-US"/>
           </a:p>
@@ -2258,7 +2258,7 @@
           <a:p>
             <a:fld id="{8F6C2658-6881-9745-B2CC-D3C93100C429}" type="datetimeFigureOut">
               <a:rPr lang="en-US" smtClean="0"/>
-              <a:t>4/18/17</a:t>
+              <a:t>4/19/17</a:t>
             </a:fld>
             <a:endParaRPr lang="en-US"/>
           </a:p>
@@ -2353,7 +2353,7 @@
           <a:p>
             <a:fld id="{8F6C2658-6881-9745-B2CC-D3C93100C429}" type="datetimeFigureOut">
               <a:rPr lang="en-US" smtClean="0"/>
-              <a:t>4/18/17</a:t>
+              <a:t>4/19/17</a:t>
             </a:fld>
             <a:endParaRPr lang="en-US"/>
           </a:p>
@@ -2630,7 +2630,7 @@
           <a:p>
             <a:fld id="{8F6C2658-6881-9745-B2CC-D3C93100C429}" type="datetimeFigureOut">
               <a:rPr lang="en-US" smtClean="0"/>
-              <a:t>4/18/17</a:t>
+              <a:t>4/19/17</a:t>
             </a:fld>
             <a:endParaRPr lang="en-US"/>
           </a:p>
@@ -2883,7 +2883,7 @@
           <a:p>
             <a:fld id="{8F6C2658-6881-9745-B2CC-D3C93100C429}" type="datetimeFigureOut">
               <a:rPr lang="en-US" smtClean="0"/>
-              <a:t>4/18/17</a:t>
+              <a:t>4/19/17</a:t>
             </a:fld>
             <a:endParaRPr lang="en-US"/>
           </a:p>
@@ -3096,7 +3096,7 @@
           <a:p>
             <a:fld id="{8F6C2658-6881-9745-B2CC-D3C93100C429}" type="datetimeFigureOut">
               <a:rPr lang="en-US" smtClean="0"/>
-              <a:t>4/18/17</a:t>
+              <a:t>4/19/17</a:t>
             </a:fld>
             <a:endParaRPr lang="en-US"/>
           </a:p>

--- a/figure/FigurePreparation/metaOmics_tutorial2.pptx
+++ b/figure/FigurePreparation/metaOmics_tutorial2.pptx
@@ -5,7 +5,7 @@
     <p:sldMasterId id="2147483648" r:id="rId1"/>
   </p:sldMasterIdLst>
   <p:notesMasterIdLst>
-    <p:notesMasterId r:id="rId26"/>
+    <p:notesMasterId r:id="rId27"/>
   </p:notesMasterIdLst>
   <p:sldIdLst>
     <p:sldId id="256" r:id="rId2"/>
@@ -13,25 +13,26 @@
     <p:sldId id="258" r:id="rId4"/>
     <p:sldId id="259" r:id="rId5"/>
     <p:sldId id="260" r:id="rId6"/>
-    <p:sldId id="261" r:id="rId7"/>
-    <p:sldId id="262" r:id="rId8"/>
-    <p:sldId id="263" r:id="rId9"/>
-    <p:sldId id="264" r:id="rId10"/>
-    <p:sldId id="265" r:id="rId11"/>
-    <p:sldId id="266" r:id="rId12"/>
-    <p:sldId id="267" r:id="rId13"/>
-    <p:sldId id="268" r:id="rId14"/>
-    <p:sldId id="269" r:id="rId15"/>
-    <p:sldId id="270" r:id="rId16"/>
-    <p:sldId id="271" r:id="rId17"/>
-    <p:sldId id="272" r:id="rId18"/>
-    <p:sldId id="273" r:id="rId19"/>
-    <p:sldId id="274" r:id="rId20"/>
-    <p:sldId id="275" r:id="rId21"/>
-    <p:sldId id="276" r:id="rId22"/>
-    <p:sldId id="277" r:id="rId23"/>
-    <p:sldId id="278" r:id="rId24"/>
-    <p:sldId id="279" r:id="rId25"/>
+    <p:sldId id="280" r:id="rId7"/>
+    <p:sldId id="261" r:id="rId8"/>
+    <p:sldId id="262" r:id="rId9"/>
+    <p:sldId id="263" r:id="rId10"/>
+    <p:sldId id="264" r:id="rId11"/>
+    <p:sldId id="265" r:id="rId12"/>
+    <p:sldId id="266" r:id="rId13"/>
+    <p:sldId id="267" r:id="rId14"/>
+    <p:sldId id="268" r:id="rId15"/>
+    <p:sldId id="269" r:id="rId16"/>
+    <p:sldId id="270" r:id="rId17"/>
+    <p:sldId id="271" r:id="rId18"/>
+    <p:sldId id="272" r:id="rId19"/>
+    <p:sldId id="273" r:id="rId20"/>
+    <p:sldId id="274" r:id="rId21"/>
+    <p:sldId id="275" r:id="rId22"/>
+    <p:sldId id="276" r:id="rId23"/>
+    <p:sldId id="277" r:id="rId24"/>
+    <p:sldId id="278" r:id="rId25"/>
+    <p:sldId id="279" r:id="rId26"/>
   </p:sldIdLst>
   <p:sldSz cx="9144000" cy="5486400"/>
   <p:notesSz cx="6858000" cy="9144000"/>
@@ -3524,793 +3525,65 @@
           <a:chExt cx="0" cy="0"/>
         </a:xfrm>
       </p:grpSpPr>
-      <p:pic>
-        <p:nvPicPr>
-          <p:cNvPr id="2" name="Picture 1"/>
-          <p:cNvPicPr>
-            <a:picLocks noChangeAspect="1"/>
-          </p:cNvPicPr>
-          <p:nvPr/>
-        </p:nvPicPr>
-        <p:blipFill>
-          <a:blip r:embed="rId2">
-            <a:extLst>
-              <a:ext uri="{28A0092B-C50C-407E-A947-70E740481C1C}">
-                <a14:useLocalDpi xmlns:a14="http://schemas.microsoft.com/office/drawing/2010/main" val="0"/>
-              </a:ext>
-            </a:extLst>
-          </a:blip>
-          <a:stretch>
-            <a:fillRect/>
-          </a:stretch>
-        </p:blipFill>
-        <p:spPr>
-          <a:xfrm>
-            <a:off x="650879" y="312881"/>
-            <a:ext cx="8080375" cy="4613906"/>
-          </a:xfrm>
-          <a:prstGeom prst="rect">
-            <a:avLst/>
-          </a:prstGeom>
-        </p:spPr>
-      </p:pic>
-      <p:sp>
-        <p:nvSpPr>
-          <p:cNvPr id="3" name="Rounded Rectangle 2"/>
-          <p:cNvSpPr/>
-          <p:nvPr/>
-        </p:nvSpPr>
-        <p:spPr>
-          <a:xfrm>
-            <a:off x="650875" y="665087"/>
-            <a:ext cx="2698752" cy="431779"/>
-          </a:xfrm>
-          <a:prstGeom prst="roundRect">
-            <a:avLst/>
-          </a:prstGeom>
-          <a:noFill/>
-          <a:ln w="28575" cmpd="sng">
-            <a:solidFill>
-              <a:srgbClr val="FF0000"/>
-            </a:solidFill>
-          </a:ln>
-          <a:effectLst/>
-        </p:spPr>
-        <p:style>
-          <a:lnRef idx="1">
-            <a:schemeClr val="accent1"/>
-          </a:lnRef>
-          <a:fillRef idx="3">
-            <a:schemeClr val="accent1"/>
-          </a:fillRef>
-          <a:effectRef idx="2">
-            <a:schemeClr val="accent1"/>
-          </a:effectRef>
-          <a:fontRef idx="minor">
-            <a:schemeClr val="lt1"/>
-          </a:fontRef>
-        </p:style>
-        <p:txBody>
-          <a:bodyPr rtlCol="0" anchor="ctr"/>
-          <a:lstStyle/>
-          <a:p>
-            <a:pPr algn="ctr"/>
-            <a:endParaRPr lang="en-US"/>
-          </a:p>
-        </p:txBody>
-      </p:sp>
-      <p:sp>
-        <p:nvSpPr>
-          <p:cNvPr id="4" name="TextBox 3"/>
-          <p:cNvSpPr txBox="1"/>
-          <p:nvPr/>
-        </p:nvSpPr>
-        <p:spPr>
-          <a:xfrm>
-            <a:off x="285750" y="385170"/>
-            <a:ext cx="635000" cy="369332"/>
-          </a:xfrm>
-          <a:prstGeom prst="rect">
-            <a:avLst/>
-          </a:prstGeom>
-          <a:noFill/>
-        </p:spPr>
-        <p:txBody>
-          <a:bodyPr wrap="square" rtlCol="0">
-            <a:spAutoFit/>
-          </a:bodyPr>
-          <a:lstStyle/>
-          <a:p>
-            <a:r>
-              <a:rPr lang="en-US" dirty="0" smtClean="0">
-                <a:solidFill>
-                  <a:srgbClr val="FF0000"/>
-                </a:solidFill>
-              </a:rPr>
-              <a:t>(1)</a:t>
-            </a:r>
-            <a:endParaRPr lang="en-US" dirty="0">
-              <a:solidFill>
-                <a:srgbClr val="FF0000"/>
-              </a:solidFill>
-            </a:endParaRPr>
-          </a:p>
-        </p:txBody>
-      </p:sp>
-      <p:sp>
-        <p:nvSpPr>
-          <p:cNvPr id="5" name="Rounded Rectangle 4"/>
-          <p:cNvSpPr/>
-          <p:nvPr/>
-        </p:nvSpPr>
-        <p:spPr>
-          <a:xfrm>
-            <a:off x="650875" y="1164595"/>
-            <a:ext cx="2698752" cy="431779"/>
-          </a:xfrm>
-          <a:prstGeom prst="roundRect">
-            <a:avLst/>
-          </a:prstGeom>
-          <a:noFill/>
-          <a:ln w="28575" cmpd="sng">
-            <a:solidFill>
-              <a:srgbClr val="FF0000"/>
-            </a:solidFill>
-          </a:ln>
-          <a:effectLst/>
-        </p:spPr>
-        <p:style>
-          <a:lnRef idx="1">
-            <a:schemeClr val="accent1"/>
-          </a:lnRef>
-          <a:fillRef idx="3">
-            <a:schemeClr val="accent1"/>
-          </a:fillRef>
-          <a:effectRef idx="2">
-            <a:schemeClr val="accent1"/>
-          </a:effectRef>
-          <a:fontRef idx="minor">
-            <a:schemeClr val="lt1"/>
-          </a:fontRef>
-        </p:style>
-        <p:txBody>
-          <a:bodyPr rtlCol="0" anchor="ctr"/>
-          <a:lstStyle/>
-          <a:p>
-            <a:pPr algn="ctr"/>
-            <a:endParaRPr lang="en-US"/>
-          </a:p>
-        </p:txBody>
-      </p:sp>
-      <p:sp>
-        <p:nvSpPr>
-          <p:cNvPr id="6" name="TextBox 5"/>
-          <p:cNvSpPr txBox="1"/>
-          <p:nvPr/>
-        </p:nvSpPr>
-        <p:spPr>
-          <a:xfrm>
-            <a:off x="285750" y="912199"/>
-            <a:ext cx="635000" cy="369332"/>
-          </a:xfrm>
-          <a:prstGeom prst="rect">
-            <a:avLst/>
-          </a:prstGeom>
-          <a:noFill/>
-        </p:spPr>
-        <p:txBody>
-          <a:bodyPr wrap="square" rtlCol="0">
-            <a:spAutoFit/>
-          </a:bodyPr>
-          <a:lstStyle/>
-          <a:p>
-            <a:r>
-              <a:rPr lang="en-US" dirty="0" smtClean="0">
-                <a:solidFill>
-                  <a:srgbClr val="FF0000"/>
-                </a:solidFill>
-              </a:rPr>
-              <a:t>(2)</a:t>
-            </a:r>
-            <a:endParaRPr lang="en-US" dirty="0">
-              <a:solidFill>
-                <a:srgbClr val="FF0000"/>
-              </a:solidFill>
-            </a:endParaRPr>
-          </a:p>
-        </p:txBody>
-      </p:sp>
-      <p:sp>
-        <p:nvSpPr>
-          <p:cNvPr id="7" name="Rounded Rectangle 6"/>
-          <p:cNvSpPr/>
-          <p:nvPr/>
-        </p:nvSpPr>
-        <p:spPr>
-          <a:xfrm>
-            <a:off x="650875" y="1604865"/>
-            <a:ext cx="2698752" cy="297318"/>
-          </a:xfrm>
-          <a:prstGeom prst="roundRect">
-            <a:avLst/>
-          </a:prstGeom>
-          <a:noFill/>
-          <a:ln w="28575" cmpd="sng">
-            <a:solidFill>
-              <a:srgbClr val="FF0000"/>
-            </a:solidFill>
-          </a:ln>
-          <a:effectLst/>
-        </p:spPr>
-        <p:style>
-          <a:lnRef idx="1">
-            <a:schemeClr val="accent1"/>
-          </a:lnRef>
-          <a:fillRef idx="3">
-            <a:schemeClr val="accent1"/>
-          </a:fillRef>
-          <a:effectRef idx="2">
-            <a:schemeClr val="accent1"/>
-          </a:effectRef>
-          <a:fontRef idx="minor">
-            <a:schemeClr val="lt1"/>
-          </a:fontRef>
-        </p:style>
-        <p:txBody>
-          <a:bodyPr rtlCol="0" anchor="ctr"/>
-          <a:lstStyle/>
-          <a:p>
-            <a:pPr algn="ctr"/>
-            <a:endParaRPr lang="en-US"/>
-          </a:p>
-        </p:txBody>
-      </p:sp>
-      <p:sp>
-        <p:nvSpPr>
-          <p:cNvPr id="8" name="TextBox 7"/>
-          <p:cNvSpPr txBox="1"/>
-          <p:nvPr/>
-        </p:nvSpPr>
-        <p:spPr>
-          <a:xfrm>
-            <a:off x="285750" y="1402181"/>
-            <a:ext cx="635000" cy="369332"/>
-          </a:xfrm>
-          <a:prstGeom prst="rect">
-            <a:avLst/>
-          </a:prstGeom>
-          <a:noFill/>
-        </p:spPr>
-        <p:txBody>
-          <a:bodyPr wrap="square" rtlCol="0">
-            <a:spAutoFit/>
-          </a:bodyPr>
-          <a:lstStyle/>
-          <a:p>
-            <a:r>
-              <a:rPr lang="en-US" dirty="0" smtClean="0">
-                <a:solidFill>
-                  <a:srgbClr val="FF0000"/>
-                </a:solidFill>
-              </a:rPr>
-              <a:t>(3)</a:t>
-            </a:r>
-            <a:endParaRPr lang="en-US" dirty="0">
-              <a:solidFill>
-                <a:srgbClr val="FF0000"/>
-              </a:solidFill>
-            </a:endParaRPr>
-          </a:p>
-        </p:txBody>
-      </p:sp>
-      <p:sp>
-        <p:nvSpPr>
-          <p:cNvPr id="9" name="Rounded Rectangle 8"/>
-          <p:cNvSpPr/>
-          <p:nvPr/>
-        </p:nvSpPr>
-        <p:spPr>
-          <a:xfrm>
-            <a:off x="650875" y="1996301"/>
-            <a:ext cx="2698752" cy="297318"/>
-          </a:xfrm>
-          <a:prstGeom prst="roundRect">
-            <a:avLst/>
-          </a:prstGeom>
-          <a:noFill/>
-          <a:ln w="28575" cmpd="sng">
-            <a:solidFill>
-              <a:srgbClr val="FF0000"/>
-            </a:solidFill>
-          </a:ln>
-          <a:effectLst/>
-        </p:spPr>
-        <p:style>
-          <a:lnRef idx="1">
-            <a:schemeClr val="accent1"/>
-          </a:lnRef>
-          <a:fillRef idx="3">
-            <a:schemeClr val="accent1"/>
-          </a:fillRef>
-          <a:effectRef idx="2">
-            <a:schemeClr val="accent1"/>
-          </a:effectRef>
-          <a:fontRef idx="minor">
-            <a:schemeClr val="lt1"/>
-          </a:fontRef>
-        </p:style>
-        <p:txBody>
-          <a:bodyPr rtlCol="0" anchor="ctr"/>
-          <a:lstStyle/>
-          <a:p>
-            <a:pPr algn="ctr"/>
-            <a:endParaRPr lang="en-US"/>
-          </a:p>
-        </p:txBody>
-      </p:sp>
-      <p:sp>
-        <p:nvSpPr>
-          <p:cNvPr id="10" name="TextBox 9"/>
-          <p:cNvSpPr txBox="1"/>
-          <p:nvPr/>
-        </p:nvSpPr>
-        <p:spPr>
-          <a:xfrm>
-            <a:off x="285750" y="1811635"/>
-            <a:ext cx="635000" cy="369332"/>
-          </a:xfrm>
-          <a:prstGeom prst="rect">
-            <a:avLst/>
-          </a:prstGeom>
-          <a:noFill/>
-        </p:spPr>
-        <p:txBody>
-          <a:bodyPr wrap="square" rtlCol="0">
-            <a:spAutoFit/>
-          </a:bodyPr>
-          <a:lstStyle/>
-          <a:p>
-            <a:r>
-              <a:rPr lang="en-US" dirty="0" smtClean="0">
-                <a:solidFill>
-                  <a:srgbClr val="FF0000"/>
-                </a:solidFill>
-              </a:rPr>
-              <a:t>(4)</a:t>
-            </a:r>
-            <a:endParaRPr lang="en-US" dirty="0">
-              <a:solidFill>
-                <a:srgbClr val="FF0000"/>
-              </a:solidFill>
-            </a:endParaRPr>
-          </a:p>
-        </p:txBody>
-      </p:sp>
-      <p:sp>
-        <p:nvSpPr>
-          <p:cNvPr id="11" name="Rounded Rectangle 10"/>
-          <p:cNvSpPr/>
-          <p:nvPr/>
-        </p:nvSpPr>
-        <p:spPr>
-          <a:xfrm>
-            <a:off x="650875" y="2454312"/>
-            <a:ext cx="2698752" cy="297318"/>
-          </a:xfrm>
-          <a:prstGeom prst="roundRect">
-            <a:avLst/>
-          </a:prstGeom>
-          <a:noFill/>
-          <a:ln w="28575" cmpd="sng">
-            <a:solidFill>
-              <a:srgbClr val="FF0000"/>
-            </a:solidFill>
-          </a:ln>
-          <a:effectLst/>
-        </p:spPr>
-        <p:style>
-          <a:lnRef idx="1">
-            <a:schemeClr val="accent1"/>
-          </a:lnRef>
-          <a:fillRef idx="3">
-            <a:schemeClr val="accent1"/>
-          </a:fillRef>
-          <a:effectRef idx="2">
-            <a:schemeClr val="accent1"/>
-          </a:effectRef>
-          <a:fontRef idx="minor">
-            <a:schemeClr val="lt1"/>
-          </a:fontRef>
-        </p:style>
-        <p:txBody>
-          <a:bodyPr rtlCol="0" anchor="ctr"/>
-          <a:lstStyle/>
-          <a:p>
-            <a:pPr algn="ctr"/>
-            <a:endParaRPr lang="en-US"/>
-          </a:p>
-        </p:txBody>
-      </p:sp>
-      <p:sp>
-        <p:nvSpPr>
-          <p:cNvPr id="12" name="TextBox 11"/>
-          <p:cNvSpPr txBox="1"/>
-          <p:nvPr/>
-        </p:nvSpPr>
-        <p:spPr>
-          <a:xfrm>
-            <a:off x="285750" y="2269646"/>
-            <a:ext cx="635000" cy="369332"/>
-          </a:xfrm>
-          <a:prstGeom prst="rect">
-            <a:avLst/>
-          </a:prstGeom>
-          <a:noFill/>
-        </p:spPr>
-        <p:txBody>
-          <a:bodyPr wrap="square" rtlCol="0">
-            <a:spAutoFit/>
-          </a:bodyPr>
-          <a:lstStyle/>
-          <a:p>
-            <a:r>
-              <a:rPr lang="en-US" dirty="0" smtClean="0">
-                <a:solidFill>
-                  <a:srgbClr val="FF0000"/>
-                </a:solidFill>
-              </a:rPr>
-              <a:t>(5)</a:t>
-            </a:r>
-            <a:endParaRPr lang="en-US" dirty="0">
-              <a:solidFill>
-                <a:srgbClr val="FF0000"/>
-              </a:solidFill>
-            </a:endParaRPr>
-          </a:p>
-        </p:txBody>
-      </p:sp>
-      <p:sp>
-        <p:nvSpPr>
-          <p:cNvPr id="13" name="Rounded Rectangle 12"/>
-          <p:cNvSpPr/>
-          <p:nvPr/>
-        </p:nvSpPr>
-        <p:spPr>
-          <a:xfrm>
-            <a:off x="650875" y="2928493"/>
-            <a:ext cx="2698752" cy="297318"/>
-          </a:xfrm>
-          <a:prstGeom prst="roundRect">
-            <a:avLst/>
-          </a:prstGeom>
-          <a:noFill/>
-          <a:ln w="28575" cmpd="sng">
-            <a:solidFill>
-              <a:srgbClr val="FF0000"/>
-            </a:solidFill>
-          </a:ln>
-          <a:effectLst/>
-        </p:spPr>
-        <p:style>
-          <a:lnRef idx="1">
-            <a:schemeClr val="accent1"/>
-          </a:lnRef>
-          <a:fillRef idx="3">
-            <a:schemeClr val="accent1"/>
-          </a:fillRef>
-          <a:effectRef idx="2">
-            <a:schemeClr val="accent1"/>
-          </a:effectRef>
-          <a:fontRef idx="minor">
-            <a:schemeClr val="lt1"/>
-          </a:fontRef>
-        </p:style>
-        <p:txBody>
-          <a:bodyPr rtlCol="0" anchor="ctr"/>
-          <a:lstStyle/>
-          <a:p>
-            <a:pPr algn="ctr"/>
-            <a:endParaRPr lang="en-US"/>
-          </a:p>
-        </p:txBody>
-      </p:sp>
-      <p:sp>
-        <p:nvSpPr>
-          <p:cNvPr id="14" name="TextBox 13"/>
-          <p:cNvSpPr txBox="1"/>
-          <p:nvPr/>
-        </p:nvSpPr>
-        <p:spPr>
-          <a:xfrm>
-            <a:off x="285750" y="2743827"/>
-            <a:ext cx="635000" cy="369332"/>
-          </a:xfrm>
-          <a:prstGeom prst="rect">
-            <a:avLst/>
-          </a:prstGeom>
-          <a:noFill/>
-        </p:spPr>
-        <p:txBody>
-          <a:bodyPr wrap="square" rtlCol="0">
-            <a:spAutoFit/>
-          </a:bodyPr>
-          <a:lstStyle/>
-          <a:p>
-            <a:r>
-              <a:rPr lang="en-US" dirty="0" smtClean="0">
-                <a:solidFill>
-                  <a:srgbClr val="FF0000"/>
-                </a:solidFill>
-              </a:rPr>
-              <a:t>(6)</a:t>
-            </a:r>
-            <a:endParaRPr lang="en-US" dirty="0">
-              <a:solidFill>
-                <a:srgbClr val="FF0000"/>
-              </a:solidFill>
-            </a:endParaRPr>
-          </a:p>
-        </p:txBody>
-      </p:sp>
-      <p:sp>
-        <p:nvSpPr>
-          <p:cNvPr id="15" name="Rounded Rectangle 14"/>
-          <p:cNvSpPr/>
-          <p:nvPr/>
-        </p:nvSpPr>
-        <p:spPr>
-          <a:xfrm>
-            <a:off x="650875" y="3297604"/>
-            <a:ext cx="2698752" cy="640886"/>
-          </a:xfrm>
-          <a:prstGeom prst="roundRect">
-            <a:avLst/>
-          </a:prstGeom>
-          <a:noFill/>
-          <a:ln w="28575" cmpd="sng">
-            <a:solidFill>
-              <a:srgbClr val="FF0000"/>
-            </a:solidFill>
-          </a:ln>
-          <a:effectLst/>
-        </p:spPr>
-        <p:style>
-          <a:lnRef idx="1">
-            <a:schemeClr val="accent1"/>
-          </a:lnRef>
-          <a:fillRef idx="3">
-            <a:schemeClr val="accent1"/>
-          </a:fillRef>
-          <a:effectRef idx="2">
-            <a:schemeClr val="accent1"/>
-          </a:effectRef>
-          <a:fontRef idx="minor">
-            <a:schemeClr val="lt1"/>
-          </a:fontRef>
-        </p:style>
-        <p:txBody>
-          <a:bodyPr rtlCol="0" anchor="ctr"/>
-          <a:lstStyle/>
-          <a:p>
-            <a:pPr algn="ctr"/>
-            <a:endParaRPr lang="en-US"/>
-          </a:p>
-        </p:txBody>
-      </p:sp>
-      <p:sp>
-        <p:nvSpPr>
-          <p:cNvPr id="16" name="TextBox 15"/>
-          <p:cNvSpPr txBox="1"/>
-          <p:nvPr/>
-        </p:nvSpPr>
-        <p:spPr>
-          <a:xfrm>
-            <a:off x="285750" y="3112937"/>
-            <a:ext cx="635000" cy="369332"/>
-          </a:xfrm>
-          <a:prstGeom prst="rect">
-            <a:avLst/>
-          </a:prstGeom>
-          <a:noFill/>
-        </p:spPr>
-        <p:txBody>
-          <a:bodyPr wrap="square" rtlCol="0">
-            <a:spAutoFit/>
-          </a:bodyPr>
-          <a:lstStyle/>
-          <a:p>
-            <a:r>
-              <a:rPr lang="en-US" dirty="0" smtClean="0">
-                <a:solidFill>
-                  <a:srgbClr val="FF0000"/>
-                </a:solidFill>
-              </a:rPr>
-              <a:t>(7)</a:t>
-            </a:r>
-            <a:endParaRPr lang="en-US" dirty="0">
-              <a:solidFill>
-                <a:srgbClr val="FF0000"/>
-              </a:solidFill>
-            </a:endParaRPr>
-          </a:p>
-        </p:txBody>
-      </p:sp>
-      <p:sp>
-        <p:nvSpPr>
-          <p:cNvPr id="17" name="Rounded Rectangle 16"/>
-          <p:cNvSpPr/>
-          <p:nvPr/>
-        </p:nvSpPr>
-        <p:spPr>
-          <a:xfrm>
-            <a:off x="650875" y="4043560"/>
-            <a:ext cx="2698752" cy="297318"/>
-          </a:xfrm>
-          <a:prstGeom prst="roundRect">
-            <a:avLst/>
-          </a:prstGeom>
-          <a:noFill/>
-          <a:ln w="28575" cmpd="sng">
-            <a:solidFill>
-              <a:srgbClr val="FF0000"/>
-            </a:solidFill>
-          </a:ln>
-          <a:effectLst/>
-        </p:spPr>
-        <p:style>
-          <a:lnRef idx="1">
-            <a:schemeClr val="accent1"/>
-          </a:lnRef>
-          <a:fillRef idx="3">
-            <a:schemeClr val="accent1"/>
-          </a:fillRef>
-          <a:effectRef idx="2">
-            <a:schemeClr val="accent1"/>
-          </a:effectRef>
-          <a:fontRef idx="minor">
-            <a:schemeClr val="lt1"/>
-          </a:fontRef>
-        </p:style>
-        <p:txBody>
-          <a:bodyPr rtlCol="0" anchor="ctr"/>
-          <a:lstStyle/>
-          <a:p>
-            <a:pPr algn="ctr"/>
-            <a:endParaRPr lang="en-US"/>
-          </a:p>
-        </p:txBody>
-      </p:sp>
-      <p:sp>
-        <p:nvSpPr>
-          <p:cNvPr id="18" name="TextBox 17"/>
-          <p:cNvSpPr txBox="1"/>
-          <p:nvPr/>
-        </p:nvSpPr>
-        <p:spPr>
-          <a:xfrm>
-            <a:off x="285750" y="3858894"/>
-            <a:ext cx="635000" cy="369332"/>
-          </a:xfrm>
-          <a:prstGeom prst="rect">
-            <a:avLst/>
-          </a:prstGeom>
-          <a:noFill/>
-        </p:spPr>
-        <p:txBody>
-          <a:bodyPr wrap="square" rtlCol="0">
-            <a:spAutoFit/>
-          </a:bodyPr>
-          <a:lstStyle/>
-          <a:p>
-            <a:r>
-              <a:rPr lang="en-US" dirty="0" smtClean="0">
-                <a:solidFill>
-                  <a:srgbClr val="FF0000"/>
-                </a:solidFill>
-              </a:rPr>
-              <a:t>(8)</a:t>
-            </a:r>
-            <a:endParaRPr lang="en-US" dirty="0">
-              <a:solidFill>
-                <a:srgbClr val="FF0000"/>
-              </a:solidFill>
-            </a:endParaRPr>
-          </a:p>
-        </p:txBody>
-      </p:sp>
-      <p:sp>
-        <p:nvSpPr>
-          <p:cNvPr id="19" name="Rounded Rectangle 18"/>
-          <p:cNvSpPr/>
-          <p:nvPr/>
-        </p:nvSpPr>
-        <p:spPr>
-          <a:xfrm>
-            <a:off x="650875" y="4452003"/>
-            <a:ext cx="2698752" cy="411283"/>
-          </a:xfrm>
-          <a:prstGeom prst="roundRect">
-            <a:avLst/>
-          </a:prstGeom>
-          <a:noFill/>
-          <a:ln w="28575" cmpd="sng">
-            <a:solidFill>
-              <a:srgbClr val="FF0000"/>
-            </a:solidFill>
-          </a:ln>
-          <a:effectLst/>
-        </p:spPr>
-        <p:style>
-          <a:lnRef idx="1">
-            <a:schemeClr val="accent1"/>
-          </a:lnRef>
-          <a:fillRef idx="3">
-            <a:schemeClr val="accent1"/>
-          </a:fillRef>
-          <a:effectRef idx="2">
-            <a:schemeClr val="accent1"/>
-          </a:effectRef>
-          <a:fontRef idx="minor">
-            <a:schemeClr val="lt1"/>
-          </a:fontRef>
-        </p:style>
-        <p:txBody>
-          <a:bodyPr rtlCol="0" anchor="ctr"/>
-          <a:lstStyle/>
-          <a:p>
-            <a:pPr algn="ctr"/>
-            <a:endParaRPr lang="en-US"/>
-          </a:p>
-        </p:txBody>
-      </p:sp>
-      <p:sp>
-        <p:nvSpPr>
-          <p:cNvPr id="20" name="TextBox 19"/>
-          <p:cNvSpPr txBox="1"/>
-          <p:nvPr/>
-        </p:nvSpPr>
-        <p:spPr>
-          <a:xfrm>
-            <a:off x="285750" y="4340657"/>
-            <a:ext cx="635000" cy="369332"/>
-          </a:xfrm>
-          <a:prstGeom prst="rect">
-            <a:avLst/>
-          </a:prstGeom>
-          <a:noFill/>
-        </p:spPr>
-        <p:txBody>
-          <a:bodyPr wrap="square" rtlCol="0">
-            <a:spAutoFit/>
-          </a:bodyPr>
-          <a:lstStyle/>
-          <a:p>
-            <a:r>
-              <a:rPr lang="en-US" dirty="0" smtClean="0">
-                <a:solidFill>
-                  <a:srgbClr val="FF0000"/>
-                </a:solidFill>
-              </a:rPr>
-              <a:t>(9)</a:t>
-            </a:r>
-            <a:endParaRPr lang="en-US" dirty="0">
-              <a:solidFill>
-                <a:srgbClr val="FF0000"/>
-              </a:solidFill>
-            </a:endParaRPr>
+      <p:sp>
+        <p:nvSpPr>
+          <p:cNvPr id="2" name="Title 1"/>
+          <p:cNvSpPr>
+            <a:spLocks noGrp="1"/>
+          </p:cNvSpPr>
+          <p:nvPr>
+            <p:ph type="title"/>
+          </p:nvPr>
+        </p:nvSpPr>
+        <p:spPr/>
+        <p:txBody>
+          <a:bodyPr/>
+          <a:lstStyle/>
+          <a:p>
+            <a:r>
+              <a:rPr lang="en-US" dirty="0" err="1" smtClean="0"/>
+              <a:t>MetaDE</a:t>
+            </a:r>
+            <a:endParaRPr lang="en-US" dirty="0"/>
+          </a:p>
+        </p:txBody>
+      </p:sp>
+      <p:sp>
+        <p:nvSpPr>
+          <p:cNvPr id="3" name="Content Placeholder 2"/>
+          <p:cNvSpPr>
+            <a:spLocks noGrp="1"/>
+          </p:cNvSpPr>
+          <p:nvPr>
+            <p:ph idx="1"/>
+          </p:nvPr>
+        </p:nvSpPr>
+        <p:spPr/>
+        <p:txBody>
+          <a:bodyPr/>
+          <a:lstStyle/>
+          <a:p>
+            <a:endParaRPr lang="en-US"/>
           </a:p>
         </p:txBody>
       </p:sp>
     </p:spTree>
     <p:extLst>
       <p:ext uri="{BB962C8B-B14F-4D97-AF65-F5344CB8AC3E}">
-        <p14:creationId xmlns:p14="http://schemas.microsoft.com/office/powerpoint/2010/main" val="3994870973"/>
+        <p14:creationId xmlns:p14="http://schemas.microsoft.com/office/powerpoint/2010/main" val="2735724217"/>
       </p:ext>
     </p:extLst>
   </p:cSld>
   <p:clrMapOvr>
     <a:masterClrMapping/>
   </p:clrMapOvr>
+  <p:timing>
+    <p:tnLst>
+      <p:par>
+        <p:cTn xmlns:p14="http://schemas.microsoft.com/office/powerpoint/2010/main" id="1" dur="indefinite" restart="never" nodeType="tmRoot"/>
+      </p:par>
+    </p:tnLst>
+  </p:timing>
 </p:sld>
 </file>
 
@@ -4353,8 +3626,8 @@
         </p:blipFill>
         <p:spPr>
           <a:xfrm>
-            <a:off x="555625" y="-177799"/>
-            <a:ext cx="7295786" cy="5664200"/>
+            <a:off x="650879" y="312881"/>
+            <a:ext cx="8080375" cy="4613906"/>
           </a:xfrm>
           <a:prstGeom prst="rect">
             <a:avLst/>
@@ -4369,8 +3642,8 @@
         </p:nvSpPr>
         <p:spPr>
           <a:xfrm>
-            <a:off x="555625" y="474603"/>
-            <a:ext cx="3902076" cy="2446399"/>
+            <a:off x="650875" y="665087"/>
+            <a:ext cx="2698752" cy="431779"/>
           </a:xfrm>
           <a:prstGeom prst="roundRect">
             <a:avLst/>
@@ -4414,8 +3687,8 @@
         </p:nvSpPr>
         <p:spPr>
           <a:xfrm>
-            <a:off x="190504" y="289936"/>
-            <a:ext cx="1083235" cy="369332"/>
+            <a:off x="285750" y="385170"/>
+            <a:ext cx="635000" cy="369332"/>
           </a:xfrm>
           <a:prstGeom prst="rect">
             <a:avLst/>
@@ -4452,8 +3725,8 @@
         </p:nvSpPr>
         <p:spPr>
           <a:xfrm>
-            <a:off x="190501" y="3394571"/>
-            <a:ext cx="7759700" cy="2091830"/>
+            <a:off x="650875" y="1164595"/>
+            <a:ext cx="2698752" cy="431779"/>
           </a:xfrm>
           <a:prstGeom prst="roundRect">
             <a:avLst/>
@@ -4497,8 +3770,8 @@
         </p:nvSpPr>
         <p:spPr>
           <a:xfrm>
-            <a:off x="127003" y="3067008"/>
-            <a:ext cx="1083235" cy="369332"/>
+            <a:off x="285750" y="912199"/>
+            <a:ext cx="635000" cy="369332"/>
           </a:xfrm>
           <a:prstGeom prst="rect">
             <a:avLst/>
@@ -4527,10 +3800,591 @@
           </a:p>
         </p:txBody>
       </p:sp>
+      <p:sp>
+        <p:nvSpPr>
+          <p:cNvPr id="7" name="Rounded Rectangle 6"/>
+          <p:cNvSpPr/>
+          <p:nvPr/>
+        </p:nvSpPr>
+        <p:spPr>
+          <a:xfrm>
+            <a:off x="650875" y="1604865"/>
+            <a:ext cx="2698752" cy="297318"/>
+          </a:xfrm>
+          <a:prstGeom prst="roundRect">
+            <a:avLst/>
+          </a:prstGeom>
+          <a:noFill/>
+          <a:ln w="28575" cmpd="sng">
+            <a:solidFill>
+              <a:srgbClr val="FF0000"/>
+            </a:solidFill>
+          </a:ln>
+          <a:effectLst/>
+        </p:spPr>
+        <p:style>
+          <a:lnRef idx="1">
+            <a:schemeClr val="accent1"/>
+          </a:lnRef>
+          <a:fillRef idx="3">
+            <a:schemeClr val="accent1"/>
+          </a:fillRef>
+          <a:effectRef idx="2">
+            <a:schemeClr val="accent1"/>
+          </a:effectRef>
+          <a:fontRef idx="minor">
+            <a:schemeClr val="lt1"/>
+          </a:fontRef>
+        </p:style>
+        <p:txBody>
+          <a:bodyPr rtlCol="0" anchor="ctr"/>
+          <a:lstStyle/>
+          <a:p>
+            <a:pPr algn="ctr"/>
+            <a:endParaRPr lang="en-US"/>
+          </a:p>
+        </p:txBody>
+      </p:sp>
+      <p:sp>
+        <p:nvSpPr>
+          <p:cNvPr id="8" name="TextBox 7"/>
+          <p:cNvSpPr txBox="1"/>
+          <p:nvPr/>
+        </p:nvSpPr>
+        <p:spPr>
+          <a:xfrm>
+            <a:off x="285750" y="1402181"/>
+            <a:ext cx="635000" cy="369332"/>
+          </a:xfrm>
+          <a:prstGeom prst="rect">
+            <a:avLst/>
+          </a:prstGeom>
+          <a:noFill/>
+        </p:spPr>
+        <p:txBody>
+          <a:bodyPr wrap="square" rtlCol="0">
+            <a:spAutoFit/>
+          </a:bodyPr>
+          <a:lstStyle/>
+          <a:p>
+            <a:r>
+              <a:rPr lang="en-US" dirty="0" smtClean="0">
+                <a:solidFill>
+                  <a:srgbClr val="FF0000"/>
+                </a:solidFill>
+              </a:rPr>
+              <a:t>(3)</a:t>
+            </a:r>
+            <a:endParaRPr lang="en-US" dirty="0">
+              <a:solidFill>
+                <a:srgbClr val="FF0000"/>
+              </a:solidFill>
+            </a:endParaRPr>
+          </a:p>
+        </p:txBody>
+      </p:sp>
+      <p:sp>
+        <p:nvSpPr>
+          <p:cNvPr id="9" name="Rounded Rectangle 8"/>
+          <p:cNvSpPr/>
+          <p:nvPr/>
+        </p:nvSpPr>
+        <p:spPr>
+          <a:xfrm>
+            <a:off x="650875" y="1996301"/>
+            <a:ext cx="2698752" cy="297318"/>
+          </a:xfrm>
+          <a:prstGeom prst="roundRect">
+            <a:avLst/>
+          </a:prstGeom>
+          <a:noFill/>
+          <a:ln w="28575" cmpd="sng">
+            <a:solidFill>
+              <a:srgbClr val="FF0000"/>
+            </a:solidFill>
+          </a:ln>
+          <a:effectLst/>
+        </p:spPr>
+        <p:style>
+          <a:lnRef idx="1">
+            <a:schemeClr val="accent1"/>
+          </a:lnRef>
+          <a:fillRef idx="3">
+            <a:schemeClr val="accent1"/>
+          </a:fillRef>
+          <a:effectRef idx="2">
+            <a:schemeClr val="accent1"/>
+          </a:effectRef>
+          <a:fontRef idx="minor">
+            <a:schemeClr val="lt1"/>
+          </a:fontRef>
+        </p:style>
+        <p:txBody>
+          <a:bodyPr rtlCol="0" anchor="ctr"/>
+          <a:lstStyle/>
+          <a:p>
+            <a:pPr algn="ctr"/>
+            <a:endParaRPr lang="en-US"/>
+          </a:p>
+        </p:txBody>
+      </p:sp>
+      <p:sp>
+        <p:nvSpPr>
+          <p:cNvPr id="10" name="TextBox 9"/>
+          <p:cNvSpPr txBox="1"/>
+          <p:nvPr/>
+        </p:nvSpPr>
+        <p:spPr>
+          <a:xfrm>
+            <a:off x="285750" y="1811635"/>
+            <a:ext cx="635000" cy="369332"/>
+          </a:xfrm>
+          <a:prstGeom prst="rect">
+            <a:avLst/>
+          </a:prstGeom>
+          <a:noFill/>
+        </p:spPr>
+        <p:txBody>
+          <a:bodyPr wrap="square" rtlCol="0">
+            <a:spAutoFit/>
+          </a:bodyPr>
+          <a:lstStyle/>
+          <a:p>
+            <a:r>
+              <a:rPr lang="en-US" dirty="0" smtClean="0">
+                <a:solidFill>
+                  <a:srgbClr val="FF0000"/>
+                </a:solidFill>
+              </a:rPr>
+              <a:t>(4)</a:t>
+            </a:r>
+            <a:endParaRPr lang="en-US" dirty="0">
+              <a:solidFill>
+                <a:srgbClr val="FF0000"/>
+              </a:solidFill>
+            </a:endParaRPr>
+          </a:p>
+        </p:txBody>
+      </p:sp>
+      <p:sp>
+        <p:nvSpPr>
+          <p:cNvPr id="11" name="Rounded Rectangle 10"/>
+          <p:cNvSpPr/>
+          <p:nvPr/>
+        </p:nvSpPr>
+        <p:spPr>
+          <a:xfrm>
+            <a:off x="650875" y="2454312"/>
+            <a:ext cx="2698752" cy="297318"/>
+          </a:xfrm>
+          <a:prstGeom prst="roundRect">
+            <a:avLst/>
+          </a:prstGeom>
+          <a:noFill/>
+          <a:ln w="28575" cmpd="sng">
+            <a:solidFill>
+              <a:srgbClr val="FF0000"/>
+            </a:solidFill>
+          </a:ln>
+          <a:effectLst/>
+        </p:spPr>
+        <p:style>
+          <a:lnRef idx="1">
+            <a:schemeClr val="accent1"/>
+          </a:lnRef>
+          <a:fillRef idx="3">
+            <a:schemeClr val="accent1"/>
+          </a:fillRef>
+          <a:effectRef idx="2">
+            <a:schemeClr val="accent1"/>
+          </a:effectRef>
+          <a:fontRef idx="minor">
+            <a:schemeClr val="lt1"/>
+          </a:fontRef>
+        </p:style>
+        <p:txBody>
+          <a:bodyPr rtlCol="0" anchor="ctr"/>
+          <a:lstStyle/>
+          <a:p>
+            <a:pPr algn="ctr"/>
+            <a:endParaRPr lang="en-US"/>
+          </a:p>
+        </p:txBody>
+      </p:sp>
+      <p:sp>
+        <p:nvSpPr>
+          <p:cNvPr id="12" name="TextBox 11"/>
+          <p:cNvSpPr txBox="1"/>
+          <p:nvPr/>
+        </p:nvSpPr>
+        <p:spPr>
+          <a:xfrm>
+            <a:off x="285750" y="2269646"/>
+            <a:ext cx="635000" cy="369332"/>
+          </a:xfrm>
+          <a:prstGeom prst="rect">
+            <a:avLst/>
+          </a:prstGeom>
+          <a:noFill/>
+        </p:spPr>
+        <p:txBody>
+          <a:bodyPr wrap="square" rtlCol="0">
+            <a:spAutoFit/>
+          </a:bodyPr>
+          <a:lstStyle/>
+          <a:p>
+            <a:r>
+              <a:rPr lang="en-US" dirty="0" smtClean="0">
+                <a:solidFill>
+                  <a:srgbClr val="FF0000"/>
+                </a:solidFill>
+              </a:rPr>
+              <a:t>(5)</a:t>
+            </a:r>
+            <a:endParaRPr lang="en-US" dirty="0">
+              <a:solidFill>
+                <a:srgbClr val="FF0000"/>
+              </a:solidFill>
+            </a:endParaRPr>
+          </a:p>
+        </p:txBody>
+      </p:sp>
+      <p:sp>
+        <p:nvSpPr>
+          <p:cNvPr id="13" name="Rounded Rectangle 12"/>
+          <p:cNvSpPr/>
+          <p:nvPr/>
+        </p:nvSpPr>
+        <p:spPr>
+          <a:xfrm>
+            <a:off x="650875" y="2928493"/>
+            <a:ext cx="2698752" cy="297318"/>
+          </a:xfrm>
+          <a:prstGeom prst="roundRect">
+            <a:avLst/>
+          </a:prstGeom>
+          <a:noFill/>
+          <a:ln w="28575" cmpd="sng">
+            <a:solidFill>
+              <a:srgbClr val="FF0000"/>
+            </a:solidFill>
+          </a:ln>
+          <a:effectLst/>
+        </p:spPr>
+        <p:style>
+          <a:lnRef idx="1">
+            <a:schemeClr val="accent1"/>
+          </a:lnRef>
+          <a:fillRef idx="3">
+            <a:schemeClr val="accent1"/>
+          </a:fillRef>
+          <a:effectRef idx="2">
+            <a:schemeClr val="accent1"/>
+          </a:effectRef>
+          <a:fontRef idx="minor">
+            <a:schemeClr val="lt1"/>
+          </a:fontRef>
+        </p:style>
+        <p:txBody>
+          <a:bodyPr rtlCol="0" anchor="ctr"/>
+          <a:lstStyle/>
+          <a:p>
+            <a:pPr algn="ctr"/>
+            <a:endParaRPr lang="en-US"/>
+          </a:p>
+        </p:txBody>
+      </p:sp>
+      <p:sp>
+        <p:nvSpPr>
+          <p:cNvPr id="14" name="TextBox 13"/>
+          <p:cNvSpPr txBox="1"/>
+          <p:nvPr/>
+        </p:nvSpPr>
+        <p:spPr>
+          <a:xfrm>
+            <a:off x="285750" y="2743827"/>
+            <a:ext cx="635000" cy="369332"/>
+          </a:xfrm>
+          <a:prstGeom prst="rect">
+            <a:avLst/>
+          </a:prstGeom>
+          <a:noFill/>
+        </p:spPr>
+        <p:txBody>
+          <a:bodyPr wrap="square" rtlCol="0">
+            <a:spAutoFit/>
+          </a:bodyPr>
+          <a:lstStyle/>
+          <a:p>
+            <a:r>
+              <a:rPr lang="en-US" dirty="0" smtClean="0">
+                <a:solidFill>
+                  <a:srgbClr val="FF0000"/>
+                </a:solidFill>
+              </a:rPr>
+              <a:t>(6)</a:t>
+            </a:r>
+            <a:endParaRPr lang="en-US" dirty="0">
+              <a:solidFill>
+                <a:srgbClr val="FF0000"/>
+              </a:solidFill>
+            </a:endParaRPr>
+          </a:p>
+        </p:txBody>
+      </p:sp>
+      <p:sp>
+        <p:nvSpPr>
+          <p:cNvPr id="15" name="Rounded Rectangle 14"/>
+          <p:cNvSpPr/>
+          <p:nvPr/>
+        </p:nvSpPr>
+        <p:spPr>
+          <a:xfrm>
+            <a:off x="650875" y="3297604"/>
+            <a:ext cx="2698752" cy="640886"/>
+          </a:xfrm>
+          <a:prstGeom prst="roundRect">
+            <a:avLst/>
+          </a:prstGeom>
+          <a:noFill/>
+          <a:ln w="28575" cmpd="sng">
+            <a:solidFill>
+              <a:srgbClr val="FF0000"/>
+            </a:solidFill>
+          </a:ln>
+          <a:effectLst/>
+        </p:spPr>
+        <p:style>
+          <a:lnRef idx="1">
+            <a:schemeClr val="accent1"/>
+          </a:lnRef>
+          <a:fillRef idx="3">
+            <a:schemeClr val="accent1"/>
+          </a:fillRef>
+          <a:effectRef idx="2">
+            <a:schemeClr val="accent1"/>
+          </a:effectRef>
+          <a:fontRef idx="minor">
+            <a:schemeClr val="lt1"/>
+          </a:fontRef>
+        </p:style>
+        <p:txBody>
+          <a:bodyPr rtlCol="0" anchor="ctr"/>
+          <a:lstStyle/>
+          <a:p>
+            <a:pPr algn="ctr"/>
+            <a:endParaRPr lang="en-US"/>
+          </a:p>
+        </p:txBody>
+      </p:sp>
+      <p:sp>
+        <p:nvSpPr>
+          <p:cNvPr id="16" name="TextBox 15"/>
+          <p:cNvSpPr txBox="1"/>
+          <p:nvPr/>
+        </p:nvSpPr>
+        <p:spPr>
+          <a:xfrm>
+            <a:off x="285750" y="3112937"/>
+            <a:ext cx="635000" cy="369332"/>
+          </a:xfrm>
+          <a:prstGeom prst="rect">
+            <a:avLst/>
+          </a:prstGeom>
+          <a:noFill/>
+        </p:spPr>
+        <p:txBody>
+          <a:bodyPr wrap="square" rtlCol="0">
+            <a:spAutoFit/>
+          </a:bodyPr>
+          <a:lstStyle/>
+          <a:p>
+            <a:r>
+              <a:rPr lang="en-US" dirty="0" smtClean="0">
+                <a:solidFill>
+                  <a:srgbClr val="FF0000"/>
+                </a:solidFill>
+              </a:rPr>
+              <a:t>(7)</a:t>
+            </a:r>
+            <a:endParaRPr lang="en-US" dirty="0">
+              <a:solidFill>
+                <a:srgbClr val="FF0000"/>
+              </a:solidFill>
+            </a:endParaRPr>
+          </a:p>
+        </p:txBody>
+      </p:sp>
+      <p:sp>
+        <p:nvSpPr>
+          <p:cNvPr id="17" name="Rounded Rectangle 16"/>
+          <p:cNvSpPr/>
+          <p:nvPr/>
+        </p:nvSpPr>
+        <p:spPr>
+          <a:xfrm>
+            <a:off x="650875" y="4043560"/>
+            <a:ext cx="2698752" cy="297318"/>
+          </a:xfrm>
+          <a:prstGeom prst="roundRect">
+            <a:avLst/>
+          </a:prstGeom>
+          <a:noFill/>
+          <a:ln w="28575" cmpd="sng">
+            <a:solidFill>
+              <a:srgbClr val="FF0000"/>
+            </a:solidFill>
+          </a:ln>
+          <a:effectLst/>
+        </p:spPr>
+        <p:style>
+          <a:lnRef idx="1">
+            <a:schemeClr val="accent1"/>
+          </a:lnRef>
+          <a:fillRef idx="3">
+            <a:schemeClr val="accent1"/>
+          </a:fillRef>
+          <a:effectRef idx="2">
+            <a:schemeClr val="accent1"/>
+          </a:effectRef>
+          <a:fontRef idx="minor">
+            <a:schemeClr val="lt1"/>
+          </a:fontRef>
+        </p:style>
+        <p:txBody>
+          <a:bodyPr rtlCol="0" anchor="ctr"/>
+          <a:lstStyle/>
+          <a:p>
+            <a:pPr algn="ctr"/>
+            <a:endParaRPr lang="en-US"/>
+          </a:p>
+        </p:txBody>
+      </p:sp>
+      <p:sp>
+        <p:nvSpPr>
+          <p:cNvPr id="18" name="TextBox 17"/>
+          <p:cNvSpPr txBox="1"/>
+          <p:nvPr/>
+        </p:nvSpPr>
+        <p:spPr>
+          <a:xfrm>
+            <a:off x="285750" y="3858894"/>
+            <a:ext cx="635000" cy="369332"/>
+          </a:xfrm>
+          <a:prstGeom prst="rect">
+            <a:avLst/>
+          </a:prstGeom>
+          <a:noFill/>
+        </p:spPr>
+        <p:txBody>
+          <a:bodyPr wrap="square" rtlCol="0">
+            <a:spAutoFit/>
+          </a:bodyPr>
+          <a:lstStyle/>
+          <a:p>
+            <a:r>
+              <a:rPr lang="en-US" dirty="0" smtClean="0">
+                <a:solidFill>
+                  <a:srgbClr val="FF0000"/>
+                </a:solidFill>
+              </a:rPr>
+              <a:t>(8)</a:t>
+            </a:r>
+            <a:endParaRPr lang="en-US" dirty="0">
+              <a:solidFill>
+                <a:srgbClr val="FF0000"/>
+              </a:solidFill>
+            </a:endParaRPr>
+          </a:p>
+        </p:txBody>
+      </p:sp>
+      <p:sp>
+        <p:nvSpPr>
+          <p:cNvPr id="19" name="Rounded Rectangle 18"/>
+          <p:cNvSpPr/>
+          <p:nvPr/>
+        </p:nvSpPr>
+        <p:spPr>
+          <a:xfrm>
+            <a:off x="650875" y="4452003"/>
+            <a:ext cx="2698752" cy="411283"/>
+          </a:xfrm>
+          <a:prstGeom prst="roundRect">
+            <a:avLst/>
+          </a:prstGeom>
+          <a:noFill/>
+          <a:ln w="28575" cmpd="sng">
+            <a:solidFill>
+              <a:srgbClr val="FF0000"/>
+            </a:solidFill>
+          </a:ln>
+          <a:effectLst/>
+        </p:spPr>
+        <p:style>
+          <a:lnRef idx="1">
+            <a:schemeClr val="accent1"/>
+          </a:lnRef>
+          <a:fillRef idx="3">
+            <a:schemeClr val="accent1"/>
+          </a:fillRef>
+          <a:effectRef idx="2">
+            <a:schemeClr val="accent1"/>
+          </a:effectRef>
+          <a:fontRef idx="minor">
+            <a:schemeClr val="lt1"/>
+          </a:fontRef>
+        </p:style>
+        <p:txBody>
+          <a:bodyPr rtlCol="0" anchor="ctr"/>
+          <a:lstStyle/>
+          <a:p>
+            <a:pPr algn="ctr"/>
+            <a:endParaRPr lang="en-US"/>
+          </a:p>
+        </p:txBody>
+      </p:sp>
+      <p:sp>
+        <p:nvSpPr>
+          <p:cNvPr id="20" name="TextBox 19"/>
+          <p:cNvSpPr txBox="1"/>
+          <p:nvPr/>
+        </p:nvSpPr>
+        <p:spPr>
+          <a:xfrm>
+            <a:off x="285750" y="4340657"/>
+            <a:ext cx="635000" cy="369332"/>
+          </a:xfrm>
+          <a:prstGeom prst="rect">
+            <a:avLst/>
+          </a:prstGeom>
+          <a:noFill/>
+        </p:spPr>
+        <p:txBody>
+          <a:bodyPr wrap="square" rtlCol="0">
+            <a:spAutoFit/>
+          </a:bodyPr>
+          <a:lstStyle/>
+          <a:p>
+            <a:r>
+              <a:rPr lang="en-US" dirty="0" smtClean="0">
+                <a:solidFill>
+                  <a:srgbClr val="FF0000"/>
+                </a:solidFill>
+              </a:rPr>
+              <a:t>(9)</a:t>
+            </a:r>
+            <a:endParaRPr lang="en-US" dirty="0">
+              <a:solidFill>
+                <a:srgbClr val="FF0000"/>
+              </a:solidFill>
+            </a:endParaRPr>
+          </a:p>
+        </p:txBody>
+      </p:sp>
     </p:spTree>
     <p:extLst>
       <p:ext uri="{BB962C8B-B14F-4D97-AF65-F5344CB8AC3E}">
-        <p14:creationId xmlns:p14="http://schemas.microsoft.com/office/powerpoint/2010/main" val="173667741"/>
+        <p14:creationId xmlns:p14="http://schemas.microsoft.com/office/powerpoint/2010/main" val="3994870973"/>
       </p:ext>
     </p:extLst>
   </p:cSld>
@@ -4559,7 +4413,7 @@
       </p:grpSpPr>
       <p:pic>
         <p:nvPicPr>
-          <p:cNvPr id="2" name="Picture 1" descr="Screen Shot 2017-04-16 at 10.30.29 PM.png"/>
+          <p:cNvPr id="2" name="Picture 1"/>
           <p:cNvPicPr>
             <a:picLocks noChangeAspect="1"/>
           </p:cNvPicPr>
@@ -4579,8 +4433,8 @@
         </p:blipFill>
         <p:spPr>
           <a:xfrm>
-            <a:off x="443437" y="643080"/>
-            <a:ext cx="8477250" cy="4325795"/>
+            <a:off x="555625" y="-177799"/>
+            <a:ext cx="7295786" cy="5664200"/>
           </a:xfrm>
           <a:prstGeom prst="rect">
             <a:avLst/>
@@ -4595,8 +4449,8 @@
         </p:nvSpPr>
         <p:spPr>
           <a:xfrm>
-            <a:off x="252937" y="1295401"/>
-            <a:ext cx="8891063" cy="3752850"/>
+            <a:off x="555625" y="474603"/>
+            <a:ext cx="3902076" cy="2446399"/>
           </a:xfrm>
           <a:prstGeom prst="roundRect">
             <a:avLst/>
@@ -4640,7 +4494,7 @@
         </p:nvSpPr>
         <p:spPr>
           <a:xfrm>
-            <a:off x="78316" y="1110734"/>
+            <a:off x="190504" y="289936"/>
             <a:ext cx="1083235" cy="369332"/>
           </a:xfrm>
           <a:prstGeom prst="rect">
@@ -4660,7 +4514,90 @@
                   <a:srgbClr val="FF0000"/>
                 </a:solidFill>
               </a:rPr>
-              <a:t>(3)</a:t>
+              <a:t>(1)</a:t>
+            </a:r>
+            <a:endParaRPr lang="en-US" dirty="0">
+              <a:solidFill>
+                <a:srgbClr val="FF0000"/>
+              </a:solidFill>
+            </a:endParaRPr>
+          </a:p>
+        </p:txBody>
+      </p:sp>
+      <p:sp>
+        <p:nvSpPr>
+          <p:cNvPr id="5" name="Rounded Rectangle 4"/>
+          <p:cNvSpPr/>
+          <p:nvPr/>
+        </p:nvSpPr>
+        <p:spPr>
+          <a:xfrm>
+            <a:off x="190501" y="3394571"/>
+            <a:ext cx="7759700" cy="2091830"/>
+          </a:xfrm>
+          <a:prstGeom prst="roundRect">
+            <a:avLst/>
+          </a:prstGeom>
+          <a:noFill/>
+          <a:ln w="28575" cmpd="sng">
+            <a:solidFill>
+              <a:srgbClr val="FF0000"/>
+            </a:solidFill>
+          </a:ln>
+          <a:effectLst/>
+        </p:spPr>
+        <p:style>
+          <a:lnRef idx="1">
+            <a:schemeClr val="accent1"/>
+          </a:lnRef>
+          <a:fillRef idx="3">
+            <a:schemeClr val="accent1"/>
+          </a:fillRef>
+          <a:effectRef idx="2">
+            <a:schemeClr val="accent1"/>
+          </a:effectRef>
+          <a:fontRef idx="minor">
+            <a:schemeClr val="lt1"/>
+          </a:fontRef>
+        </p:style>
+        <p:txBody>
+          <a:bodyPr rtlCol="0" anchor="ctr"/>
+          <a:lstStyle/>
+          <a:p>
+            <a:pPr algn="ctr"/>
+            <a:endParaRPr lang="en-US"/>
+          </a:p>
+        </p:txBody>
+      </p:sp>
+      <p:sp>
+        <p:nvSpPr>
+          <p:cNvPr id="6" name="TextBox 5"/>
+          <p:cNvSpPr txBox="1"/>
+          <p:nvPr/>
+        </p:nvSpPr>
+        <p:spPr>
+          <a:xfrm>
+            <a:off x="127003" y="3067008"/>
+            <a:ext cx="1083235" cy="369332"/>
+          </a:xfrm>
+          <a:prstGeom prst="rect">
+            <a:avLst/>
+          </a:prstGeom>
+          <a:noFill/>
+        </p:spPr>
+        <p:txBody>
+          <a:bodyPr wrap="square" rtlCol="0">
+            <a:spAutoFit/>
+          </a:bodyPr>
+          <a:lstStyle/>
+          <a:p>
+            <a:r>
+              <a:rPr lang="en-US" dirty="0" smtClean="0">
+                <a:solidFill>
+                  <a:srgbClr val="FF0000"/>
+                </a:solidFill>
+              </a:rPr>
+              <a:t>(2)</a:t>
             </a:r>
             <a:endParaRPr lang="en-US" dirty="0">
               <a:solidFill>
@@ -4700,52 +4637,123 @@
           <a:chExt cx="0" cy="0"/>
         </a:xfrm>
       </p:grpSpPr>
-      <p:sp>
-        <p:nvSpPr>
-          <p:cNvPr id="2" name="Title 1"/>
-          <p:cNvSpPr>
-            <a:spLocks noGrp="1"/>
-          </p:cNvSpPr>
-          <p:nvPr>
-            <p:ph type="title"/>
-          </p:nvPr>
-        </p:nvSpPr>
-        <p:spPr/>
-        <p:txBody>
-          <a:bodyPr/>
-          <a:lstStyle/>
-          <a:p>
-            <a:r>
-              <a:rPr lang="en-US" dirty="0" err="1" smtClean="0"/>
-              <a:t>MetaPath</a:t>
-            </a:r>
-            <a:endParaRPr lang="en-US" dirty="0"/>
-          </a:p>
-        </p:txBody>
-      </p:sp>
-      <p:sp>
-        <p:nvSpPr>
-          <p:cNvPr id="3" name="Content Placeholder 2"/>
-          <p:cNvSpPr>
-            <a:spLocks noGrp="1"/>
-          </p:cNvSpPr>
-          <p:nvPr>
-            <p:ph idx="1"/>
-          </p:nvPr>
-        </p:nvSpPr>
-        <p:spPr/>
-        <p:txBody>
-          <a:bodyPr/>
-          <a:lstStyle/>
-          <a:p>
-            <a:endParaRPr lang="en-US"/>
+      <p:pic>
+        <p:nvPicPr>
+          <p:cNvPr id="2" name="Picture 1" descr="Screen Shot 2017-04-16 at 10.30.29 PM.png"/>
+          <p:cNvPicPr>
+            <a:picLocks noChangeAspect="1"/>
+          </p:cNvPicPr>
+          <p:nvPr/>
+        </p:nvPicPr>
+        <p:blipFill>
+          <a:blip r:embed="rId2">
+            <a:extLst>
+              <a:ext uri="{28A0092B-C50C-407E-A947-70E740481C1C}">
+                <a14:useLocalDpi xmlns:a14="http://schemas.microsoft.com/office/drawing/2010/main" val="0"/>
+              </a:ext>
+            </a:extLst>
+          </a:blip>
+          <a:stretch>
+            <a:fillRect/>
+          </a:stretch>
+        </p:blipFill>
+        <p:spPr>
+          <a:xfrm>
+            <a:off x="443437" y="643080"/>
+            <a:ext cx="8477250" cy="4325795"/>
+          </a:xfrm>
+          <a:prstGeom prst="rect">
+            <a:avLst/>
+          </a:prstGeom>
+        </p:spPr>
+      </p:pic>
+      <p:sp>
+        <p:nvSpPr>
+          <p:cNvPr id="3" name="Rounded Rectangle 2"/>
+          <p:cNvSpPr/>
+          <p:nvPr/>
+        </p:nvSpPr>
+        <p:spPr>
+          <a:xfrm>
+            <a:off x="252937" y="1295401"/>
+            <a:ext cx="8891063" cy="3752850"/>
+          </a:xfrm>
+          <a:prstGeom prst="roundRect">
+            <a:avLst/>
+          </a:prstGeom>
+          <a:noFill/>
+          <a:ln w="28575" cmpd="sng">
+            <a:solidFill>
+              <a:srgbClr val="FF0000"/>
+            </a:solidFill>
+          </a:ln>
+          <a:effectLst/>
+        </p:spPr>
+        <p:style>
+          <a:lnRef idx="1">
+            <a:schemeClr val="accent1"/>
+          </a:lnRef>
+          <a:fillRef idx="3">
+            <a:schemeClr val="accent1"/>
+          </a:fillRef>
+          <a:effectRef idx="2">
+            <a:schemeClr val="accent1"/>
+          </a:effectRef>
+          <a:fontRef idx="minor">
+            <a:schemeClr val="lt1"/>
+          </a:fontRef>
+        </p:style>
+        <p:txBody>
+          <a:bodyPr rtlCol="0" anchor="ctr"/>
+          <a:lstStyle/>
+          <a:p>
+            <a:pPr algn="ctr"/>
+            <a:endParaRPr lang="en-US"/>
+          </a:p>
+        </p:txBody>
+      </p:sp>
+      <p:sp>
+        <p:nvSpPr>
+          <p:cNvPr id="4" name="TextBox 3"/>
+          <p:cNvSpPr txBox="1"/>
+          <p:nvPr/>
+        </p:nvSpPr>
+        <p:spPr>
+          <a:xfrm>
+            <a:off x="78316" y="1110734"/>
+            <a:ext cx="1083235" cy="369332"/>
+          </a:xfrm>
+          <a:prstGeom prst="rect">
+            <a:avLst/>
+          </a:prstGeom>
+          <a:noFill/>
+        </p:spPr>
+        <p:txBody>
+          <a:bodyPr wrap="square" rtlCol="0">
+            <a:spAutoFit/>
+          </a:bodyPr>
+          <a:lstStyle/>
+          <a:p>
+            <a:r>
+              <a:rPr lang="en-US" dirty="0" smtClean="0">
+                <a:solidFill>
+                  <a:srgbClr val="FF0000"/>
+                </a:solidFill>
+              </a:rPr>
+              <a:t>(3)</a:t>
+            </a:r>
+            <a:endParaRPr lang="en-US" dirty="0">
+              <a:solidFill>
+                <a:srgbClr val="FF0000"/>
+              </a:solidFill>
+            </a:endParaRPr>
           </a:p>
         </p:txBody>
       </p:sp>
     </p:spTree>
     <p:extLst>
       <p:ext uri="{BB962C8B-B14F-4D97-AF65-F5344CB8AC3E}">
-        <p14:creationId xmlns:p14="http://schemas.microsoft.com/office/powerpoint/2010/main" val="816699913"/>
+        <p14:creationId xmlns:p14="http://schemas.microsoft.com/office/powerpoint/2010/main" val="173667741"/>
       </p:ext>
     </p:extLst>
   </p:cSld>
@@ -4772,704 +4780,52 @@
           <a:chExt cx="0" cy="0"/>
         </a:xfrm>
       </p:grpSpPr>
-      <p:pic>
-        <p:nvPicPr>
-          <p:cNvPr id="2" name="Picture 1" descr="Screen Shot 2017-04-16 at 11.59.33 PM.png"/>
-          <p:cNvPicPr>
-            <a:picLocks noChangeAspect="1"/>
-          </p:cNvPicPr>
-          <p:nvPr/>
-        </p:nvPicPr>
-        <p:blipFill>
-          <a:blip r:embed="rId2">
-            <a:extLst>
-              <a:ext uri="{28A0092B-C50C-407E-A947-70E740481C1C}">
-                <a14:useLocalDpi xmlns:a14="http://schemas.microsoft.com/office/drawing/2010/main" val="0"/>
-              </a:ext>
-            </a:extLst>
-          </a:blip>
-          <a:stretch>
-            <a:fillRect/>
-          </a:stretch>
-        </p:blipFill>
-        <p:spPr>
-          <a:xfrm>
-            <a:off x="201578" y="176136"/>
-            <a:ext cx="8781163" cy="4571948"/>
-          </a:xfrm>
-          <a:prstGeom prst="rect">
-            <a:avLst/>
-          </a:prstGeom>
-        </p:spPr>
-      </p:pic>
-      <p:sp>
-        <p:nvSpPr>
-          <p:cNvPr id="3" name="Rounded Rectangle 2"/>
-          <p:cNvSpPr/>
-          <p:nvPr/>
-        </p:nvSpPr>
-        <p:spPr>
-          <a:xfrm>
-            <a:off x="342975" y="667577"/>
-            <a:ext cx="2698752" cy="378481"/>
-          </a:xfrm>
-          <a:prstGeom prst="roundRect">
-            <a:avLst/>
-          </a:prstGeom>
-          <a:noFill/>
-          <a:ln w="28575" cmpd="sng">
-            <a:solidFill>
-              <a:srgbClr val="FF0000"/>
-            </a:solidFill>
-          </a:ln>
-          <a:effectLst/>
-        </p:spPr>
-        <p:style>
-          <a:lnRef idx="1">
-            <a:schemeClr val="accent1"/>
-          </a:lnRef>
-          <a:fillRef idx="3">
-            <a:schemeClr val="accent1"/>
-          </a:fillRef>
-          <a:effectRef idx="2">
-            <a:schemeClr val="accent1"/>
-          </a:effectRef>
-          <a:fontRef idx="minor">
-            <a:schemeClr val="lt1"/>
-          </a:fontRef>
-        </p:style>
-        <p:txBody>
-          <a:bodyPr rtlCol="0" anchor="ctr"/>
-          <a:lstStyle/>
-          <a:p>
-            <a:pPr algn="ctr"/>
-            <a:endParaRPr lang="en-US"/>
-          </a:p>
-        </p:txBody>
-      </p:sp>
-      <p:sp>
-        <p:nvSpPr>
-          <p:cNvPr id="4" name="TextBox 3"/>
-          <p:cNvSpPr txBox="1"/>
-          <p:nvPr/>
-        </p:nvSpPr>
-        <p:spPr>
-          <a:xfrm>
-            <a:off x="-22612" y="404107"/>
-            <a:ext cx="635000" cy="369332"/>
-          </a:xfrm>
-          <a:prstGeom prst="rect">
-            <a:avLst/>
-          </a:prstGeom>
-          <a:noFill/>
-        </p:spPr>
-        <p:txBody>
-          <a:bodyPr wrap="square" rtlCol="0">
-            <a:spAutoFit/>
-          </a:bodyPr>
-          <a:lstStyle/>
-          <a:p>
-            <a:r>
-              <a:rPr lang="en-US" dirty="0" smtClean="0">
-                <a:solidFill>
-                  <a:srgbClr val="FF0000"/>
-                </a:solidFill>
-              </a:rPr>
-              <a:t>(1)</a:t>
-            </a:r>
-            <a:endParaRPr lang="en-US" dirty="0">
-              <a:solidFill>
-                <a:srgbClr val="FF0000"/>
-              </a:solidFill>
-            </a:endParaRPr>
-          </a:p>
-        </p:txBody>
-      </p:sp>
-      <p:sp>
-        <p:nvSpPr>
-          <p:cNvPr id="5" name="Rounded Rectangle 4"/>
-          <p:cNvSpPr/>
-          <p:nvPr/>
-        </p:nvSpPr>
-        <p:spPr>
-          <a:xfrm>
-            <a:off x="342979" y="1084541"/>
-            <a:ext cx="2698752" cy="336198"/>
-          </a:xfrm>
-          <a:prstGeom prst="roundRect">
-            <a:avLst/>
-          </a:prstGeom>
-          <a:noFill/>
-          <a:ln w="28575" cmpd="sng">
-            <a:solidFill>
-              <a:srgbClr val="FF0000"/>
-            </a:solidFill>
-          </a:ln>
-          <a:effectLst/>
-        </p:spPr>
-        <p:style>
-          <a:lnRef idx="1">
-            <a:schemeClr val="accent1"/>
-          </a:lnRef>
-          <a:fillRef idx="3">
-            <a:schemeClr val="accent1"/>
-          </a:fillRef>
-          <a:effectRef idx="2">
-            <a:schemeClr val="accent1"/>
-          </a:effectRef>
-          <a:fontRef idx="minor">
-            <a:schemeClr val="lt1"/>
-          </a:fontRef>
-        </p:style>
-        <p:txBody>
-          <a:bodyPr rtlCol="0" anchor="ctr"/>
-          <a:lstStyle/>
-          <a:p>
-            <a:pPr algn="ctr"/>
-            <a:endParaRPr lang="en-US"/>
-          </a:p>
-        </p:txBody>
-      </p:sp>
-      <p:sp>
-        <p:nvSpPr>
-          <p:cNvPr id="6" name="TextBox 5"/>
-          <p:cNvSpPr txBox="1"/>
-          <p:nvPr/>
-        </p:nvSpPr>
-        <p:spPr>
-          <a:xfrm>
-            <a:off x="-22612" y="913918"/>
-            <a:ext cx="635000" cy="369332"/>
-          </a:xfrm>
-          <a:prstGeom prst="rect">
-            <a:avLst/>
-          </a:prstGeom>
-          <a:noFill/>
-        </p:spPr>
-        <p:txBody>
-          <a:bodyPr wrap="square" rtlCol="0">
-            <a:spAutoFit/>
-          </a:bodyPr>
-          <a:lstStyle/>
-          <a:p>
-            <a:r>
-              <a:rPr lang="en-US" dirty="0" smtClean="0">
-                <a:solidFill>
-                  <a:srgbClr val="FF0000"/>
-                </a:solidFill>
-              </a:rPr>
-              <a:t>(2)</a:t>
-            </a:r>
-            <a:endParaRPr lang="en-US" dirty="0">
-              <a:solidFill>
-                <a:srgbClr val="FF0000"/>
-              </a:solidFill>
-            </a:endParaRPr>
-          </a:p>
-        </p:txBody>
-      </p:sp>
-      <p:sp>
-        <p:nvSpPr>
-          <p:cNvPr id="7" name="Rounded Rectangle 6"/>
-          <p:cNvSpPr/>
-          <p:nvPr/>
-        </p:nvSpPr>
-        <p:spPr>
-          <a:xfrm>
-            <a:off x="349895" y="1446395"/>
-            <a:ext cx="2698752" cy="297318"/>
-          </a:xfrm>
-          <a:prstGeom prst="roundRect">
-            <a:avLst/>
-          </a:prstGeom>
-          <a:noFill/>
-          <a:ln w="28575" cmpd="sng">
-            <a:solidFill>
-              <a:srgbClr val="FF0000"/>
-            </a:solidFill>
-          </a:ln>
-          <a:effectLst/>
-        </p:spPr>
-        <p:style>
-          <a:lnRef idx="1">
-            <a:schemeClr val="accent1"/>
-          </a:lnRef>
-          <a:fillRef idx="3">
-            <a:schemeClr val="accent1"/>
-          </a:fillRef>
-          <a:effectRef idx="2">
-            <a:schemeClr val="accent1"/>
-          </a:effectRef>
-          <a:fontRef idx="minor">
-            <a:schemeClr val="lt1"/>
-          </a:fontRef>
-        </p:style>
-        <p:txBody>
-          <a:bodyPr rtlCol="0" anchor="ctr"/>
-          <a:lstStyle/>
-          <a:p>
-            <a:pPr algn="ctr"/>
-            <a:endParaRPr lang="en-US"/>
-          </a:p>
-        </p:txBody>
-      </p:sp>
-      <p:sp>
-        <p:nvSpPr>
-          <p:cNvPr id="8" name="TextBox 7"/>
-          <p:cNvSpPr txBox="1"/>
-          <p:nvPr/>
-        </p:nvSpPr>
-        <p:spPr>
-          <a:xfrm>
-            <a:off x="-25658" y="1292574"/>
-            <a:ext cx="635000" cy="369332"/>
-          </a:xfrm>
-          <a:prstGeom prst="rect">
-            <a:avLst/>
-          </a:prstGeom>
-          <a:noFill/>
-        </p:spPr>
-        <p:txBody>
-          <a:bodyPr wrap="square" rtlCol="0">
-            <a:spAutoFit/>
-          </a:bodyPr>
-          <a:lstStyle/>
-          <a:p>
-            <a:r>
-              <a:rPr lang="en-US" dirty="0" smtClean="0">
-                <a:solidFill>
-                  <a:srgbClr val="FF0000"/>
-                </a:solidFill>
-              </a:rPr>
-              <a:t>(3)</a:t>
-            </a:r>
-            <a:endParaRPr lang="en-US" dirty="0">
-              <a:solidFill>
-                <a:srgbClr val="FF0000"/>
-              </a:solidFill>
-            </a:endParaRPr>
-          </a:p>
-        </p:txBody>
-      </p:sp>
-      <p:sp>
-        <p:nvSpPr>
-          <p:cNvPr id="9" name="Rounded Rectangle 8"/>
-          <p:cNvSpPr/>
-          <p:nvPr/>
-        </p:nvSpPr>
-        <p:spPr>
-          <a:xfrm>
-            <a:off x="349895" y="1921757"/>
-            <a:ext cx="2698752" cy="702107"/>
-          </a:xfrm>
-          <a:prstGeom prst="roundRect">
-            <a:avLst/>
-          </a:prstGeom>
-          <a:noFill/>
-          <a:ln w="28575" cmpd="sng">
-            <a:solidFill>
-              <a:srgbClr val="FF0000"/>
-            </a:solidFill>
-          </a:ln>
-          <a:effectLst/>
-        </p:spPr>
-        <p:style>
-          <a:lnRef idx="1">
-            <a:schemeClr val="accent1"/>
-          </a:lnRef>
-          <a:fillRef idx="3">
-            <a:schemeClr val="accent1"/>
-          </a:fillRef>
-          <a:effectRef idx="2">
-            <a:schemeClr val="accent1"/>
-          </a:effectRef>
-          <a:fontRef idx="minor">
-            <a:schemeClr val="lt1"/>
-          </a:fontRef>
-        </p:style>
-        <p:txBody>
-          <a:bodyPr rtlCol="0" anchor="ctr"/>
-          <a:lstStyle/>
-          <a:p>
-            <a:pPr algn="ctr"/>
-            <a:endParaRPr lang="en-US"/>
-          </a:p>
-        </p:txBody>
-      </p:sp>
-      <p:sp>
-        <p:nvSpPr>
-          <p:cNvPr id="10" name="TextBox 9"/>
-          <p:cNvSpPr txBox="1"/>
-          <p:nvPr/>
-        </p:nvSpPr>
-        <p:spPr>
-          <a:xfrm>
-            <a:off x="-18921" y="1778880"/>
-            <a:ext cx="635000" cy="369332"/>
-          </a:xfrm>
-          <a:prstGeom prst="rect">
-            <a:avLst/>
-          </a:prstGeom>
-          <a:noFill/>
-        </p:spPr>
-        <p:txBody>
-          <a:bodyPr wrap="square" rtlCol="0">
-            <a:spAutoFit/>
-          </a:bodyPr>
-          <a:lstStyle/>
-          <a:p>
-            <a:r>
-              <a:rPr lang="en-US" dirty="0" smtClean="0">
-                <a:solidFill>
-                  <a:srgbClr val="FF0000"/>
-                </a:solidFill>
-              </a:rPr>
-              <a:t>(4)</a:t>
-            </a:r>
-            <a:endParaRPr lang="en-US" dirty="0">
-              <a:solidFill>
-                <a:srgbClr val="FF0000"/>
-              </a:solidFill>
-            </a:endParaRPr>
-          </a:p>
-        </p:txBody>
-      </p:sp>
-      <p:sp>
-        <p:nvSpPr>
-          <p:cNvPr id="11" name="Rounded Rectangle 10"/>
-          <p:cNvSpPr/>
-          <p:nvPr/>
-        </p:nvSpPr>
-        <p:spPr>
-          <a:xfrm>
-            <a:off x="349895" y="2744854"/>
-            <a:ext cx="2698752" cy="297318"/>
-          </a:xfrm>
-          <a:prstGeom prst="roundRect">
-            <a:avLst/>
-          </a:prstGeom>
-          <a:noFill/>
-          <a:ln w="28575" cmpd="sng">
-            <a:solidFill>
-              <a:srgbClr val="FF0000"/>
-            </a:solidFill>
-          </a:ln>
-          <a:effectLst/>
-        </p:spPr>
-        <p:style>
-          <a:lnRef idx="1">
-            <a:schemeClr val="accent1"/>
-          </a:lnRef>
-          <a:fillRef idx="3">
-            <a:schemeClr val="accent1"/>
-          </a:fillRef>
-          <a:effectRef idx="2">
-            <a:schemeClr val="accent1"/>
-          </a:effectRef>
-          <a:fontRef idx="minor">
-            <a:schemeClr val="lt1"/>
-          </a:fontRef>
-        </p:style>
-        <p:txBody>
-          <a:bodyPr rtlCol="0" anchor="ctr"/>
-          <a:lstStyle/>
-          <a:p>
-            <a:pPr algn="ctr"/>
-            <a:endParaRPr lang="en-US"/>
-          </a:p>
-        </p:txBody>
-      </p:sp>
-      <p:sp>
-        <p:nvSpPr>
-          <p:cNvPr id="12" name="TextBox 11"/>
-          <p:cNvSpPr txBox="1"/>
-          <p:nvPr/>
-        </p:nvSpPr>
-        <p:spPr>
-          <a:xfrm>
-            <a:off x="-9783" y="2524181"/>
-            <a:ext cx="635000" cy="369332"/>
-          </a:xfrm>
-          <a:prstGeom prst="rect">
-            <a:avLst/>
-          </a:prstGeom>
-          <a:noFill/>
-        </p:spPr>
-        <p:txBody>
-          <a:bodyPr wrap="square" rtlCol="0">
-            <a:spAutoFit/>
-          </a:bodyPr>
-          <a:lstStyle/>
-          <a:p>
-            <a:r>
-              <a:rPr lang="en-US" dirty="0" smtClean="0">
-                <a:solidFill>
-                  <a:srgbClr val="FF0000"/>
-                </a:solidFill>
-              </a:rPr>
-              <a:t>(5)</a:t>
-            </a:r>
-            <a:endParaRPr lang="en-US" dirty="0">
-              <a:solidFill>
-                <a:srgbClr val="FF0000"/>
-              </a:solidFill>
-            </a:endParaRPr>
-          </a:p>
-        </p:txBody>
-      </p:sp>
-      <p:sp>
-        <p:nvSpPr>
-          <p:cNvPr id="13" name="Rounded Rectangle 12"/>
-          <p:cNvSpPr/>
-          <p:nvPr/>
-        </p:nvSpPr>
-        <p:spPr>
-          <a:xfrm>
-            <a:off x="349895" y="3090534"/>
-            <a:ext cx="2698752" cy="297318"/>
-          </a:xfrm>
-          <a:prstGeom prst="roundRect">
-            <a:avLst/>
-          </a:prstGeom>
-          <a:noFill/>
-          <a:ln w="28575" cmpd="sng">
-            <a:solidFill>
-              <a:srgbClr val="FF0000"/>
-            </a:solidFill>
-          </a:ln>
-          <a:effectLst/>
-        </p:spPr>
-        <p:style>
-          <a:lnRef idx="1">
-            <a:schemeClr val="accent1"/>
-          </a:lnRef>
-          <a:fillRef idx="3">
-            <a:schemeClr val="accent1"/>
-          </a:fillRef>
-          <a:effectRef idx="2">
-            <a:schemeClr val="accent1"/>
-          </a:effectRef>
-          <a:fontRef idx="minor">
-            <a:schemeClr val="lt1"/>
-          </a:fontRef>
-        </p:style>
-        <p:txBody>
-          <a:bodyPr rtlCol="0" anchor="ctr"/>
-          <a:lstStyle/>
-          <a:p>
-            <a:pPr algn="ctr"/>
-            <a:endParaRPr lang="en-US"/>
-          </a:p>
-        </p:txBody>
-      </p:sp>
-      <p:sp>
-        <p:nvSpPr>
-          <p:cNvPr id="14" name="TextBox 13"/>
-          <p:cNvSpPr txBox="1"/>
-          <p:nvPr/>
-        </p:nvSpPr>
-        <p:spPr>
-          <a:xfrm>
-            <a:off x="-6092" y="2869861"/>
-            <a:ext cx="635000" cy="369332"/>
-          </a:xfrm>
-          <a:prstGeom prst="rect">
-            <a:avLst/>
-          </a:prstGeom>
-          <a:noFill/>
-        </p:spPr>
-        <p:txBody>
-          <a:bodyPr wrap="square" rtlCol="0">
-            <a:spAutoFit/>
-          </a:bodyPr>
-          <a:lstStyle/>
-          <a:p>
-            <a:r>
-              <a:rPr lang="en-US" dirty="0" smtClean="0">
-                <a:solidFill>
-                  <a:srgbClr val="FF0000"/>
-                </a:solidFill>
-              </a:rPr>
-              <a:t>(6)</a:t>
-            </a:r>
-            <a:endParaRPr lang="en-US" dirty="0">
-              <a:solidFill>
-                <a:srgbClr val="FF0000"/>
-              </a:solidFill>
-            </a:endParaRPr>
-          </a:p>
-        </p:txBody>
-      </p:sp>
-      <p:sp>
-        <p:nvSpPr>
-          <p:cNvPr id="15" name="Rounded Rectangle 14"/>
-          <p:cNvSpPr/>
-          <p:nvPr/>
-        </p:nvSpPr>
-        <p:spPr>
-          <a:xfrm>
-            <a:off x="349895" y="3485183"/>
-            <a:ext cx="2698752" cy="482064"/>
-          </a:xfrm>
-          <a:prstGeom prst="roundRect">
-            <a:avLst/>
-          </a:prstGeom>
-          <a:noFill/>
-          <a:ln w="28575" cmpd="sng">
-            <a:solidFill>
-              <a:srgbClr val="FF0000"/>
-            </a:solidFill>
-          </a:ln>
-          <a:effectLst/>
-        </p:spPr>
-        <p:style>
-          <a:lnRef idx="1">
-            <a:schemeClr val="accent1"/>
-          </a:lnRef>
-          <a:fillRef idx="3">
-            <a:schemeClr val="accent1"/>
-          </a:fillRef>
-          <a:effectRef idx="2">
-            <a:schemeClr val="accent1"/>
-          </a:effectRef>
-          <a:fontRef idx="minor">
-            <a:schemeClr val="lt1"/>
-          </a:fontRef>
-        </p:style>
-        <p:txBody>
-          <a:bodyPr rtlCol="0" anchor="ctr"/>
-          <a:lstStyle/>
-          <a:p>
-            <a:pPr algn="ctr"/>
-            <a:endParaRPr lang="en-US"/>
-          </a:p>
-        </p:txBody>
-      </p:sp>
-      <p:sp>
-        <p:nvSpPr>
-          <p:cNvPr id="16" name="TextBox 15"/>
-          <p:cNvSpPr txBox="1"/>
-          <p:nvPr/>
-        </p:nvSpPr>
-        <p:spPr>
-          <a:xfrm>
-            <a:off x="-6092" y="3282358"/>
-            <a:ext cx="635000" cy="369332"/>
-          </a:xfrm>
-          <a:prstGeom prst="rect">
-            <a:avLst/>
-          </a:prstGeom>
-          <a:noFill/>
-        </p:spPr>
-        <p:txBody>
-          <a:bodyPr wrap="square" rtlCol="0">
-            <a:spAutoFit/>
-          </a:bodyPr>
-          <a:lstStyle/>
-          <a:p>
-            <a:r>
-              <a:rPr lang="en-US" dirty="0" smtClean="0">
-                <a:solidFill>
-                  <a:srgbClr val="FF0000"/>
-                </a:solidFill>
-              </a:rPr>
-              <a:t>(7)</a:t>
-            </a:r>
-            <a:endParaRPr lang="en-US" dirty="0">
-              <a:solidFill>
-                <a:srgbClr val="FF0000"/>
-              </a:solidFill>
-            </a:endParaRPr>
-          </a:p>
-        </p:txBody>
-      </p:sp>
-      <p:sp>
-        <p:nvSpPr>
-          <p:cNvPr id="17" name="Rounded Rectangle 16"/>
-          <p:cNvSpPr/>
-          <p:nvPr/>
-        </p:nvSpPr>
-        <p:spPr>
-          <a:xfrm>
-            <a:off x="349895" y="4048050"/>
-            <a:ext cx="2698752" cy="397346"/>
-          </a:xfrm>
-          <a:prstGeom prst="roundRect">
-            <a:avLst/>
-          </a:prstGeom>
-          <a:noFill/>
-          <a:ln w="28575" cmpd="sng">
-            <a:solidFill>
-              <a:srgbClr val="FF0000"/>
-            </a:solidFill>
-          </a:ln>
-          <a:effectLst/>
-        </p:spPr>
-        <p:style>
-          <a:lnRef idx="1">
-            <a:schemeClr val="accent1"/>
-          </a:lnRef>
-          <a:fillRef idx="3">
-            <a:schemeClr val="accent1"/>
-          </a:fillRef>
-          <a:effectRef idx="2">
-            <a:schemeClr val="accent1"/>
-          </a:effectRef>
-          <a:fontRef idx="minor">
-            <a:schemeClr val="lt1"/>
-          </a:fontRef>
-        </p:style>
-        <p:txBody>
-          <a:bodyPr rtlCol="0" anchor="ctr"/>
-          <a:lstStyle/>
-          <a:p>
-            <a:pPr algn="ctr"/>
-            <a:endParaRPr lang="en-US"/>
-          </a:p>
-        </p:txBody>
-      </p:sp>
-      <p:sp>
-        <p:nvSpPr>
-          <p:cNvPr id="18" name="TextBox 17"/>
-          <p:cNvSpPr txBox="1"/>
-          <p:nvPr/>
-        </p:nvSpPr>
-        <p:spPr>
-          <a:xfrm>
-            <a:off x="0" y="3819944"/>
-            <a:ext cx="635000" cy="369332"/>
-          </a:xfrm>
-          <a:prstGeom prst="rect">
-            <a:avLst/>
-          </a:prstGeom>
-          <a:noFill/>
-        </p:spPr>
-        <p:txBody>
-          <a:bodyPr wrap="square" rtlCol="0">
-            <a:spAutoFit/>
-          </a:bodyPr>
-          <a:lstStyle/>
-          <a:p>
-            <a:r>
-              <a:rPr lang="en-US" dirty="0" smtClean="0">
-                <a:solidFill>
-                  <a:srgbClr val="FF0000"/>
-                </a:solidFill>
-              </a:rPr>
-              <a:t>(8)</a:t>
-            </a:r>
-            <a:endParaRPr lang="en-US" dirty="0">
-              <a:solidFill>
-                <a:srgbClr val="FF0000"/>
-              </a:solidFill>
-            </a:endParaRPr>
+      <p:sp>
+        <p:nvSpPr>
+          <p:cNvPr id="2" name="Title 1"/>
+          <p:cNvSpPr>
+            <a:spLocks noGrp="1"/>
+          </p:cNvSpPr>
+          <p:nvPr>
+            <p:ph type="title"/>
+          </p:nvPr>
+        </p:nvSpPr>
+        <p:spPr/>
+        <p:txBody>
+          <a:bodyPr/>
+          <a:lstStyle/>
+          <a:p>
+            <a:r>
+              <a:rPr lang="en-US" dirty="0" err="1" smtClean="0"/>
+              <a:t>MetaPath</a:t>
+            </a:r>
+            <a:endParaRPr lang="en-US" dirty="0"/>
+          </a:p>
+        </p:txBody>
+      </p:sp>
+      <p:sp>
+        <p:nvSpPr>
+          <p:cNvPr id="3" name="Content Placeholder 2"/>
+          <p:cNvSpPr>
+            <a:spLocks noGrp="1"/>
+          </p:cNvSpPr>
+          <p:nvPr>
+            <p:ph idx="1"/>
+          </p:nvPr>
+        </p:nvSpPr>
+        <p:spPr/>
+        <p:txBody>
+          <a:bodyPr/>
+          <a:lstStyle/>
+          <a:p>
+            <a:endParaRPr lang="en-US"/>
           </a:p>
         </p:txBody>
       </p:sp>
     </p:spTree>
     <p:extLst>
       <p:ext uri="{BB962C8B-B14F-4D97-AF65-F5344CB8AC3E}">
-        <p14:creationId xmlns:p14="http://schemas.microsoft.com/office/powerpoint/2010/main" val="3487444946"/>
+        <p14:creationId xmlns:p14="http://schemas.microsoft.com/office/powerpoint/2010/main" val="816699913"/>
       </p:ext>
     </p:extLst>
   </p:cSld>
@@ -5498,7 +4854,7 @@
       </p:grpSpPr>
       <p:pic>
         <p:nvPicPr>
-          <p:cNvPr id="2" name="Picture 1" descr="Screen Shot 2017-04-17 at 12.21.17 AM.png"/>
+          <p:cNvPr id="2" name="Picture 1" descr="Screen Shot 2017-04-16 at 11.59.33 PM.png"/>
           <p:cNvPicPr>
             <a:picLocks noChangeAspect="1"/>
           </p:cNvPicPr>
@@ -5518,8 +4874,8 @@
         </p:blipFill>
         <p:spPr>
           <a:xfrm>
-            <a:off x="301561" y="0"/>
-            <a:ext cx="8541048" cy="5842164"/>
+            <a:off x="201578" y="176136"/>
+            <a:ext cx="8781163" cy="4571948"/>
           </a:xfrm>
           <a:prstGeom prst="rect">
             <a:avLst/>
@@ -5534,8 +4890,8 @@
         </p:nvSpPr>
         <p:spPr>
           <a:xfrm>
-            <a:off x="473786" y="1240537"/>
-            <a:ext cx="8476464" cy="3937516"/>
+            <a:off x="342975" y="667577"/>
+            <a:ext cx="2698752" cy="378481"/>
           </a:xfrm>
           <a:prstGeom prst="roundRect">
             <a:avLst/>
@@ -5579,8 +4935,8 @@
         </p:nvSpPr>
         <p:spPr>
           <a:xfrm>
-            <a:off x="46564" y="1141967"/>
-            <a:ext cx="1083235" cy="369332"/>
+            <a:off x="-22612" y="404107"/>
+            <a:ext cx="635000" cy="369332"/>
           </a:xfrm>
           <a:prstGeom prst="rect">
             <a:avLst/>
@@ -5609,10 +4965,591 @@
           </a:p>
         </p:txBody>
       </p:sp>
+      <p:sp>
+        <p:nvSpPr>
+          <p:cNvPr id="5" name="Rounded Rectangle 4"/>
+          <p:cNvSpPr/>
+          <p:nvPr/>
+        </p:nvSpPr>
+        <p:spPr>
+          <a:xfrm>
+            <a:off x="342979" y="1084541"/>
+            <a:ext cx="2698752" cy="336198"/>
+          </a:xfrm>
+          <a:prstGeom prst="roundRect">
+            <a:avLst/>
+          </a:prstGeom>
+          <a:noFill/>
+          <a:ln w="28575" cmpd="sng">
+            <a:solidFill>
+              <a:srgbClr val="FF0000"/>
+            </a:solidFill>
+          </a:ln>
+          <a:effectLst/>
+        </p:spPr>
+        <p:style>
+          <a:lnRef idx="1">
+            <a:schemeClr val="accent1"/>
+          </a:lnRef>
+          <a:fillRef idx="3">
+            <a:schemeClr val="accent1"/>
+          </a:fillRef>
+          <a:effectRef idx="2">
+            <a:schemeClr val="accent1"/>
+          </a:effectRef>
+          <a:fontRef idx="minor">
+            <a:schemeClr val="lt1"/>
+          </a:fontRef>
+        </p:style>
+        <p:txBody>
+          <a:bodyPr rtlCol="0" anchor="ctr"/>
+          <a:lstStyle/>
+          <a:p>
+            <a:pPr algn="ctr"/>
+            <a:endParaRPr lang="en-US"/>
+          </a:p>
+        </p:txBody>
+      </p:sp>
+      <p:sp>
+        <p:nvSpPr>
+          <p:cNvPr id="6" name="TextBox 5"/>
+          <p:cNvSpPr txBox="1"/>
+          <p:nvPr/>
+        </p:nvSpPr>
+        <p:spPr>
+          <a:xfrm>
+            <a:off x="-22612" y="913918"/>
+            <a:ext cx="635000" cy="369332"/>
+          </a:xfrm>
+          <a:prstGeom prst="rect">
+            <a:avLst/>
+          </a:prstGeom>
+          <a:noFill/>
+        </p:spPr>
+        <p:txBody>
+          <a:bodyPr wrap="square" rtlCol="0">
+            <a:spAutoFit/>
+          </a:bodyPr>
+          <a:lstStyle/>
+          <a:p>
+            <a:r>
+              <a:rPr lang="en-US" dirty="0" smtClean="0">
+                <a:solidFill>
+                  <a:srgbClr val="FF0000"/>
+                </a:solidFill>
+              </a:rPr>
+              <a:t>(2)</a:t>
+            </a:r>
+            <a:endParaRPr lang="en-US" dirty="0">
+              <a:solidFill>
+                <a:srgbClr val="FF0000"/>
+              </a:solidFill>
+            </a:endParaRPr>
+          </a:p>
+        </p:txBody>
+      </p:sp>
+      <p:sp>
+        <p:nvSpPr>
+          <p:cNvPr id="7" name="Rounded Rectangle 6"/>
+          <p:cNvSpPr/>
+          <p:nvPr/>
+        </p:nvSpPr>
+        <p:spPr>
+          <a:xfrm>
+            <a:off x="349895" y="1446395"/>
+            <a:ext cx="2698752" cy="297318"/>
+          </a:xfrm>
+          <a:prstGeom prst="roundRect">
+            <a:avLst/>
+          </a:prstGeom>
+          <a:noFill/>
+          <a:ln w="28575" cmpd="sng">
+            <a:solidFill>
+              <a:srgbClr val="FF0000"/>
+            </a:solidFill>
+          </a:ln>
+          <a:effectLst/>
+        </p:spPr>
+        <p:style>
+          <a:lnRef idx="1">
+            <a:schemeClr val="accent1"/>
+          </a:lnRef>
+          <a:fillRef idx="3">
+            <a:schemeClr val="accent1"/>
+          </a:fillRef>
+          <a:effectRef idx="2">
+            <a:schemeClr val="accent1"/>
+          </a:effectRef>
+          <a:fontRef idx="minor">
+            <a:schemeClr val="lt1"/>
+          </a:fontRef>
+        </p:style>
+        <p:txBody>
+          <a:bodyPr rtlCol="0" anchor="ctr"/>
+          <a:lstStyle/>
+          <a:p>
+            <a:pPr algn="ctr"/>
+            <a:endParaRPr lang="en-US"/>
+          </a:p>
+        </p:txBody>
+      </p:sp>
+      <p:sp>
+        <p:nvSpPr>
+          <p:cNvPr id="8" name="TextBox 7"/>
+          <p:cNvSpPr txBox="1"/>
+          <p:nvPr/>
+        </p:nvSpPr>
+        <p:spPr>
+          <a:xfrm>
+            <a:off x="-25658" y="1292574"/>
+            <a:ext cx="635000" cy="369332"/>
+          </a:xfrm>
+          <a:prstGeom prst="rect">
+            <a:avLst/>
+          </a:prstGeom>
+          <a:noFill/>
+        </p:spPr>
+        <p:txBody>
+          <a:bodyPr wrap="square" rtlCol="0">
+            <a:spAutoFit/>
+          </a:bodyPr>
+          <a:lstStyle/>
+          <a:p>
+            <a:r>
+              <a:rPr lang="en-US" dirty="0" smtClean="0">
+                <a:solidFill>
+                  <a:srgbClr val="FF0000"/>
+                </a:solidFill>
+              </a:rPr>
+              <a:t>(3)</a:t>
+            </a:r>
+            <a:endParaRPr lang="en-US" dirty="0">
+              <a:solidFill>
+                <a:srgbClr val="FF0000"/>
+              </a:solidFill>
+            </a:endParaRPr>
+          </a:p>
+        </p:txBody>
+      </p:sp>
+      <p:sp>
+        <p:nvSpPr>
+          <p:cNvPr id="9" name="Rounded Rectangle 8"/>
+          <p:cNvSpPr/>
+          <p:nvPr/>
+        </p:nvSpPr>
+        <p:spPr>
+          <a:xfrm>
+            <a:off x="349895" y="1921757"/>
+            <a:ext cx="2698752" cy="702107"/>
+          </a:xfrm>
+          <a:prstGeom prst="roundRect">
+            <a:avLst/>
+          </a:prstGeom>
+          <a:noFill/>
+          <a:ln w="28575" cmpd="sng">
+            <a:solidFill>
+              <a:srgbClr val="FF0000"/>
+            </a:solidFill>
+          </a:ln>
+          <a:effectLst/>
+        </p:spPr>
+        <p:style>
+          <a:lnRef idx="1">
+            <a:schemeClr val="accent1"/>
+          </a:lnRef>
+          <a:fillRef idx="3">
+            <a:schemeClr val="accent1"/>
+          </a:fillRef>
+          <a:effectRef idx="2">
+            <a:schemeClr val="accent1"/>
+          </a:effectRef>
+          <a:fontRef idx="minor">
+            <a:schemeClr val="lt1"/>
+          </a:fontRef>
+        </p:style>
+        <p:txBody>
+          <a:bodyPr rtlCol="0" anchor="ctr"/>
+          <a:lstStyle/>
+          <a:p>
+            <a:pPr algn="ctr"/>
+            <a:endParaRPr lang="en-US"/>
+          </a:p>
+        </p:txBody>
+      </p:sp>
+      <p:sp>
+        <p:nvSpPr>
+          <p:cNvPr id="10" name="TextBox 9"/>
+          <p:cNvSpPr txBox="1"/>
+          <p:nvPr/>
+        </p:nvSpPr>
+        <p:spPr>
+          <a:xfrm>
+            <a:off x="-18921" y="1778880"/>
+            <a:ext cx="635000" cy="369332"/>
+          </a:xfrm>
+          <a:prstGeom prst="rect">
+            <a:avLst/>
+          </a:prstGeom>
+          <a:noFill/>
+        </p:spPr>
+        <p:txBody>
+          <a:bodyPr wrap="square" rtlCol="0">
+            <a:spAutoFit/>
+          </a:bodyPr>
+          <a:lstStyle/>
+          <a:p>
+            <a:r>
+              <a:rPr lang="en-US" dirty="0" smtClean="0">
+                <a:solidFill>
+                  <a:srgbClr val="FF0000"/>
+                </a:solidFill>
+              </a:rPr>
+              <a:t>(4)</a:t>
+            </a:r>
+            <a:endParaRPr lang="en-US" dirty="0">
+              <a:solidFill>
+                <a:srgbClr val="FF0000"/>
+              </a:solidFill>
+            </a:endParaRPr>
+          </a:p>
+        </p:txBody>
+      </p:sp>
+      <p:sp>
+        <p:nvSpPr>
+          <p:cNvPr id="11" name="Rounded Rectangle 10"/>
+          <p:cNvSpPr/>
+          <p:nvPr/>
+        </p:nvSpPr>
+        <p:spPr>
+          <a:xfrm>
+            <a:off x="349895" y="2744854"/>
+            <a:ext cx="2698752" cy="297318"/>
+          </a:xfrm>
+          <a:prstGeom prst="roundRect">
+            <a:avLst/>
+          </a:prstGeom>
+          <a:noFill/>
+          <a:ln w="28575" cmpd="sng">
+            <a:solidFill>
+              <a:srgbClr val="FF0000"/>
+            </a:solidFill>
+          </a:ln>
+          <a:effectLst/>
+        </p:spPr>
+        <p:style>
+          <a:lnRef idx="1">
+            <a:schemeClr val="accent1"/>
+          </a:lnRef>
+          <a:fillRef idx="3">
+            <a:schemeClr val="accent1"/>
+          </a:fillRef>
+          <a:effectRef idx="2">
+            <a:schemeClr val="accent1"/>
+          </a:effectRef>
+          <a:fontRef idx="minor">
+            <a:schemeClr val="lt1"/>
+          </a:fontRef>
+        </p:style>
+        <p:txBody>
+          <a:bodyPr rtlCol="0" anchor="ctr"/>
+          <a:lstStyle/>
+          <a:p>
+            <a:pPr algn="ctr"/>
+            <a:endParaRPr lang="en-US"/>
+          </a:p>
+        </p:txBody>
+      </p:sp>
+      <p:sp>
+        <p:nvSpPr>
+          <p:cNvPr id="12" name="TextBox 11"/>
+          <p:cNvSpPr txBox="1"/>
+          <p:nvPr/>
+        </p:nvSpPr>
+        <p:spPr>
+          <a:xfrm>
+            <a:off x="-9783" y="2524181"/>
+            <a:ext cx="635000" cy="369332"/>
+          </a:xfrm>
+          <a:prstGeom prst="rect">
+            <a:avLst/>
+          </a:prstGeom>
+          <a:noFill/>
+        </p:spPr>
+        <p:txBody>
+          <a:bodyPr wrap="square" rtlCol="0">
+            <a:spAutoFit/>
+          </a:bodyPr>
+          <a:lstStyle/>
+          <a:p>
+            <a:r>
+              <a:rPr lang="en-US" dirty="0" smtClean="0">
+                <a:solidFill>
+                  <a:srgbClr val="FF0000"/>
+                </a:solidFill>
+              </a:rPr>
+              <a:t>(5)</a:t>
+            </a:r>
+            <a:endParaRPr lang="en-US" dirty="0">
+              <a:solidFill>
+                <a:srgbClr val="FF0000"/>
+              </a:solidFill>
+            </a:endParaRPr>
+          </a:p>
+        </p:txBody>
+      </p:sp>
+      <p:sp>
+        <p:nvSpPr>
+          <p:cNvPr id="13" name="Rounded Rectangle 12"/>
+          <p:cNvSpPr/>
+          <p:nvPr/>
+        </p:nvSpPr>
+        <p:spPr>
+          <a:xfrm>
+            <a:off x="349895" y="3090534"/>
+            <a:ext cx="2698752" cy="297318"/>
+          </a:xfrm>
+          <a:prstGeom prst="roundRect">
+            <a:avLst/>
+          </a:prstGeom>
+          <a:noFill/>
+          <a:ln w="28575" cmpd="sng">
+            <a:solidFill>
+              <a:srgbClr val="FF0000"/>
+            </a:solidFill>
+          </a:ln>
+          <a:effectLst/>
+        </p:spPr>
+        <p:style>
+          <a:lnRef idx="1">
+            <a:schemeClr val="accent1"/>
+          </a:lnRef>
+          <a:fillRef idx="3">
+            <a:schemeClr val="accent1"/>
+          </a:fillRef>
+          <a:effectRef idx="2">
+            <a:schemeClr val="accent1"/>
+          </a:effectRef>
+          <a:fontRef idx="minor">
+            <a:schemeClr val="lt1"/>
+          </a:fontRef>
+        </p:style>
+        <p:txBody>
+          <a:bodyPr rtlCol="0" anchor="ctr"/>
+          <a:lstStyle/>
+          <a:p>
+            <a:pPr algn="ctr"/>
+            <a:endParaRPr lang="en-US"/>
+          </a:p>
+        </p:txBody>
+      </p:sp>
+      <p:sp>
+        <p:nvSpPr>
+          <p:cNvPr id="14" name="TextBox 13"/>
+          <p:cNvSpPr txBox="1"/>
+          <p:nvPr/>
+        </p:nvSpPr>
+        <p:spPr>
+          <a:xfrm>
+            <a:off x="-6092" y="2869861"/>
+            <a:ext cx="635000" cy="369332"/>
+          </a:xfrm>
+          <a:prstGeom prst="rect">
+            <a:avLst/>
+          </a:prstGeom>
+          <a:noFill/>
+        </p:spPr>
+        <p:txBody>
+          <a:bodyPr wrap="square" rtlCol="0">
+            <a:spAutoFit/>
+          </a:bodyPr>
+          <a:lstStyle/>
+          <a:p>
+            <a:r>
+              <a:rPr lang="en-US" dirty="0" smtClean="0">
+                <a:solidFill>
+                  <a:srgbClr val="FF0000"/>
+                </a:solidFill>
+              </a:rPr>
+              <a:t>(6)</a:t>
+            </a:r>
+            <a:endParaRPr lang="en-US" dirty="0">
+              <a:solidFill>
+                <a:srgbClr val="FF0000"/>
+              </a:solidFill>
+            </a:endParaRPr>
+          </a:p>
+        </p:txBody>
+      </p:sp>
+      <p:sp>
+        <p:nvSpPr>
+          <p:cNvPr id="15" name="Rounded Rectangle 14"/>
+          <p:cNvSpPr/>
+          <p:nvPr/>
+        </p:nvSpPr>
+        <p:spPr>
+          <a:xfrm>
+            <a:off x="349895" y="3485183"/>
+            <a:ext cx="2698752" cy="482064"/>
+          </a:xfrm>
+          <a:prstGeom prst="roundRect">
+            <a:avLst/>
+          </a:prstGeom>
+          <a:noFill/>
+          <a:ln w="28575" cmpd="sng">
+            <a:solidFill>
+              <a:srgbClr val="FF0000"/>
+            </a:solidFill>
+          </a:ln>
+          <a:effectLst/>
+        </p:spPr>
+        <p:style>
+          <a:lnRef idx="1">
+            <a:schemeClr val="accent1"/>
+          </a:lnRef>
+          <a:fillRef idx="3">
+            <a:schemeClr val="accent1"/>
+          </a:fillRef>
+          <a:effectRef idx="2">
+            <a:schemeClr val="accent1"/>
+          </a:effectRef>
+          <a:fontRef idx="minor">
+            <a:schemeClr val="lt1"/>
+          </a:fontRef>
+        </p:style>
+        <p:txBody>
+          <a:bodyPr rtlCol="0" anchor="ctr"/>
+          <a:lstStyle/>
+          <a:p>
+            <a:pPr algn="ctr"/>
+            <a:endParaRPr lang="en-US"/>
+          </a:p>
+        </p:txBody>
+      </p:sp>
+      <p:sp>
+        <p:nvSpPr>
+          <p:cNvPr id="16" name="TextBox 15"/>
+          <p:cNvSpPr txBox="1"/>
+          <p:nvPr/>
+        </p:nvSpPr>
+        <p:spPr>
+          <a:xfrm>
+            <a:off x="-6092" y="3282358"/>
+            <a:ext cx="635000" cy="369332"/>
+          </a:xfrm>
+          <a:prstGeom prst="rect">
+            <a:avLst/>
+          </a:prstGeom>
+          <a:noFill/>
+        </p:spPr>
+        <p:txBody>
+          <a:bodyPr wrap="square" rtlCol="0">
+            <a:spAutoFit/>
+          </a:bodyPr>
+          <a:lstStyle/>
+          <a:p>
+            <a:r>
+              <a:rPr lang="en-US" dirty="0" smtClean="0">
+                <a:solidFill>
+                  <a:srgbClr val="FF0000"/>
+                </a:solidFill>
+              </a:rPr>
+              <a:t>(7)</a:t>
+            </a:r>
+            <a:endParaRPr lang="en-US" dirty="0">
+              <a:solidFill>
+                <a:srgbClr val="FF0000"/>
+              </a:solidFill>
+            </a:endParaRPr>
+          </a:p>
+        </p:txBody>
+      </p:sp>
+      <p:sp>
+        <p:nvSpPr>
+          <p:cNvPr id="17" name="Rounded Rectangle 16"/>
+          <p:cNvSpPr/>
+          <p:nvPr/>
+        </p:nvSpPr>
+        <p:spPr>
+          <a:xfrm>
+            <a:off x="349895" y="4048050"/>
+            <a:ext cx="2698752" cy="397346"/>
+          </a:xfrm>
+          <a:prstGeom prst="roundRect">
+            <a:avLst/>
+          </a:prstGeom>
+          <a:noFill/>
+          <a:ln w="28575" cmpd="sng">
+            <a:solidFill>
+              <a:srgbClr val="FF0000"/>
+            </a:solidFill>
+          </a:ln>
+          <a:effectLst/>
+        </p:spPr>
+        <p:style>
+          <a:lnRef idx="1">
+            <a:schemeClr val="accent1"/>
+          </a:lnRef>
+          <a:fillRef idx="3">
+            <a:schemeClr val="accent1"/>
+          </a:fillRef>
+          <a:effectRef idx="2">
+            <a:schemeClr val="accent1"/>
+          </a:effectRef>
+          <a:fontRef idx="minor">
+            <a:schemeClr val="lt1"/>
+          </a:fontRef>
+        </p:style>
+        <p:txBody>
+          <a:bodyPr rtlCol="0" anchor="ctr"/>
+          <a:lstStyle/>
+          <a:p>
+            <a:pPr algn="ctr"/>
+            <a:endParaRPr lang="en-US"/>
+          </a:p>
+        </p:txBody>
+      </p:sp>
+      <p:sp>
+        <p:nvSpPr>
+          <p:cNvPr id="18" name="TextBox 17"/>
+          <p:cNvSpPr txBox="1"/>
+          <p:nvPr/>
+        </p:nvSpPr>
+        <p:spPr>
+          <a:xfrm>
+            <a:off x="0" y="3819944"/>
+            <a:ext cx="635000" cy="369332"/>
+          </a:xfrm>
+          <a:prstGeom prst="rect">
+            <a:avLst/>
+          </a:prstGeom>
+          <a:noFill/>
+        </p:spPr>
+        <p:txBody>
+          <a:bodyPr wrap="square" rtlCol="0">
+            <a:spAutoFit/>
+          </a:bodyPr>
+          <a:lstStyle/>
+          <a:p>
+            <a:r>
+              <a:rPr lang="en-US" dirty="0" smtClean="0">
+                <a:solidFill>
+                  <a:srgbClr val="FF0000"/>
+                </a:solidFill>
+              </a:rPr>
+              <a:t>(8)</a:t>
+            </a:r>
+            <a:endParaRPr lang="en-US" dirty="0">
+              <a:solidFill>
+                <a:srgbClr val="FF0000"/>
+              </a:solidFill>
+            </a:endParaRPr>
+          </a:p>
+        </p:txBody>
+      </p:sp>
     </p:spTree>
     <p:extLst>
       <p:ext uri="{BB962C8B-B14F-4D97-AF65-F5344CB8AC3E}">
-        <p14:creationId xmlns:p14="http://schemas.microsoft.com/office/powerpoint/2010/main" val="3165454812"/>
+        <p14:creationId xmlns:p14="http://schemas.microsoft.com/office/powerpoint/2010/main" val="3487444946"/>
       </p:ext>
     </p:extLst>
   </p:cSld>
@@ -5641,7 +5578,7 @@
       </p:grpSpPr>
       <p:pic>
         <p:nvPicPr>
-          <p:cNvPr id="2" name="Picture 1" descr="Screen Shot 2017-04-17 at 12.35.22 AM.png"/>
+          <p:cNvPr id="2" name="Picture 1" descr="Screen Shot 2017-04-17 at 12.21.17 AM.png"/>
           <p:cNvPicPr>
             <a:picLocks noChangeAspect="1"/>
           </p:cNvPicPr>
@@ -5661,8 +5598,8 @@
         </p:blipFill>
         <p:spPr>
           <a:xfrm>
-            <a:off x="266700" y="0"/>
-            <a:ext cx="7772400" cy="6201812"/>
+            <a:off x="301561" y="0"/>
+            <a:ext cx="8541048" cy="5842164"/>
           </a:xfrm>
           <a:prstGeom prst="rect">
             <a:avLst/>
@@ -5677,8 +5614,8 @@
         </p:nvSpPr>
         <p:spPr>
           <a:xfrm>
-            <a:off x="417398" y="0"/>
-            <a:ext cx="5061555" cy="2060260"/>
+            <a:off x="473786" y="1240537"/>
+            <a:ext cx="8476464" cy="3937516"/>
           </a:xfrm>
           <a:prstGeom prst="roundRect">
             <a:avLst/>
@@ -5722,8 +5659,8 @@
         </p:nvSpPr>
         <p:spPr>
           <a:xfrm>
-            <a:off x="2" y="16930"/>
-            <a:ext cx="979589" cy="369332"/>
+            <a:off x="46564" y="1141967"/>
+            <a:ext cx="1083235" cy="369332"/>
           </a:xfrm>
           <a:prstGeom prst="rect">
             <a:avLst/>
@@ -5742,7 +5679,7 @@
                   <a:srgbClr val="FF0000"/>
                 </a:solidFill>
               </a:rPr>
-              <a:t>(2)</a:t>
+              <a:t>(1)</a:t>
             </a:r>
             <a:endParaRPr lang="en-US" dirty="0">
               <a:solidFill>
@@ -5752,93 +5689,10 @@
           </a:p>
         </p:txBody>
       </p:sp>
-      <p:sp>
-        <p:nvSpPr>
-          <p:cNvPr id="5" name="Rounded Rectangle 4"/>
-          <p:cNvSpPr/>
-          <p:nvPr/>
-        </p:nvSpPr>
-        <p:spPr>
-          <a:xfrm>
-            <a:off x="417397" y="2950485"/>
-            <a:ext cx="4489570" cy="2945109"/>
-          </a:xfrm>
-          <a:prstGeom prst="roundRect">
-            <a:avLst/>
-          </a:prstGeom>
-          <a:noFill/>
-          <a:ln w="28575" cmpd="sng">
-            <a:solidFill>
-              <a:srgbClr val="FF0000"/>
-            </a:solidFill>
-          </a:ln>
-          <a:effectLst/>
-        </p:spPr>
-        <p:style>
-          <a:lnRef idx="1">
-            <a:schemeClr val="accent1"/>
-          </a:lnRef>
-          <a:fillRef idx="3">
-            <a:schemeClr val="accent1"/>
-          </a:fillRef>
-          <a:effectRef idx="2">
-            <a:schemeClr val="accent1"/>
-          </a:effectRef>
-          <a:fontRef idx="minor">
-            <a:schemeClr val="lt1"/>
-          </a:fontRef>
-        </p:style>
-        <p:txBody>
-          <a:bodyPr rtlCol="0" anchor="ctr"/>
-          <a:lstStyle/>
-          <a:p>
-            <a:pPr algn="ctr"/>
-            <a:endParaRPr lang="en-US"/>
-          </a:p>
-        </p:txBody>
-      </p:sp>
-      <p:sp>
-        <p:nvSpPr>
-          <p:cNvPr id="6" name="TextBox 5"/>
-          <p:cNvSpPr txBox="1"/>
-          <p:nvPr/>
-        </p:nvSpPr>
-        <p:spPr>
-          <a:xfrm>
-            <a:off x="21530" y="2731820"/>
-            <a:ext cx="979589" cy="369332"/>
-          </a:xfrm>
-          <a:prstGeom prst="rect">
-            <a:avLst/>
-          </a:prstGeom>
-          <a:noFill/>
-        </p:spPr>
-        <p:txBody>
-          <a:bodyPr wrap="square" rtlCol="0">
-            <a:spAutoFit/>
-          </a:bodyPr>
-          <a:lstStyle/>
-          <a:p>
-            <a:r>
-              <a:rPr lang="en-US" dirty="0" smtClean="0">
-                <a:solidFill>
-                  <a:srgbClr val="FF0000"/>
-                </a:solidFill>
-              </a:rPr>
-              <a:t>(3)</a:t>
-            </a:r>
-            <a:endParaRPr lang="en-US" dirty="0">
-              <a:solidFill>
-                <a:srgbClr val="FF0000"/>
-              </a:solidFill>
-            </a:endParaRPr>
-          </a:p>
-        </p:txBody>
-      </p:sp>
     </p:spTree>
     <p:extLst>
       <p:ext uri="{BB962C8B-B14F-4D97-AF65-F5344CB8AC3E}">
-        <p14:creationId xmlns:p14="http://schemas.microsoft.com/office/powerpoint/2010/main" val="1820467328"/>
+        <p14:creationId xmlns:p14="http://schemas.microsoft.com/office/powerpoint/2010/main" val="3165454812"/>
       </p:ext>
     </p:extLst>
   </p:cSld>
@@ -5867,7 +5721,7 @@
       </p:grpSpPr>
       <p:pic>
         <p:nvPicPr>
-          <p:cNvPr id="2" name="Picture 1" descr="Screen Shot 2017-04-17 at 10.25.34 AM.png"/>
+          <p:cNvPr id="2" name="Picture 1" descr="Screen Shot 2017-04-17 at 12.35.22 AM.png"/>
           <p:cNvPicPr>
             <a:picLocks noChangeAspect="1"/>
           </p:cNvPicPr>
@@ -5887,8 +5741,8 @@
         </p:blipFill>
         <p:spPr>
           <a:xfrm>
-            <a:off x="503592" y="955764"/>
-            <a:ext cx="8640409" cy="3124882"/>
+            <a:off x="266700" y="0"/>
+            <a:ext cx="7772400" cy="6201812"/>
           </a:xfrm>
           <a:prstGeom prst="rect">
             <a:avLst/>
@@ -5903,8 +5757,8 @@
         </p:nvSpPr>
         <p:spPr>
           <a:xfrm>
-            <a:off x="656859" y="1280357"/>
-            <a:ext cx="8517253" cy="339411"/>
+            <a:off x="417398" y="0"/>
+            <a:ext cx="5061555" cy="2060260"/>
           </a:xfrm>
           <a:prstGeom prst="roundRect">
             <a:avLst/>
@@ -5948,8 +5802,8 @@
         </p:nvSpPr>
         <p:spPr>
           <a:xfrm>
-            <a:off x="115241" y="1095690"/>
-            <a:ext cx="1083235" cy="369332"/>
+            <a:off x="2" y="16930"/>
+            <a:ext cx="979589" cy="369332"/>
           </a:xfrm>
           <a:prstGeom prst="rect">
             <a:avLst/>
@@ -5968,7 +5822,7 @@
                   <a:srgbClr val="FF0000"/>
                 </a:solidFill>
               </a:rPr>
-              <a:t>(4)</a:t>
+              <a:t>(2)</a:t>
             </a:r>
             <a:endParaRPr lang="en-US" dirty="0">
               <a:solidFill>
@@ -5978,10 +5832,93 @@
           </a:p>
         </p:txBody>
       </p:sp>
+      <p:sp>
+        <p:nvSpPr>
+          <p:cNvPr id="5" name="Rounded Rectangle 4"/>
+          <p:cNvSpPr/>
+          <p:nvPr/>
+        </p:nvSpPr>
+        <p:spPr>
+          <a:xfrm>
+            <a:off x="417397" y="2950485"/>
+            <a:ext cx="4489570" cy="2945109"/>
+          </a:xfrm>
+          <a:prstGeom prst="roundRect">
+            <a:avLst/>
+          </a:prstGeom>
+          <a:noFill/>
+          <a:ln w="28575" cmpd="sng">
+            <a:solidFill>
+              <a:srgbClr val="FF0000"/>
+            </a:solidFill>
+          </a:ln>
+          <a:effectLst/>
+        </p:spPr>
+        <p:style>
+          <a:lnRef idx="1">
+            <a:schemeClr val="accent1"/>
+          </a:lnRef>
+          <a:fillRef idx="3">
+            <a:schemeClr val="accent1"/>
+          </a:fillRef>
+          <a:effectRef idx="2">
+            <a:schemeClr val="accent1"/>
+          </a:effectRef>
+          <a:fontRef idx="minor">
+            <a:schemeClr val="lt1"/>
+          </a:fontRef>
+        </p:style>
+        <p:txBody>
+          <a:bodyPr rtlCol="0" anchor="ctr"/>
+          <a:lstStyle/>
+          <a:p>
+            <a:pPr algn="ctr"/>
+            <a:endParaRPr lang="en-US"/>
+          </a:p>
+        </p:txBody>
+      </p:sp>
+      <p:sp>
+        <p:nvSpPr>
+          <p:cNvPr id="6" name="TextBox 5"/>
+          <p:cNvSpPr txBox="1"/>
+          <p:nvPr/>
+        </p:nvSpPr>
+        <p:spPr>
+          <a:xfrm>
+            <a:off x="21530" y="2731820"/>
+            <a:ext cx="979589" cy="369332"/>
+          </a:xfrm>
+          <a:prstGeom prst="rect">
+            <a:avLst/>
+          </a:prstGeom>
+          <a:noFill/>
+        </p:spPr>
+        <p:txBody>
+          <a:bodyPr wrap="square" rtlCol="0">
+            <a:spAutoFit/>
+          </a:bodyPr>
+          <a:lstStyle/>
+          <a:p>
+            <a:r>
+              <a:rPr lang="en-US" dirty="0" smtClean="0">
+                <a:solidFill>
+                  <a:srgbClr val="FF0000"/>
+                </a:solidFill>
+              </a:rPr>
+              <a:t>(3)</a:t>
+            </a:r>
+            <a:endParaRPr lang="en-US" dirty="0">
+              <a:solidFill>
+                <a:srgbClr val="FF0000"/>
+              </a:solidFill>
+            </a:endParaRPr>
+          </a:p>
+        </p:txBody>
+      </p:sp>
     </p:spTree>
     <p:extLst>
       <p:ext uri="{BB962C8B-B14F-4D97-AF65-F5344CB8AC3E}">
-        <p14:creationId xmlns:p14="http://schemas.microsoft.com/office/powerpoint/2010/main" val="1232941738"/>
+        <p14:creationId xmlns:p14="http://schemas.microsoft.com/office/powerpoint/2010/main" val="1820467328"/>
       </p:ext>
     </p:extLst>
   </p:cSld>
@@ -6008,52 +5945,123 @@
           <a:chExt cx="0" cy="0"/>
         </a:xfrm>
       </p:grpSpPr>
-      <p:sp>
-        <p:nvSpPr>
-          <p:cNvPr id="2" name="Title 1"/>
-          <p:cNvSpPr>
-            <a:spLocks noGrp="1"/>
-          </p:cNvSpPr>
-          <p:nvPr>
-            <p:ph type="title"/>
-          </p:nvPr>
-        </p:nvSpPr>
-        <p:spPr/>
-        <p:txBody>
-          <a:bodyPr/>
-          <a:lstStyle/>
-          <a:p>
-            <a:r>
-              <a:rPr lang="en-US" dirty="0" err="1" smtClean="0"/>
-              <a:t>MetaClust</a:t>
-            </a:r>
-            <a:endParaRPr lang="en-US" dirty="0"/>
-          </a:p>
-        </p:txBody>
-      </p:sp>
-      <p:sp>
-        <p:nvSpPr>
-          <p:cNvPr id="3" name="Content Placeholder 2"/>
-          <p:cNvSpPr>
-            <a:spLocks noGrp="1"/>
-          </p:cNvSpPr>
-          <p:nvPr>
-            <p:ph idx="1"/>
-          </p:nvPr>
-        </p:nvSpPr>
-        <p:spPr/>
-        <p:txBody>
-          <a:bodyPr/>
-          <a:lstStyle/>
-          <a:p>
-            <a:endParaRPr lang="en-US"/>
+      <p:pic>
+        <p:nvPicPr>
+          <p:cNvPr id="2" name="Picture 1" descr="Screen Shot 2017-04-17 at 10.25.34 AM.png"/>
+          <p:cNvPicPr>
+            <a:picLocks noChangeAspect="1"/>
+          </p:cNvPicPr>
+          <p:nvPr/>
+        </p:nvPicPr>
+        <p:blipFill>
+          <a:blip r:embed="rId2">
+            <a:extLst>
+              <a:ext uri="{28A0092B-C50C-407E-A947-70E740481C1C}">
+                <a14:useLocalDpi xmlns:a14="http://schemas.microsoft.com/office/drawing/2010/main" val="0"/>
+              </a:ext>
+            </a:extLst>
+          </a:blip>
+          <a:stretch>
+            <a:fillRect/>
+          </a:stretch>
+        </p:blipFill>
+        <p:spPr>
+          <a:xfrm>
+            <a:off x="503592" y="955764"/>
+            <a:ext cx="8640409" cy="3124882"/>
+          </a:xfrm>
+          <a:prstGeom prst="rect">
+            <a:avLst/>
+          </a:prstGeom>
+        </p:spPr>
+      </p:pic>
+      <p:sp>
+        <p:nvSpPr>
+          <p:cNvPr id="3" name="Rounded Rectangle 2"/>
+          <p:cNvSpPr/>
+          <p:nvPr/>
+        </p:nvSpPr>
+        <p:spPr>
+          <a:xfrm>
+            <a:off x="656859" y="1280357"/>
+            <a:ext cx="8517253" cy="339411"/>
+          </a:xfrm>
+          <a:prstGeom prst="roundRect">
+            <a:avLst/>
+          </a:prstGeom>
+          <a:noFill/>
+          <a:ln w="28575" cmpd="sng">
+            <a:solidFill>
+              <a:srgbClr val="FF0000"/>
+            </a:solidFill>
+          </a:ln>
+          <a:effectLst/>
+        </p:spPr>
+        <p:style>
+          <a:lnRef idx="1">
+            <a:schemeClr val="accent1"/>
+          </a:lnRef>
+          <a:fillRef idx="3">
+            <a:schemeClr val="accent1"/>
+          </a:fillRef>
+          <a:effectRef idx="2">
+            <a:schemeClr val="accent1"/>
+          </a:effectRef>
+          <a:fontRef idx="minor">
+            <a:schemeClr val="lt1"/>
+          </a:fontRef>
+        </p:style>
+        <p:txBody>
+          <a:bodyPr rtlCol="0" anchor="ctr"/>
+          <a:lstStyle/>
+          <a:p>
+            <a:pPr algn="ctr"/>
+            <a:endParaRPr lang="en-US"/>
+          </a:p>
+        </p:txBody>
+      </p:sp>
+      <p:sp>
+        <p:nvSpPr>
+          <p:cNvPr id="4" name="TextBox 3"/>
+          <p:cNvSpPr txBox="1"/>
+          <p:nvPr/>
+        </p:nvSpPr>
+        <p:spPr>
+          <a:xfrm>
+            <a:off x="115241" y="1095690"/>
+            <a:ext cx="1083235" cy="369332"/>
+          </a:xfrm>
+          <a:prstGeom prst="rect">
+            <a:avLst/>
+          </a:prstGeom>
+          <a:noFill/>
+        </p:spPr>
+        <p:txBody>
+          <a:bodyPr wrap="square" rtlCol="0">
+            <a:spAutoFit/>
+          </a:bodyPr>
+          <a:lstStyle/>
+          <a:p>
+            <a:r>
+              <a:rPr lang="en-US" dirty="0" smtClean="0">
+                <a:solidFill>
+                  <a:srgbClr val="FF0000"/>
+                </a:solidFill>
+              </a:rPr>
+              <a:t>(4)</a:t>
+            </a:r>
+            <a:endParaRPr lang="en-US" dirty="0">
+              <a:solidFill>
+                <a:srgbClr val="FF0000"/>
+              </a:solidFill>
+            </a:endParaRPr>
           </a:p>
         </p:txBody>
       </p:sp>
     </p:spTree>
     <p:extLst>
       <p:ext uri="{BB962C8B-B14F-4D97-AF65-F5344CB8AC3E}">
-        <p14:creationId xmlns:p14="http://schemas.microsoft.com/office/powerpoint/2010/main" val="4237804477"/>
+        <p14:creationId xmlns:p14="http://schemas.microsoft.com/office/powerpoint/2010/main" val="1232941738"/>
       </p:ext>
     </p:extLst>
   </p:cSld>
@@ -6080,455 +6088,52 @@
           <a:chExt cx="0" cy="0"/>
         </a:xfrm>
       </p:grpSpPr>
-      <p:pic>
-        <p:nvPicPr>
-          <p:cNvPr id="2" name="Picture 1" descr="metaClustHome.png"/>
-          <p:cNvPicPr>
-            <a:picLocks noChangeAspect="1"/>
-          </p:cNvPicPr>
-          <p:nvPr/>
-        </p:nvPicPr>
-        <p:blipFill>
-          <a:blip r:embed="rId2">
-            <a:extLst>
-              <a:ext uri="{28A0092B-C50C-407E-A947-70E740481C1C}">
-                <a14:useLocalDpi xmlns:a14="http://schemas.microsoft.com/office/drawing/2010/main" val="0"/>
-              </a:ext>
-            </a:extLst>
-          </a:blip>
-          <a:stretch>
-            <a:fillRect/>
-          </a:stretch>
-        </p:blipFill>
-        <p:spPr>
-          <a:xfrm>
-            <a:off x="0" y="64800"/>
-            <a:ext cx="9144000" cy="5421600"/>
-          </a:xfrm>
-          <a:prstGeom prst="rect">
-            <a:avLst/>
-          </a:prstGeom>
-        </p:spPr>
-      </p:pic>
-      <p:sp>
-        <p:nvSpPr>
-          <p:cNvPr id="3" name="Rounded Rectangle 2"/>
-          <p:cNvSpPr/>
-          <p:nvPr/>
-        </p:nvSpPr>
-        <p:spPr>
-          <a:xfrm>
-            <a:off x="289193" y="1669004"/>
-            <a:ext cx="2501829" cy="1048266"/>
-          </a:xfrm>
-          <a:prstGeom prst="roundRect">
-            <a:avLst/>
-          </a:prstGeom>
-          <a:noFill/>
-          <a:ln w="28575" cmpd="sng">
-            <a:solidFill>
-              <a:srgbClr val="FF0000"/>
-            </a:solidFill>
-          </a:ln>
-          <a:effectLst/>
-        </p:spPr>
-        <p:style>
-          <a:lnRef idx="1">
-            <a:schemeClr val="accent1"/>
-          </a:lnRef>
-          <a:fillRef idx="3">
-            <a:schemeClr val="accent1"/>
-          </a:fillRef>
-          <a:effectRef idx="2">
-            <a:schemeClr val="accent1"/>
-          </a:effectRef>
-          <a:fontRef idx="minor">
-            <a:schemeClr val="lt1"/>
-          </a:fontRef>
-        </p:style>
-        <p:txBody>
-          <a:bodyPr rtlCol="0" anchor="ctr"/>
-          <a:lstStyle/>
-          <a:p>
-            <a:pPr algn="ctr"/>
-            <a:endParaRPr lang="en-US"/>
-          </a:p>
-        </p:txBody>
-      </p:sp>
-      <p:sp>
-        <p:nvSpPr>
-          <p:cNvPr id="4" name="TextBox 3"/>
-          <p:cNvSpPr txBox="1"/>
-          <p:nvPr/>
-        </p:nvSpPr>
-        <p:spPr>
-          <a:xfrm>
-            <a:off x="-104506" y="1433538"/>
-            <a:ext cx="635000" cy="369332"/>
-          </a:xfrm>
-          <a:prstGeom prst="rect">
-            <a:avLst/>
-          </a:prstGeom>
-          <a:noFill/>
-        </p:spPr>
-        <p:txBody>
-          <a:bodyPr wrap="square" rtlCol="0">
-            <a:spAutoFit/>
-          </a:bodyPr>
-          <a:lstStyle/>
-          <a:p>
-            <a:r>
-              <a:rPr lang="en-US" dirty="0" smtClean="0">
-                <a:solidFill>
-                  <a:srgbClr val="FF0000"/>
-                </a:solidFill>
-              </a:rPr>
-              <a:t>(1)</a:t>
-            </a:r>
-            <a:endParaRPr lang="en-US" dirty="0">
-              <a:solidFill>
-                <a:srgbClr val="FF0000"/>
-              </a:solidFill>
-            </a:endParaRPr>
-          </a:p>
-        </p:txBody>
-      </p:sp>
-      <p:sp>
-        <p:nvSpPr>
-          <p:cNvPr id="5" name="TextBox 4"/>
-          <p:cNvSpPr txBox="1"/>
-          <p:nvPr/>
-        </p:nvSpPr>
-        <p:spPr>
-          <a:xfrm>
-            <a:off x="-117207" y="2839303"/>
-            <a:ext cx="635000" cy="369332"/>
-          </a:xfrm>
-          <a:prstGeom prst="rect">
-            <a:avLst/>
-          </a:prstGeom>
-          <a:noFill/>
-        </p:spPr>
-        <p:txBody>
-          <a:bodyPr wrap="square" rtlCol="0">
-            <a:spAutoFit/>
-          </a:bodyPr>
-          <a:lstStyle/>
-          <a:p>
-            <a:r>
-              <a:rPr lang="en-US" dirty="0" smtClean="0">
-                <a:solidFill>
-                  <a:srgbClr val="FF0000"/>
-                </a:solidFill>
-              </a:rPr>
-              <a:t>(2)</a:t>
-            </a:r>
-            <a:endParaRPr lang="en-US" dirty="0">
-              <a:solidFill>
-                <a:srgbClr val="FF0000"/>
-              </a:solidFill>
-            </a:endParaRPr>
-          </a:p>
-        </p:txBody>
-      </p:sp>
-      <p:sp>
-        <p:nvSpPr>
-          <p:cNvPr id="6" name="TextBox 5"/>
-          <p:cNvSpPr txBox="1"/>
-          <p:nvPr/>
-        </p:nvSpPr>
-        <p:spPr>
-          <a:xfrm>
-            <a:off x="-117206" y="3173438"/>
-            <a:ext cx="635000" cy="369332"/>
-          </a:xfrm>
-          <a:prstGeom prst="rect">
-            <a:avLst/>
-          </a:prstGeom>
-          <a:noFill/>
-        </p:spPr>
-        <p:txBody>
-          <a:bodyPr wrap="square" rtlCol="0">
-            <a:spAutoFit/>
-          </a:bodyPr>
-          <a:lstStyle/>
-          <a:p>
-            <a:r>
-              <a:rPr lang="en-US" dirty="0" smtClean="0">
-                <a:solidFill>
-                  <a:srgbClr val="FF0000"/>
-                </a:solidFill>
-              </a:rPr>
-              <a:t>(3)</a:t>
-            </a:r>
-            <a:endParaRPr lang="en-US" dirty="0">
-              <a:solidFill>
-                <a:srgbClr val="FF0000"/>
-              </a:solidFill>
-            </a:endParaRPr>
-          </a:p>
-        </p:txBody>
-      </p:sp>
-      <p:sp>
-        <p:nvSpPr>
-          <p:cNvPr id="7" name="Rounded Rectangle 6"/>
-          <p:cNvSpPr/>
-          <p:nvPr/>
-        </p:nvSpPr>
-        <p:spPr>
-          <a:xfrm>
-            <a:off x="238393" y="3923769"/>
-            <a:ext cx="2565329" cy="279401"/>
-          </a:xfrm>
-          <a:prstGeom prst="roundRect">
-            <a:avLst/>
-          </a:prstGeom>
-          <a:noFill/>
-          <a:ln w="28575" cmpd="sng">
-            <a:solidFill>
-              <a:srgbClr val="FF0000"/>
-            </a:solidFill>
-          </a:ln>
-          <a:effectLst/>
-        </p:spPr>
-        <p:style>
-          <a:lnRef idx="1">
-            <a:schemeClr val="accent1"/>
-          </a:lnRef>
-          <a:fillRef idx="3">
-            <a:schemeClr val="accent1"/>
-          </a:fillRef>
-          <a:effectRef idx="2">
-            <a:schemeClr val="accent1"/>
-          </a:effectRef>
-          <a:fontRef idx="minor">
-            <a:schemeClr val="lt1"/>
-          </a:fontRef>
-        </p:style>
-        <p:txBody>
-          <a:bodyPr rtlCol="0" anchor="ctr"/>
-          <a:lstStyle/>
-          <a:p>
-            <a:pPr algn="ctr"/>
-            <a:endParaRPr lang="en-US"/>
-          </a:p>
-        </p:txBody>
-      </p:sp>
-      <p:sp>
-        <p:nvSpPr>
-          <p:cNvPr id="8" name="TextBox 7"/>
-          <p:cNvSpPr txBox="1"/>
-          <p:nvPr/>
-        </p:nvSpPr>
-        <p:spPr>
-          <a:xfrm>
-            <a:off x="-117206" y="3493870"/>
-            <a:ext cx="635000" cy="369332"/>
-          </a:xfrm>
-          <a:prstGeom prst="rect">
-            <a:avLst/>
-          </a:prstGeom>
-          <a:noFill/>
-        </p:spPr>
-        <p:txBody>
-          <a:bodyPr wrap="square" rtlCol="0">
-            <a:spAutoFit/>
-          </a:bodyPr>
-          <a:lstStyle/>
-          <a:p>
-            <a:r>
-              <a:rPr lang="en-US" dirty="0" smtClean="0">
-                <a:solidFill>
-                  <a:srgbClr val="FF0000"/>
-                </a:solidFill>
-              </a:rPr>
-              <a:t>(4)</a:t>
-            </a:r>
-            <a:endParaRPr lang="en-US" dirty="0">
-              <a:solidFill>
-                <a:srgbClr val="FF0000"/>
-              </a:solidFill>
-            </a:endParaRPr>
-          </a:p>
-        </p:txBody>
-      </p:sp>
-      <p:sp>
-        <p:nvSpPr>
-          <p:cNvPr id="9" name="Rounded Rectangle 8"/>
-          <p:cNvSpPr/>
-          <p:nvPr/>
-        </p:nvSpPr>
-        <p:spPr>
-          <a:xfrm>
-            <a:off x="225693" y="3576936"/>
-            <a:ext cx="2565329" cy="279401"/>
-          </a:xfrm>
-          <a:prstGeom prst="roundRect">
-            <a:avLst/>
-          </a:prstGeom>
-          <a:noFill/>
-          <a:ln w="28575" cmpd="sng">
-            <a:solidFill>
-              <a:srgbClr val="FF0000"/>
-            </a:solidFill>
-          </a:ln>
-          <a:effectLst/>
-        </p:spPr>
-        <p:style>
-          <a:lnRef idx="1">
-            <a:schemeClr val="accent1"/>
-          </a:lnRef>
-          <a:fillRef idx="3">
-            <a:schemeClr val="accent1"/>
-          </a:fillRef>
-          <a:effectRef idx="2">
-            <a:schemeClr val="accent1"/>
-          </a:effectRef>
-          <a:fontRef idx="minor">
-            <a:schemeClr val="lt1"/>
-          </a:fontRef>
-        </p:style>
-        <p:txBody>
-          <a:bodyPr rtlCol="0" anchor="ctr"/>
-          <a:lstStyle/>
-          <a:p>
-            <a:pPr algn="ctr"/>
-            <a:endParaRPr lang="en-US"/>
-          </a:p>
-        </p:txBody>
-      </p:sp>
-      <p:sp>
-        <p:nvSpPr>
-          <p:cNvPr id="10" name="Rounded Rectangle 9"/>
-          <p:cNvSpPr/>
-          <p:nvPr/>
-        </p:nvSpPr>
-        <p:spPr>
-          <a:xfrm>
-            <a:off x="225693" y="3233004"/>
-            <a:ext cx="2565329" cy="279401"/>
-          </a:xfrm>
-          <a:prstGeom prst="roundRect">
-            <a:avLst/>
-          </a:prstGeom>
-          <a:noFill/>
-          <a:ln w="28575" cmpd="sng">
-            <a:solidFill>
-              <a:srgbClr val="FF0000"/>
-            </a:solidFill>
-          </a:ln>
-          <a:effectLst/>
-        </p:spPr>
-        <p:style>
-          <a:lnRef idx="1">
-            <a:schemeClr val="accent1"/>
-          </a:lnRef>
-          <a:fillRef idx="3">
-            <a:schemeClr val="accent1"/>
-          </a:fillRef>
-          <a:effectRef idx="2">
-            <a:schemeClr val="accent1"/>
-          </a:effectRef>
-          <a:fontRef idx="minor">
-            <a:schemeClr val="lt1"/>
-          </a:fontRef>
-        </p:style>
-        <p:txBody>
-          <a:bodyPr rtlCol="0" anchor="ctr"/>
-          <a:lstStyle/>
-          <a:p>
-            <a:pPr algn="ctr"/>
-            <a:endParaRPr lang="en-US"/>
-          </a:p>
-        </p:txBody>
-      </p:sp>
-      <p:sp>
-        <p:nvSpPr>
-          <p:cNvPr id="11" name="Rounded Rectangle 10"/>
-          <p:cNvSpPr/>
-          <p:nvPr/>
-        </p:nvSpPr>
-        <p:spPr>
-          <a:xfrm>
-            <a:off x="225693" y="2902803"/>
-            <a:ext cx="2565329" cy="279401"/>
-          </a:xfrm>
-          <a:prstGeom prst="roundRect">
-            <a:avLst/>
-          </a:prstGeom>
-          <a:noFill/>
-          <a:ln w="28575" cmpd="sng">
-            <a:solidFill>
-              <a:srgbClr val="FF0000"/>
-            </a:solidFill>
-          </a:ln>
-          <a:effectLst/>
-        </p:spPr>
-        <p:style>
-          <a:lnRef idx="1">
-            <a:schemeClr val="accent1"/>
-          </a:lnRef>
-          <a:fillRef idx="3">
-            <a:schemeClr val="accent1"/>
-          </a:fillRef>
-          <a:effectRef idx="2">
-            <a:schemeClr val="accent1"/>
-          </a:effectRef>
-          <a:fontRef idx="minor">
-            <a:schemeClr val="lt1"/>
-          </a:fontRef>
-        </p:style>
-        <p:txBody>
-          <a:bodyPr rtlCol="0" anchor="ctr"/>
-          <a:lstStyle/>
-          <a:p>
-            <a:pPr algn="ctr"/>
-            <a:endParaRPr lang="en-US"/>
-          </a:p>
-        </p:txBody>
-      </p:sp>
-      <p:sp>
-        <p:nvSpPr>
-          <p:cNvPr id="12" name="TextBox 11"/>
-          <p:cNvSpPr txBox="1"/>
-          <p:nvPr/>
-        </p:nvSpPr>
-        <p:spPr>
-          <a:xfrm>
-            <a:off x="-117206" y="3836770"/>
-            <a:ext cx="635000" cy="369332"/>
-          </a:xfrm>
-          <a:prstGeom prst="rect">
-            <a:avLst/>
-          </a:prstGeom>
-          <a:noFill/>
-        </p:spPr>
-        <p:txBody>
-          <a:bodyPr wrap="square" rtlCol="0">
-            <a:spAutoFit/>
-          </a:bodyPr>
-          <a:lstStyle/>
-          <a:p>
-            <a:r>
-              <a:rPr lang="en-US" dirty="0" smtClean="0">
-                <a:solidFill>
-                  <a:srgbClr val="FF0000"/>
-                </a:solidFill>
-              </a:rPr>
-              <a:t>(5)</a:t>
-            </a:r>
-            <a:endParaRPr lang="en-US" dirty="0">
-              <a:solidFill>
-                <a:srgbClr val="FF0000"/>
-              </a:solidFill>
-            </a:endParaRPr>
+      <p:sp>
+        <p:nvSpPr>
+          <p:cNvPr id="2" name="Title 1"/>
+          <p:cNvSpPr>
+            <a:spLocks noGrp="1"/>
+          </p:cNvSpPr>
+          <p:nvPr>
+            <p:ph type="title"/>
+          </p:nvPr>
+        </p:nvSpPr>
+        <p:spPr/>
+        <p:txBody>
+          <a:bodyPr/>
+          <a:lstStyle/>
+          <a:p>
+            <a:r>
+              <a:rPr lang="en-US" dirty="0" err="1" smtClean="0"/>
+              <a:t>MetaClust</a:t>
+            </a:r>
+            <a:endParaRPr lang="en-US" dirty="0"/>
+          </a:p>
+        </p:txBody>
+      </p:sp>
+      <p:sp>
+        <p:nvSpPr>
+          <p:cNvPr id="3" name="Content Placeholder 2"/>
+          <p:cNvSpPr>
+            <a:spLocks noGrp="1"/>
+          </p:cNvSpPr>
+          <p:nvPr>
+            <p:ph idx="1"/>
+          </p:nvPr>
+        </p:nvSpPr>
+        <p:spPr/>
+        <p:txBody>
+          <a:bodyPr/>
+          <a:lstStyle/>
+          <a:p>
+            <a:endParaRPr lang="en-US"/>
           </a:p>
         </p:txBody>
       </p:sp>
     </p:spTree>
     <p:extLst>
       <p:ext uri="{BB962C8B-B14F-4D97-AF65-F5344CB8AC3E}">
-        <p14:creationId xmlns:p14="http://schemas.microsoft.com/office/powerpoint/2010/main" val="3168691640"/>
+        <p14:creationId xmlns:p14="http://schemas.microsoft.com/office/powerpoint/2010/main" val="4237804477"/>
       </p:ext>
     </p:extLst>
   </p:cSld>
@@ -7032,7 +6637,7 @@
       </p:grpSpPr>
       <p:pic>
         <p:nvPicPr>
-          <p:cNvPr id="2" name="Picture 1" descr="tuneK.png"/>
+          <p:cNvPr id="2" name="Picture 1" descr="metaClustHome.png"/>
           <p:cNvPicPr>
             <a:picLocks noChangeAspect="1"/>
           </p:cNvPicPr>
@@ -7052,8 +6657,8 @@
         </p:blipFill>
         <p:spPr>
           <a:xfrm>
-            <a:off x="0" y="115581"/>
-            <a:ext cx="9144000" cy="5901906"/>
+            <a:off x="0" y="64800"/>
+            <a:ext cx="9144000" cy="5421600"/>
           </a:xfrm>
           <a:prstGeom prst="rect">
             <a:avLst/>
@@ -7068,8 +6673,8 @@
         </p:nvSpPr>
         <p:spPr>
           <a:xfrm>
-            <a:off x="317571" y="3239781"/>
-            <a:ext cx="1943029" cy="471800"/>
+            <a:off x="289193" y="1669004"/>
+            <a:ext cx="2501829" cy="1048266"/>
           </a:xfrm>
           <a:prstGeom prst="roundRect">
             <a:avLst/>
@@ -7113,7 +6718,7 @@
         </p:nvSpPr>
         <p:spPr>
           <a:xfrm>
-            <a:off x="-76128" y="3004315"/>
+            <a:off x="-104506" y="1433538"/>
             <a:ext cx="635000" cy="369332"/>
           </a:xfrm>
           <a:prstGeom prst="rect">
@@ -7145,14 +6750,90 @@
       </p:sp>
       <p:sp>
         <p:nvSpPr>
-          <p:cNvPr id="5" name="Rounded Rectangle 4"/>
+          <p:cNvPr id="5" name="TextBox 4"/>
+          <p:cNvSpPr txBox="1"/>
+          <p:nvPr/>
+        </p:nvSpPr>
+        <p:spPr>
+          <a:xfrm>
+            <a:off x="-117207" y="2839303"/>
+            <a:ext cx="635000" cy="369332"/>
+          </a:xfrm>
+          <a:prstGeom prst="rect">
+            <a:avLst/>
+          </a:prstGeom>
+          <a:noFill/>
+        </p:spPr>
+        <p:txBody>
+          <a:bodyPr wrap="square" rtlCol="0">
+            <a:spAutoFit/>
+          </a:bodyPr>
+          <a:lstStyle/>
+          <a:p>
+            <a:r>
+              <a:rPr lang="en-US" dirty="0" smtClean="0">
+                <a:solidFill>
+                  <a:srgbClr val="FF0000"/>
+                </a:solidFill>
+              </a:rPr>
+              <a:t>(2)</a:t>
+            </a:r>
+            <a:endParaRPr lang="en-US" dirty="0">
+              <a:solidFill>
+                <a:srgbClr val="FF0000"/>
+              </a:solidFill>
+            </a:endParaRPr>
+          </a:p>
+        </p:txBody>
+      </p:sp>
+      <p:sp>
+        <p:nvSpPr>
+          <p:cNvPr id="6" name="TextBox 5"/>
+          <p:cNvSpPr txBox="1"/>
+          <p:nvPr/>
+        </p:nvSpPr>
+        <p:spPr>
+          <a:xfrm>
+            <a:off x="-117206" y="3173438"/>
+            <a:ext cx="635000" cy="369332"/>
+          </a:xfrm>
+          <a:prstGeom prst="rect">
+            <a:avLst/>
+          </a:prstGeom>
+          <a:noFill/>
+        </p:spPr>
+        <p:txBody>
+          <a:bodyPr wrap="square" rtlCol="0">
+            <a:spAutoFit/>
+          </a:bodyPr>
+          <a:lstStyle/>
+          <a:p>
+            <a:r>
+              <a:rPr lang="en-US" dirty="0" smtClean="0">
+                <a:solidFill>
+                  <a:srgbClr val="FF0000"/>
+                </a:solidFill>
+              </a:rPr>
+              <a:t>(3)</a:t>
+            </a:r>
+            <a:endParaRPr lang="en-US" dirty="0">
+              <a:solidFill>
+                <a:srgbClr val="FF0000"/>
+              </a:solidFill>
+            </a:endParaRPr>
+          </a:p>
+        </p:txBody>
+      </p:sp>
+      <p:sp>
+        <p:nvSpPr>
+          <p:cNvPr id="7" name="Rounded Rectangle 6"/>
           <p:cNvSpPr/>
           <p:nvPr/>
         </p:nvSpPr>
         <p:spPr>
           <a:xfrm>
-            <a:off x="317571" y="3750713"/>
-            <a:ext cx="1943029" cy="471800"/>
+            <a:off x="238393" y="3923769"/>
+            <a:ext cx="2565329" cy="279401"/>
           </a:xfrm>
           <a:prstGeom prst="roundRect">
             <a:avLst/>
@@ -7190,13 +6871,13 @@
       </p:sp>
       <p:sp>
         <p:nvSpPr>
-          <p:cNvPr id="6" name="TextBox 5"/>
+          <p:cNvPr id="8" name="TextBox 7"/>
           <p:cNvSpPr txBox="1"/>
           <p:nvPr/>
         </p:nvSpPr>
         <p:spPr>
           <a:xfrm>
-            <a:off x="-76128" y="3515247"/>
+            <a:off x="-117206" y="3493870"/>
             <a:ext cx="635000" cy="369332"/>
           </a:xfrm>
           <a:prstGeom prst="rect">
@@ -7216,7 +6897,7 @@
                   <a:srgbClr val="FF0000"/>
                 </a:solidFill>
               </a:rPr>
-              <a:t>(2)</a:t>
+              <a:t>(4)</a:t>
             </a:r>
             <a:endParaRPr lang="en-US" dirty="0">
               <a:solidFill>
@@ -7228,14 +6909,14 @@
       </p:sp>
       <p:sp>
         <p:nvSpPr>
-          <p:cNvPr id="7" name="Rounded Rectangle 6"/>
+          <p:cNvPr id="9" name="Rounded Rectangle 8"/>
           <p:cNvSpPr/>
           <p:nvPr/>
         </p:nvSpPr>
         <p:spPr>
           <a:xfrm>
-            <a:off x="330271" y="4306581"/>
-            <a:ext cx="1943029" cy="471800"/>
+            <a:off x="225693" y="3576936"/>
+            <a:ext cx="2565329" cy="279401"/>
           </a:xfrm>
           <a:prstGeom prst="roundRect">
             <a:avLst/>
@@ -7273,52 +6954,14 @@
       </p:sp>
       <p:sp>
         <p:nvSpPr>
-          <p:cNvPr id="8" name="TextBox 7"/>
-          <p:cNvSpPr txBox="1"/>
-          <p:nvPr/>
-        </p:nvSpPr>
-        <p:spPr>
-          <a:xfrm>
-            <a:off x="-63428" y="4071115"/>
-            <a:ext cx="635000" cy="369332"/>
-          </a:xfrm>
-          <a:prstGeom prst="rect">
-            <a:avLst/>
-          </a:prstGeom>
-          <a:noFill/>
-        </p:spPr>
-        <p:txBody>
-          <a:bodyPr wrap="square" rtlCol="0">
-            <a:spAutoFit/>
-          </a:bodyPr>
-          <a:lstStyle/>
-          <a:p>
-            <a:r>
-              <a:rPr lang="en-US" dirty="0" smtClean="0">
-                <a:solidFill>
-                  <a:srgbClr val="FF0000"/>
-                </a:solidFill>
-              </a:rPr>
-              <a:t>(3)</a:t>
-            </a:r>
-            <a:endParaRPr lang="en-US" dirty="0">
-              <a:solidFill>
-                <a:srgbClr val="FF0000"/>
-              </a:solidFill>
-            </a:endParaRPr>
-          </a:p>
-        </p:txBody>
-      </p:sp>
-      <p:sp>
-        <p:nvSpPr>
-          <p:cNvPr id="9" name="Rounded Rectangle 8"/>
+          <p:cNvPr id="10" name="Rounded Rectangle 9"/>
           <p:cNvSpPr/>
           <p:nvPr/>
         </p:nvSpPr>
         <p:spPr>
           <a:xfrm>
-            <a:off x="317571" y="4988447"/>
-            <a:ext cx="2425629" cy="575434"/>
+            <a:off x="225693" y="3233004"/>
+            <a:ext cx="2565329" cy="279401"/>
           </a:xfrm>
           <a:prstGeom prst="roundRect">
             <a:avLst/>
@@ -7356,52 +6999,14 @@
       </p:sp>
       <p:sp>
         <p:nvSpPr>
-          <p:cNvPr id="10" name="TextBox 9"/>
-          <p:cNvSpPr txBox="1"/>
-          <p:nvPr/>
-        </p:nvSpPr>
-        <p:spPr>
-          <a:xfrm>
-            <a:off x="-76128" y="4752981"/>
-            <a:ext cx="635000" cy="369332"/>
-          </a:xfrm>
-          <a:prstGeom prst="rect">
-            <a:avLst/>
-          </a:prstGeom>
-          <a:noFill/>
-        </p:spPr>
-        <p:txBody>
-          <a:bodyPr wrap="square" rtlCol="0">
-            <a:spAutoFit/>
-          </a:bodyPr>
-          <a:lstStyle/>
-          <a:p>
-            <a:r>
-              <a:rPr lang="en-US" dirty="0" smtClean="0">
-                <a:solidFill>
-                  <a:srgbClr val="FF0000"/>
-                </a:solidFill>
-              </a:rPr>
-              <a:t>(4)</a:t>
-            </a:r>
-            <a:endParaRPr lang="en-US" dirty="0">
-              <a:solidFill>
-                <a:srgbClr val="FF0000"/>
-              </a:solidFill>
-            </a:endParaRPr>
-          </a:p>
-        </p:txBody>
-      </p:sp>
-      <p:sp>
-        <p:nvSpPr>
           <p:cNvPr id="11" name="Rounded Rectangle 10"/>
           <p:cNvSpPr/>
           <p:nvPr/>
         </p:nvSpPr>
         <p:spPr>
           <a:xfrm>
-            <a:off x="3225800" y="1233181"/>
-            <a:ext cx="5918200" cy="1905000"/>
+            <a:off x="225693" y="2902803"/>
+            <a:ext cx="2565329" cy="279401"/>
           </a:xfrm>
           <a:prstGeom prst="roundRect">
             <a:avLst/>
@@ -7445,7 +7050,7 @@
         </p:nvSpPr>
         <p:spPr>
           <a:xfrm>
-            <a:off x="2781300" y="1048515"/>
+            <a:off x="-117206" y="3836770"/>
             <a:ext cx="635000" cy="369332"/>
           </a:xfrm>
           <a:prstGeom prst="rect">
@@ -7478,7 +7083,7 @@
     </p:spTree>
     <p:extLst>
       <p:ext uri="{BB962C8B-B14F-4D97-AF65-F5344CB8AC3E}">
-        <p14:creationId xmlns:p14="http://schemas.microsoft.com/office/powerpoint/2010/main" val="3583757922"/>
+        <p14:creationId xmlns:p14="http://schemas.microsoft.com/office/powerpoint/2010/main" val="3168691640"/>
       </p:ext>
     </p:extLst>
   </p:cSld>
@@ -7507,7 +7112,7 @@
       </p:grpSpPr>
       <p:pic>
         <p:nvPicPr>
-          <p:cNvPr id="2" name="Picture 1" descr="tuneW.png"/>
+          <p:cNvPr id="2" name="Picture 1" descr="tuneK.png"/>
           <p:cNvPicPr>
             <a:picLocks noChangeAspect="1"/>
           </p:cNvPicPr>
@@ -7527,59 +7132,23 @@
         </p:blipFill>
         <p:spPr>
           <a:xfrm>
-            <a:off x="0" y="656482"/>
-            <a:ext cx="9144000" cy="3843236"/>
+            <a:off x="0" y="115581"/>
+            <a:ext cx="9144000" cy="5901906"/>
           </a:xfrm>
           <a:prstGeom prst="rect">
             <a:avLst/>
           </a:prstGeom>
         </p:spPr>
       </p:pic>
-      <p:cxnSp>
-        <p:nvCxnSpPr>
-          <p:cNvPr id="3" name="Straight Arrow Connector 2"/>
-          <p:cNvCxnSpPr/>
-          <p:nvPr/>
-        </p:nvCxnSpPr>
-        <p:spPr>
-          <a:xfrm flipV="1">
-            <a:off x="7277100" y="2324100"/>
-            <a:ext cx="0" cy="863600"/>
-          </a:xfrm>
-          <a:prstGeom prst="straightConnector1">
-            <a:avLst/>
-          </a:prstGeom>
-          <a:ln>
-            <a:solidFill>
-              <a:srgbClr val="FF0000"/>
-            </a:solidFill>
-            <a:tailEnd type="arrow"/>
-          </a:ln>
-        </p:spPr>
-        <p:style>
-          <a:lnRef idx="2">
-            <a:schemeClr val="accent1"/>
-          </a:lnRef>
-          <a:fillRef idx="0">
-            <a:schemeClr val="accent1"/>
-          </a:fillRef>
-          <a:effectRef idx="1">
-            <a:schemeClr val="accent1"/>
-          </a:effectRef>
-          <a:fontRef idx="minor">
-            <a:schemeClr val="tx1"/>
-          </a:fontRef>
-        </p:style>
-      </p:cxnSp>
-      <p:sp>
-        <p:nvSpPr>
-          <p:cNvPr id="4" name="Rounded Rectangle 3"/>
+      <p:sp>
+        <p:nvSpPr>
+          <p:cNvPr id="3" name="Rounded Rectangle 2"/>
           <p:cNvSpPr/>
           <p:nvPr/>
         </p:nvSpPr>
         <p:spPr>
           <a:xfrm>
-            <a:off x="317571" y="1555234"/>
+            <a:off x="317571" y="3239781"/>
             <a:ext cx="1943029" cy="471800"/>
           </a:xfrm>
           <a:prstGeom prst="roundRect">
@@ -7618,13 +7187,13 @@
       </p:sp>
       <p:sp>
         <p:nvSpPr>
-          <p:cNvPr id="5" name="TextBox 4"/>
+          <p:cNvPr id="4" name="TextBox 3"/>
           <p:cNvSpPr txBox="1"/>
           <p:nvPr/>
         </p:nvSpPr>
         <p:spPr>
           <a:xfrm>
-            <a:off x="-76128" y="1319768"/>
+            <a:off x="-76128" y="3004315"/>
             <a:ext cx="635000" cy="369332"/>
           </a:xfrm>
           <a:prstGeom prst="rect">
@@ -7656,13 +7225,13 @@
       </p:sp>
       <p:sp>
         <p:nvSpPr>
-          <p:cNvPr id="6" name="Rounded Rectangle 5"/>
+          <p:cNvPr id="5" name="Rounded Rectangle 4"/>
           <p:cNvSpPr/>
           <p:nvPr/>
         </p:nvSpPr>
         <p:spPr>
           <a:xfrm>
-            <a:off x="317571" y="2091566"/>
+            <a:off x="317571" y="3750713"/>
             <a:ext cx="1943029" cy="471800"/>
           </a:xfrm>
           <a:prstGeom prst="roundRect">
@@ -7701,13 +7270,13 @@
       </p:sp>
       <p:sp>
         <p:nvSpPr>
-          <p:cNvPr id="7" name="TextBox 6"/>
+          <p:cNvPr id="6" name="TextBox 5"/>
           <p:cNvSpPr txBox="1"/>
           <p:nvPr/>
         </p:nvSpPr>
         <p:spPr>
           <a:xfrm>
-            <a:off x="-76128" y="1830700"/>
+            <a:off x="-76128" y="3515247"/>
             <a:ext cx="635000" cy="369332"/>
           </a:xfrm>
           <a:prstGeom prst="rect">
@@ -7739,14 +7308,14 @@
       </p:sp>
       <p:sp>
         <p:nvSpPr>
-          <p:cNvPr id="8" name="Rounded Rectangle 7"/>
+          <p:cNvPr id="7" name="Rounded Rectangle 6"/>
           <p:cNvSpPr/>
           <p:nvPr/>
         </p:nvSpPr>
         <p:spPr>
           <a:xfrm>
-            <a:off x="330271" y="2622034"/>
-            <a:ext cx="2412929" cy="681866"/>
+            <a:off x="330271" y="4306581"/>
+            <a:ext cx="1943029" cy="471800"/>
           </a:xfrm>
           <a:prstGeom prst="roundRect">
             <a:avLst/>
@@ -7784,13 +7353,13 @@
       </p:sp>
       <p:sp>
         <p:nvSpPr>
-          <p:cNvPr id="9" name="TextBox 8"/>
+          <p:cNvPr id="8" name="TextBox 7"/>
           <p:cNvSpPr txBox="1"/>
           <p:nvPr/>
         </p:nvSpPr>
         <p:spPr>
           <a:xfrm>
-            <a:off x="-63428" y="2386568"/>
+            <a:off x="-63428" y="4071115"/>
             <a:ext cx="635000" cy="369332"/>
           </a:xfrm>
           <a:prstGeom prst="rect">
@@ -7822,14 +7391,14 @@
       </p:sp>
       <p:sp>
         <p:nvSpPr>
-          <p:cNvPr id="10" name="Rounded Rectangle 9"/>
+          <p:cNvPr id="9" name="Rounded Rectangle 8"/>
           <p:cNvSpPr/>
           <p:nvPr/>
         </p:nvSpPr>
         <p:spPr>
           <a:xfrm>
-            <a:off x="317571" y="3303900"/>
-            <a:ext cx="1028629" cy="239400"/>
+            <a:off x="317571" y="4988447"/>
+            <a:ext cx="2425629" cy="575434"/>
           </a:xfrm>
           <a:prstGeom prst="roundRect">
             <a:avLst/>
@@ -7867,13 +7436,13 @@
       </p:sp>
       <p:sp>
         <p:nvSpPr>
-          <p:cNvPr id="11" name="TextBox 10"/>
+          <p:cNvPr id="10" name="TextBox 9"/>
           <p:cNvSpPr txBox="1"/>
           <p:nvPr/>
         </p:nvSpPr>
         <p:spPr>
           <a:xfrm>
-            <a:off x="-76128" y="3068434"/>
+            <a:off x="-76128" y="4752981"/>
             <a:ext cx="635000" cy="369332"/>
           </a:xfrm>
           <a:prstGeom prst="rect">
@@ -7905,14 +7474,14 @@
       </p:sp>
       <p:sp>
         <p:nvSpPr>
-          <p:cNvPr id="12" name="Rounded Rectangle 11"/>
+          <p:cNvPr id="11" name="Rounded Rectangle 10"/>
           <p:cNvSpPr/>
           <p:nvPr/>
         </p:nvSpPr>
         <p:spPr>
           <a:xfrm>
-            <a:off x="3086100" y="1955800"/>
-            <a:ext cx="5918200" cy="2543918"/>
+            <a:off x="3225800" y="1233181"/>
+            <a:ext cx="5918200" cy="1905000"/>
           </a:xfrm>
           <a:prstGeom prst="roundRect">
             <a:avLst/>
@@ -7950,13 +7519,13 @@
       </p:sp>
       <p:sp>
         <p:nvSpPr>
-          <p:cNvPr id="13" name="TextBox 12"/>
+          <p:cNvPr id="12" name="TextBox 11"/>
           <p:cNvSpPr txBox="1"/>
           <p:nvPr/>
         </p:nvSpPr>
         <p:spPr>
           <a:xfrm>
-            <a:off x="2641600" y="1771134"/>
+            <a:off x="2781300" y="1048515"/>
             <a:ext cx="635000" cy="369332"/>
           </a:xfrm>
           <a:prstGeom prst="rect">
@@ -8018,7 +7587,7 @@
       </p:grpSpPr>
       <p:pic>
         <p:nvPicPr>
-          <p:cNvPr id="2" name="Picture 1" descr="mskmRes.png"/>
+          <p:cNvPr id="2" name="Picture 1" descr="tuneW.png"/>
           <p:cNvPicPr>
             <a:picLocks noChangeAspect="1"/>
           </p:cNvPicPr>
@@ -8038,24 +7607,60 @@
         </p:blipFill>
         <p:spPr>
           <a:xfrm>
-            <a:off x="0" y="152175"/>
-            <a:ext cx="9144000" cy="5379672"/>
+            <a:off x="0" y="656482"/>
+            <a:ext cx="9144000" cy="3843236"/>
           </a:xfrm>
           <a:prstGeom prst="rect">
             <a:avLst/>
           </a:prstGeom>
         </p:spPr>
       </p:pic>
-      <p:sp>
-        <p:nvSpPr>
-          <p:cNvPr id="3" name="Rounded Rectangle 2"/>
+      <p:cxnSp>
+        <p:nvCxnSpPr>
+          <p:cNvPr id="3" name="Straight Arrow Connector 2"/>
+          <p:cNvCxnSpPr/>
+          <p:nvPr/>
+        </p:nvCxnSpPr>
+        <p:spPr>
+          <a:xfrm flipV="1">
+            <a:off x="7277100" y="2324100"/>
+            <a:ext cx="0" cy="863600"/>
+          </a:xfrm>
+          <a:prstGeom prst="straightConnector1">
+            <a:avLst/>
+          </a:prstGeom>
+          <a:ln>
+            <a:solidFill>
+              <a:srgbClr val="FF0000"/>
+            </a:solidFill>
+            <a:tailEnd type="arrow"/>
+          </a:ln>
+        </p:spPr>
+        <p:style>
+          <a:lnRef idx="2">
+            <a:schemeClr val="accent1"/>
+          </a:lnRef>
+          <a:fillRef idx="0">
+            <a:schemeClr val="accent1"/>
+          </a:fillRef>
+          <a:effectRef idx="1">
+            <a:schemeClr val="accent1"/>
+          </a:effectRef>
+          <a:fontRef idx="minor">
+            <a:schemeClr val="tx1"/>
+          </a:fontRef>
+        </p:style>
+      </p:cxnSp>
+      <p:sp>
+        <p:nvSpPr>
+          <p:cNvPr id="4" name="Rounded Rectangle 3"/>
           <p:cNvSpPr/>
           <p:nvPr/>
         </p:nvSpPr>
         <p:spPr>
           <a:xfrm>
-            <a:off x="3046296" y="152175"/>
-            <a:ext cx="6097704" cy="2908750"/>
+            <a:off x="317571" y="1555234"/>
+            <a:ext cx="1943029" cy="471800"/>
           </a:xfrm>
           <a:prstGeom prst="roundRect">
             <a:avLst/>
@@ -8093,13 +7698,13 @@
       </p:sp>
       <p:sp>
         <p:nvSpPr>
-          <p:cNvPr id="4" name="TextBox 3"/>
+          <p:cNvPr id="5" name="TextBox 4"/>
           <p:cNvSpPr txBox="1"/>
           <p:nvPr/>
         </p:nvSpPr>
         <p:spPr>
           <a:xfrm>
-            <a:off x="2868496" y="-95991"/>
+            <a:off x="-76128" y="1319768"/>
             <a:ext cx="635000" cy="369332"/>
           </a:xfrm>
           <a:prstGeom prst="rect">
@@ -8119,7 +7724,7 @@
                   <a:srgbClr val="FF0000"/>
                 </a:solidFill>
               </a:rPr>
-              <a:t>(6)</a:t>
+              <a:t>(1)</a:t>
             </a:r>
             <a:endParaRPr lang="en-US" dirty="0">
               <a:solidFill>
@@ -8131,13 +7736,13 @@
       </p:sp>
       <p:sp>
         <p:nvSpPr>
-          <p:cNvPr id="5" name="Rounded Rectangle 4"/>
+          <p:cNvPr id="6" name="Rounded Rectangle 5"/>
           <p:cNvSpPr/>
           <p:nvPr/>
         </p:nvSpPr>
         <p:spPr>
           <a:xfrm>
-            <a:off x="304871" y="3216145"/>
+            <a:off x="317571" y="2091566"/>
             <a:ext cx="1943029" cy="471800"/>
           </a:xfrm>
           <a:prstGeom prst="roundRect">
@@ -8176,13 +7781,13 @@
       </p:sp>
       <p:sp>
         <p:nvSpPr>
-          <p:cNvPr id="6" name="TextBox 5"/>
+          <p:cNvPr id="7" name="TextBox 6"/>
           <p:cNvSpPr txBox="1"/>
           <p:nvPr/>
         </p:nvSpPr>
         <p:spPr>
           <a:xfrm>
-            <a:off x="-88828" y="2980679"/>
+            <a:off x="-76128" y="1830700"/>
             <a:ext cx="635000" cy="369332"/>
           </a:xfrm>
           <a:prstGeom prst="rect">
@@ -8202,7 +7807,7 @@
                   <a:srgbClr val="FF0000"/>
                 </a:solidFill>
               </a:rPr>
-              <a:t>(1)</a:t>
+              <a:t>(2)</a:t>
             </a:r>
             <a:endParaRPr lang="en-US" dirty="0">
               <a:solidFill>
@@ -8214,14 +7819,14 @@
       </p:sp>
       <p:sp>
         <p:nvSpPr>
-          <p:cNvPr id="7" name="Rounded Rectangle 6"/>
+          <p:cNvPr id="8" name="Rounded Rectangle 7"/>
           <p:cNvSpPr/>
           <p:nvPr/>
         </p:nvSpPr>
         <p:spPr>
           <a:xfrm>
-            <a:off x="304871" y="3727077"/>
-            <a:ext cx="1943029" cy="471800"/>
+            <a:off x="330271" y="2622034"/>
+            <a:ext cx="2412929" cy="681866"/>
           </a:xfrm>
           <a:prstGeom prst="roundRect">
             <a:avLst/>
@@ -8259,13 +7864,13 @@
       </p:sp>
       <p:sp>
         <p:nvSpPr>
-          <p:cNvPr id="8" name="TextBox 7"/>
+          <p:cNvPr id="9" name="TextBox 8"/>
           <p:cNvSpPr txBox="1"/>
           <p:nvPr/>
         </p:nvSpPr>
         <p:spPr>
           <a:xfrm>
-            <a:off x="-88828" y="3491611"/>
+            <a:off x="-63428" y="2386568"/>
             <a:ext cx="635000" cy="369332"/>
           </a:xfrm>
           <a:prstGeom prst="rect">
@@ -8285,7 +7890,7 @@
                   <a:srgbClr val="FF0000"/>
                 </a:solidFill>
               </a:rPr>
-              <a:t>(2)</a:t>
+              <a:t>(3)</a:t>
             </a:r>
             <a:endParaRPr lang="en-US" dirty="0">
               <a:solidFill>
@@ -8297,14 +7902,14 @@
       </p:sp>
       <p:sp>
         <p:nvSpPr>
-          <p:cNvPr id="9" name="Rounded Rectangle 8"/>
+          <p:cNvPr id="10" name="Rounded Rectangle 9"/>
           <p:cNvSpPr/>
           <p:nvPr/>
         </p:nvSpPr>
         <p:spPr>
           <a:xfrm>
-            <a:off x="317571" y="4282945"/>
-            <a:ext cx="2362129" cy="471800"/>
+            <a:off x="317571" y="3303900"/>
+            <a:ext cx="1028629" cy="239400"/>
           </a:xfrm>
           <a:prstGeom prst="roundRect">
             <a:avLst/>
@@ -8342,13 +7947,13 @@
       </p:sp>
       <p:sp>
         <p:nvSpPr>
-          <p:cNvPr id="10" name="TextBox 9"/>
+          <p:cNvPr id="11" name="TextBox 10"/>
           <p:cNvSpPr txBox="1"/>
           <p:nvPr/>
         </p:nvSpPr>
         <p:spPr>
           <a:xfrm>
-            <a:off x="-76128" y="4047479"/>
+            <a:off x="-76128" y="3068434"/>
             <a:ext cx="635000" cy="369332"/>
           </a:xfrm>
           <a:prstGeom prst="rect">
@@ -8368,7 +7973,7 @@
                   <a:srgbClr val="FF0000"/>
                 </a:solidFill>
               </a:rPr>
-              <a:t>(3)</a:t>
+              <a:t>(4)</a:t>
             </a:r>
             <a:endParaRPr lang="en-US" dirty="0">
               <a:solidFill>
@@ -8380,14 +7985,14 @@
       </p:sp>
       <p:sp>
         <p:nvSpPr>
-          <p:cNvPr id="11" name="Rounded Rectangle 10"/>
+          <p:cNvPr id="12" name="Rounded Rectangle 11"/>
           <p:cNvSpPr/>
           <p:nvPr/>
         </p:nvSpPr>
         <p:spPr>
           <a:xfrm>
-            <a:off x="304799" y="4805545"/>
-            <a:ext cx="2362129" cy="246266"/>
+            <a:off x="3086100" y="1955800"/>
+            <a:ext cx="5918200" cy="2543918"/>
           </a:xfrm>
           <a:prstGeom prst="roundRect">
             <a:avLst/>
@@ -8425,13 +8030,13 @@
       </p:sp>
       <p:sp>
         <p:nvSpPr>
-          <p:cNvPr id="12" name="TextBox 11"/>
+          <p:cNvPr id="13" name="TextBox 12"/>
           <p:cNvSpPr txBox="1"/>
           <p:nvPr/>
         </p:nvSpPr>
         <p:spPr>
           <a:xfrm>
-            <a:off x="-88900" y="4570079"/>
+            <a:off x="2641600" y="1771134"/>
             <a:ext cx="635000" cy="369332"/>
           </a:xfrm>
           <a:prstGeom prst="rect">
@@ -8447,89 +8052,6 @@
           <a:p>
             <a:r>
               <a:rPr lang="en-US" dirty="0" smtClean="0">
-                <a:solidFill>
-                  <a:srgbClr val="FF0000"/>
-                </a:solidFill>
-              </a:rPr>
-              <a:t>(4)</a:t>
-            </a:r>
-            <a:endParaRPr lang="en-US" dirty="0">
-              <a:solidFill>
-                <a:srgbClr val="FF0000"/>
-              </a:solidFill>
-            </a:endParaRPr>
-          </a:p>
-        </p:txBody>
-      </p:sp>
-      <p:sp>
-        <p:nvSpPr>
-          <p:cNvPr id="13" name="Rounded Rectangle 12"/>
-          <p:cNvSpPr/>
-          <p:nvPr/>
-        </p:nvSpPr>
-        <p:spPr>
-          <a:xfrm>
-            <a:off x="317571" y="5242311"/>
-            <a:ext cx="2362129" cy="246266"/>
-          </a:xfrm>
-          <a:prstGeom prst="roundRect">
-            <a:avLst/>
-          </a:prstGeom>
-          <a:noFill/>
-          <a:ln w="28575" cmpd="sng">
-            <a:solidFill>
-              <a:srgbClr val="FF0000"/>
-            </a:solidFill>
-          </a:ln>
-          <a:effectLst/>
-        </p:spPr>
-        <p:style>
-          <a:lnRef idx="1">
-            <a:schemeClr val="accent1"/>
-          </a:lnRef>
-          <a:fillRef idx="3">
-            <a:schemeClr val="accent1"/>
-          </a:fillRef>
-          <a:effectRef idx="2">
-            <a:schemeClr val="accent1"/>
-          </a:effectRef>
-          <a:fontRef idx="minor">
-            <a:schemeClr val="lt1"/>
-          </a:fontRef>
-        </p:style>
-        <p:txBody>
-          <a:bodyPr rtlCol="0" anchor="ctr"/>
-          <a:lstStyle/>
-          <a:p>
-            <a:pPr algn="ctr"/>
-            <a:endParaRPr lang="en-US"/>
-          </a:p>
-        </p:txBody>
-      </p:sp>
-      <p:sp>
-        <p:nvSpPr>
-          <p:cNvPr id="14" name="TextBox 13"/>
-          <p:cNvSpPr txBox="1"/>
-          <p:nvPr/>
-        </p:nvSpPr>
-        <p:spPr>
-          <a:xfrm>
-            <a:off x="-88828" y="5079111"/>
-            <a:ext cx="635000" cy="369332"/>
-          </a:xfrm>
-          <a:prstGeom prst="rect">
-            <a:avLst/>
-          </a:prstGeom>
-          <a:noFill/>
-        </p:spPr>
-        <p:txBody>
-          <a:bodyPr wrap="square" rtlCol="0">
-            <a:spAutoFit/>
-          </a:bodyPr>
-          <a:lstStyle/>
-          <a:p>
-            <a:r>
-              <a:rPr lang="en-US" smtClean="0">
                 <a:solidFill>
                   <a:srgbClr val="FF0000"/>
                 </a:solidFill>
@@ -8574,6 +8096,564 @@
           <a:chExt cx="0" cy="0"/>
         </a:xfrm>
       </p:grpSpPr>
+      <p:pic>
+        <p:nvPicPr>
+          <p:cNvPr id="2" name="Picture 1" descr="mskmRes.png"/>
+          <p:cNvPicPr>
+            <a:picLocks noChangeAspect="1"/>
+          </p:cNvPicPr>
+          <p:nvPr/>
+        </p:nvPicPr>
+        <p:blipFill>
+          <a:blip r:embed="rId2">
+            <a:extLst>
+              <a:ext uri="{28A0092B-C50C-407E-A947-70E740481C1C}">
+                <a14:useLocalDpi xmlns:a14="http://schemas.microsoft.com/office/drawing/2010/main" val="0"/>
+              </a:ext>
+            </a:extLst>
+          </a:blip>
+          <a:stretch>
+            <a:fillRect/>
+          </a:stretch>
+        </p:blipFill>
+        <p:spPr>
+          <a:xfrm>
+            <a:off x="0" y="152175"/>
+            <a:ext cx="9144000" cy="5379672"/>
+          </a:xfrm>
+          <a:prstGeom prst="rect">
+            <a:avLst/>
+          </a:prstGeom>
+        </p:spPr>
+      </p:pic>
+      <p:sp>
+        <p:nvSpPr>
+          <p:cNvPr id="3" name="Rounded Rectangle 2"/>
+          <p:cNvSpPr/>
+          <p:nvPr/>
+        </p:nvSpPr>
+        <p:spPr>
+          <a:xfrm>
+            <a:off x="3046296" y="152175"/>
+            <a:ext cx="6097704" cy="2908750"/>
+          </a:xfrm>
+          <a:prstGeom prst="roundRect">
+            <a:avLst/>
+          </a:prstGeom>
+          <a:noFill/>
+          <a:ln w="28575" cmpd="sng">
+            <a:solidFill>
+              <a:srgbClr val="FF0000"/>
+            </a:solidFill>
+          </a:ln>
+          <a:effectLst/>
+        </p:spPr>
+        <p:style>
+          <a:lnRef idx="1">
+            <a:schemeClr val="accent1"/>
+          </a:lnRef>
+          <a:fillRef idx="3">
+            <a:schemeClr val="accent1"/>
+          </a:fillRef>
+          <a:effectRef idx="2">
+            <a:schemeClr val="accent1"/>
+          </a:effectRef>
+          <a:fontRef idx="minor">
+            <a:schemeClr val="lt1"/>
+          </a:fontRef>
+        </p:style>
+        <p:txBody>
+          <a:bodyPr rtlCol="0" anchor="ctr"/>
+          <a:lstStyle/>
+          <a:p>
+            <a:pPr algn="ctr"/>
+            <a:endParaRPr lang="en-US"/>
+          </a:p>
+        </p:txBody>
+      </p:sp>
+      <p:sp>
+        <p:nvSpPr>
+          <p:cNvPr id="4" name="TextBox 3"/>
+          <p:cNvSpPr txBox="1"/>
+          <p:nvPr/>
+        </p:nvSpPr>
+        <p:spPr>
+          <a:xfrm>
+            <a:off x="2868496" y="-95991"/>
+            <a:ext cx="635000" cy="369332"/>
+          </a:xfrm>
+          <a:prstGeom prst="rect">
+            <a:avLst/>
+          </a:prstGeom>
+          <a:noFill/>
+        </p:spPr>
+        <p:txBody>
+          <a:bodyPr wrap="square" rtlCol="0">
+            <a:spAutoFit/>
+          </a:bodyPr>
+          <a:lstStyle/>
+          <a:p>
+            <a:r>
+              <a:rPr lang="en-US" dirty="0" smtClean="0">
+                <a:solidFill>
+                  <a:srgbClr val="FF0000"/>
+                </a:solidFill>
+              </a:rPr>
+              <a:t>(6)</a:t>
+            </a:r>
+            <a:endParaRPr lang="en-US" dirty="0">
+              <a:solidFill>
+                <a:srgbClr val="FF0000"/>
+              </a:solidFill>
+            </a:endParaRPr>
+          </a:p>
+        </p:txBody>
+      </p:sp>
+      <p:sp>
+        <p:nvSpPr>
+          <p:cNvPr id="5" name="Rounded Rectangle 4"/>
+          <p:cNvSpPr/>
+          <p:nvPr/>
+        </p:nvSpPr>
+        <p:spPr>
+          <a:xfrm>
+            <a:off x="304871" y="3216145"/>
+            <a:ext cx="1943029" cy="471800"/>
+          </a:xfrm>
+          <a:prstGeom prst="roundRect">
+            <a:avLst/>
+          </a:prstGeom>
+          <a:noFill/>
+          <a:ln w="28575" cmpd="sng">
+            <a:solidFill>
+              <a:srgbClr val="FF0000"/>
+            </a:solidFill>
+          </a:ln>
+          <a:effectLst/>
+        </p:spPr>
+        <p:style>
+          <a:lnRef idx="1">
+            <a:schemeClr val="accent1"/>
+          </a:lnRef>
+          <a:fillRef idx="3">
+            <a:schemeClr val="accent1"/>
+          </a:fillRef>
+          <a:effectRef idx="2">
+            <a:schemeClr val="accent1"/>
+          </a:effectRef>
+          <a:fontRef idx="minor">
+            <a:schemeClr val="lt1"/>
+          </a:fontRef>
+        </p:style>
+        <p:txBody>
+          <a:bodyPr rtlCol="0" anchor="ctr"/>
+          <a:lstStyle/>
+          <a:p>
+            <a:pPr algn="ctr"/>
+            <a:endParaRPr lang="en-US"/>
+          </a:p>
+        </p:txBody>
+      </p:sp>
+      <p:sp>
+        <p:nvSpPr>
+          <p:cNvPr id="6" name="TextBox 5"/>
+          <p:cNvSpPr txBox="1"/>
+          <p:nvPr/>
+        </p:nvSpPr>
+        <p:spPr>
+          <a:xfrm>
+            <a:off x="-88828" y="2980679"/>
+            <a:ext cx="635000" cy="369332"/>
+          </a:xfrm>
+          <a:prstGeom prst="rect">
+            <a:avLst/>
+          </a:prstGeom>
+          <a:noFill/>
+        </p:spPr>
+        <p:txBody>
+          <a:bodyPr wrap="square" rtlCol="0">
+            <a:spAutoFit/>
+          </a:bodyPr>
+          <a:lstStyle/>
+          <a:p>
+            <a:r>
+              <a:rPr lang="en-US" dirty="0" smtClean="0">
+                <a:solidFill>
+                  <a:srgbClr val="FF0000"/>
+                </a:solidFill>
+              </a:rPr>
+              <a:t>(1)</a:t>
+            </a:r>
+            <a:endParaRPr lang="en-US" dirty="0">
+              <a:solidFill>
+                <a:srgbClr val="FF0000"/>
+              </a:solidFill>
+            </a:endParaRPr>
+          </a:p>
+        </p:txBody>
+      </p:sp>
+      <p:sp>
+        <p:nvSpPr>
+          <p:cNvPr id="7" name="Rounded Rectangle 6"/>
+          <p:cNvSpPr/>
+          <p:nvPr/>
+        </p:nvSpPr>
+        <p:spPr>
+          <a:xfrm>
+            <a:off x="304871" y="3727077"/>
+            <a:ext cx="1943029" cy="471800"/>
+          </a:xfrm>
+          <a:prstGeom prst="roundRect">
+            <a:avLst/>
+          </a:prstGeom>
+          <a:noFill/>
+          <a:ln w="28575" cmpd="sng">
+            <a:solidFill>
+              <a:srgbClr val="FF0000"/>
+            </a:solidFill>
+          </a:ln>
+          <a:effectLst/>
+        </p:spPr>
+        <p:style>
+          <a:lnRef idx="1">
+            <a:schemeClr val="accent1"/>
+          </a:lnRef>
+          <a:fillRef idx="3">
+            <a:schemeClr val="accent1"/>
+          </a:fillRef>
+          <a:effectRef idx="2">
+            <a:schemeClr val="accent1"/>
+          </a:effectRef>
+          <a:fontRef idx="minor">
+            <a:schemeClr val="lt1"/>
+          </a:fontRef>
+        </p:style>
+        <p:txBody>
+          <a:bodyPr rtlCol="0" anchor="ctr"/>
+          <a:lstStyle/>
+          <a:p>
+            <a:pPr algn="ctr"/>
+            <a:endParaRPr lang="en-US"/>
+          </a:p>
+        </p:txBody>
+      </p:sp>
+      <p:sp>
+        <p:nvSpPr>
+          <p:cNvPr id="8" name="TextBox 7"/>
+          <p:cNvSpPr txBox="1"/>
+          <p:nvPr/>
+        </p:nvSpPr>
+        <p:spPr>
+          <a:xfrm>
+            <a:off x="-88828" y="3491611"/>
+            <a:ext cx="635000" cy="369332"/>
+          </a:xfrm>
+          <a:prstGeom prst="rect">
+            <a:avLst/>
+          </a:prstGeom>
+          <a:noFill/>
+        </p:spPr>
+        <p:txBody>
+          <a:bodyPr wrap="square" rtlCol="0">
+            <a:spAutoFit/>
+          </a:bodyPr>
+          <a:lstStyle/>
+          <a:p>
+            <a:r>
+              <a:rPr lang="en-US" dirty="0" smtClean="0">
+                <a:solidFill>
+                  <a:srgbClr val="FF0000"/>
+                </a:solidFill>
+              </a:rPr>
+              <a:t>(2)</a:t>
+            </a:r>
+            <a:endParaRPr lang="en-US" dirty="0">
+              <a:solidFill>
+                <a:srgbClr val="FF0000"/>
+              </a:solidFill>
+            </a:endParaRPr>
+          </a:p>
+        </p:txBody>
+      </p:sp>
+      <p:sp>
+        <p:nvSpPr>
+          <p:cNvPr id="9" name="Rounded Rectangle 8"/>
+          <p:cNvSpPr/>
+          <p:nvPr/>
+        </p:nvSpPr>
+        <p:spPr>
+          <a:xfrm>
+            <a:off x="317571" y="4282945"/>
+            <a:ext cx="2362129" cy="471800"/>
+          </a:xfrm>
+          <a:prstGeom prst="roundRect">
+            <a:avLst/>
+          </a:prstGeom>
+          <a:noFill/>
+          <a:ln w="28575" cmpd="sng">
+            <a:solidFill>
+              <a:srgbClr val="FF0000"/>
+            </a:solidFill>
+          </a:ln>
+          <a:effectLst/>
+        </p:spPr>
+        <p:style>
+          <a:lnRef idx="1">
+            <a:schemeClr val="accent1"/>
+          </a:lnRef>
+          <a:fillRef idx="3">
+            <a:schemeClr val="accent1"/>
+          </a:fillRef>
+          <a:effectRef idx="2">
+            <a:schemeClr val="accent1"/>
+          </a:effectRef>
+          <a:fontRef idx="minor">
+            <a:schemeClr val="lt1"/>
+          </a:fontRef>
+        </p:style>
+        <p:txBody>
+          <a:bodyPr rtlCol="0" anchor="ctr"/>
+          <a:lstStyle/>
+          <a:p>
+            <a:pPr algn="ctr"/>
+            <a:endParaRPr lang="en-US"/>
+          </a:p>
+        </p:txBody>
+      </p:sp>
+      <p:sp>
+        <p:nvSpPr>
+          <p:cNvPr id="10" name="TextBox 9"/>
+          <p:cNvSpPr txBox="1"/>
+          <p:nvPr/>
+        </p:nvSpPr>
+        <p:spPr>
+          <a:xfrm>
+            <a:off x="-76128" y="4047479"/>
+            <a:ext cx="635000" cy="369332"/>
+          </a:xfrm>
+          <a:prstGeom prst="rect">
+            <a:avLst/>
+          </a:prstGeom>
+          <a:noFill/>
+        </p:spPr>
+        <p:txBody>
+          <a:bodyPr wrap="square" rtlCol="0">
+            <a:spAutoFit/>
+          </a:bodyPr>
+          <a:lstStyle/>
+          <a:p>
+            <a:r>
+              <a:rPr lang="en-US" dirty="0" smtClean="0">
+                <a:solidFill>
+                  <a:srgbClr val="FF0000"/>
+                </a:solidFill>
+              </a:rPr>
+              <a:t>(3)</a:t>
+            </a:r>
+            <a:endParaRPr lang="en-US" dirty="0">
+              <a:solidFill>
+                <a:srgbClr val="FF0000"/>
+              </a:solidFill>
+            </a:endParaRPr>
+          </a:p>
+        </p:txBody>
+      </p:sp>
+      <p:sp>
+        <p:nvSpPr>
+          <p:cNvPr id="11" name="Rounded Rectangle 10"/>
+          <p:cNvSpPr/>
+          <p:nvPr/>
+        </p:nvSpPr>
+        <p:spPr>
+          <a:xfrm>
+            <a:off x="304799" y="4805545"/>
+            <a:ext cx="2362129" cy="246266"/>
+          </a:xfrm>
+          <a:prstGeom prst="roundRect">
+            <a:avLst/>
+          </a:prstGeom>
+          <a:noFill/>
+          <a:ln w="28575" cmpd="sng">
+            <a:solidFill>
+              <a:srgbClr val="FF0000"/>
+            </a:solidFill>
+          </a:ln>
+          <a:effectLst/>
+        </p:spPr>
+        <p:style>
+          <a:lnRef idx="1">
+            <a:schemeClr val="accent1"/>
+          </a:lnRef>
+          <a:fillRef idx="3">
+            <a:schemeClr val="accent1"/>
+          </a:fillRef>
+          <a:effectRef idx="2">
+            <a:schemeClr val="accent1"/>
+          </a:effectRef>
+          <a:fontRef idx="minor">
+            <a:schemeClr val="lt1"/>
+          </a:fontRef>
+        </p:style>
+        <p:txBody>
+          <a:bodyPr rtlCol="0" anchor="ctr"/>
+          <a:lstStyle/>
+          <a:p>
+            <a:pPr algn="ctr"/>
+            <a:endParaRPr lang="en-US"/>
+          </a:p>
+        </p:txBody>
+      </p:sp>
+      <p:sp>
+        <p:nvSpPr>
+          <p:cNvPr id="12" name="TextBox 11"/>
+          <p:cNvSpPr txBox="1"/>
+          <p:nvPr/>
+        </p:nvSpPr>
+        <p:spPr>
+          <a:xfrm>
+            <a:off x="-88900" y="4570079"/>
+            <a:ext cx="635000" cy="369332"/>
+          </a:xfrm>
+          <a:prstGeom prst="rect">
+            <a:avLst/>
+          </a:prstGeom>
+          <a:noFill/>
+        </p:spPr>
+        <p:txBody>
+          <a:bodyPr wrap="square" rtlCol="0">
+            <a:spAutoFit/>
+          </a:bodyPr>
+          <a:lstStyle/>
+          <a:p>
+            <a:r>
+              <a:rPr lang="en-US" dirty="0" smtClean="0">
+                <a:solidFill>
+                  <a:srgbClr val="FF0000"/>
+                </a:solidFill>
+              </a:rPr>
+              <a:t>(4)</a:t>
+            </a:r>
+            <a:endParaRPr lang="en-US" dirty="0">
+              <a:solidFill>
+                <a:srgbClr val="FF0000"/>
+              </a:solidFill>
+            </a:endParaRPr>
+          </a:p>
+        </p:txBody>
+      </p:sp>
+      <p:sp>
+        <p:nvSpPr>
+          <p:cNvPr id="13" name="Rounded Rectangle 12"/>
+          <p:cNvSpPr/>
+          <p:nvPr/>
+        </p:nvSpPr>
+        <p:spPr>
+          <a:xfrm>
+            <a:off x="317571" y="5242311"/>
+            <a:ext cx="2362129" cy="246266"/>
+          </a:xfrm>
+          <a:prstGeom prst="roundRect">
+            <a:avLst/>
+          </a:prstGeom>
+          <a:noFill/>
+          <a:ln w="28575" cmpd="sng">
+            <a:solidFill>
+              <a:srgbClr val="FF0000"/>
+            </a:solidFill>
+          </a:ln>
+          <a:effectLst/>
+        </p:spPr>
+        <p:style>
+          <a:lnRef idx="1">
+            <a:schemeClr val="accent1"/>
+          </a:lnRef>
+          <a:fillRef idx="3">
+            <a:schemeClr val="accent1"/>
+          </a:fillRef>
+          <a:effectRef idx="2">
+            <a:schemeClr val="accent1"/>
+          </a:effectRef>
+          <a:fontRef idx="minor">
+            <a:schemeClr val="lt1"/>
+          </a:fontRef>
+        </p:style>
+        <p:txBody>
+          <a:bodyPr rtlCol="0" anchor="ctr"/>
+          <a:lstStyle/>
+          <a:p>
+            <a:pPr algn="ctr"/>
+            <a:endParaRPr lang="en-US"/>
+          </a:p>
+        </p:txBody>
+      </p:sp>
+      <p:sp>
+        <p:nvSpPr>
+          <p:cNvPr id="14" name="TextBox 13"/>
+          <p:cNvSpPr txBox="1"/>
+          <p:nvPr/>
+        </p:nvSpPr>
+        <p:spPr>
+          <a:xfrm>
+            <a:off x="-88828" y="5079111"/>
+            <a:ext cx="635000" cy="369332"/>
+          </a:xfrm>
+          <a:prstGeom prst="rect">
+            <a:avLst/>
+          </a:prstGeom>
+          <a:noFill/>
+        </p:spPr>
+        <p:txBody>
+          <a:bodyPr wrap="square" rtlCol="0">
+            <a:spAutoFit/>
+          </a:bodyPr>
+          <a:lstStyle/>
+          <a:p>
+            <a:r>
+              <a:rPr lang="en-US" smtClean="0">
+                <a:solidFill>
+                  <a:srgbClr val="FF0000"/>
+                </a:solidFill>
+              </a:rPr>
+              <a:t>(5)</a:t>
+            </a:r>
+            <a:endParaRPr lang="en-US" dirty="0">
+              <a:solidFill>
+                <a:srgbClr val="FF0000"/>
+              </a:solidFill>
+            </a:endParaRPr>
+          </a:p>
+        </p:txBody>
+      </p:sp>
+    </p:spTree>
+    <p:extLst>
+      <p:ext uri="{BB962C8B-B14F-4D97-AF65-F5344CB8AC3E}">
+        <p14:creationId xmlns:p14="http://schemas.microsoft.com/office/powerpoint/2010/main" val="3583757922"/>
+      </p:ext>
+    </p:extLst>
+  </p:cSld>
+  <p:clrMapOvr>
+    <a:masterClrMapping/>
+  </p:clrMapOvr>
+</p:sld>
+</file>
+
+<file path=ppt/slides/slide24.xml><?xml version="1.0" encoding="utf-8"?>
+<p:sld xmlns:a="http://schemas.openxmlformats.org/drawingml/2006/main" xmlns:r="http://schemas.openxmlformats.org/officeDocument/2006/relationships" xmlns:p="http://schemas.openxmlformats.org/presentationml/2006/main">
+  <p:cSld>
+    <p:spTree>
+      <p:nvGrpSpPr>
+        <p:cNvPr id="1" name=""/>
+        <p:cNvGrpSpPr/>
+        <p:nvPr/>
+      </p:nvGrpSpPr>
+      <p:grpSpPr>
+        <a:xfrm>
+          <a:off x="0" y="0"/>
+          <a:ext cx="0" cy="0"/>
+          <a:chOff x="0" y="0"/>
+          <a:chExt cx="0" cy="0"/>
+        </a:xfrm>
+      </p:grpSpPr>
       <p:sp>
         <p:nvSpPr>
           <p:cNvPr id="2" name="Title 1"/>
@@ -8636,7 +8716,7 @@
 </p:sld>
 </file>
 
-<file path=ppt/slides/slide24.xml><?xml version="1.0" encoding="utf-8"?>
+<file path=ppt/slides/slide25.xml><?xml version="1.0" encoding="utf-8"?>
 <p:sld xmlns:a="http://schemas.openxmlformats.org/drawingml/2006/main" xmlns:r="http://schemas.openxmlformats.org/officeDocument/2006/relationships" xmlns:p="http://schemas.openxmlformats.org/presentationml/2006/main">
   <p:cSld>
     <p:spTree>
@@ -9806,52 +9886,40 @@
           <a:chExt cx="0" cy="0"/>
         </a:xfrm>
       </p:grpSpPr>
-      <p:sp>
-        <p:nvSpPr>
-          <p:cNvPr id="2" name="Title 1"/>
-          <p:cNvSpPr>
-            <a:spLocks noGrp="1"/>
-          </p:cNvSpPr>
-          <p:nvPr>
-            <p:ph type="title"/>
-          </p:nvPr>
-        </p:nvSpPr>
-        <p:spPr/>
-        <p:txBody>
-          <a:bodyPr/>
-          <a:lstStyle/>
-          <a:p>
-            <a:r>
-              <a:rPr lang="en-US" dirty="0" err="1" smtClean="0"/>
-              <a:t>MetaQC</a:t>
-            </a:r>
-            <a:endParaRPr lang="en-US" dirty="0"/>
-          </a:p>
-        </p:txBody>
-      </p:sp>
-      <p:sp>
-        <p:nvSpPr>
-          <p:cNvPr id="3" name="Content Placeholder 2"/>
-          <p:cNvSpPr>
-            <a:spLocks noGrp="1"/>
-          </p:cNvSpPr>
-          <p:nvPr>
-            <p:ph idx="1"/>
-          </p:nvPr>
-        </p:nvSpPr>
-        <p:spPr/>
-        <p:txBody>
-          <a:bodyPr/>
-          <a:lstStyle/>
-          <a:p>
-            <a:endParaRPr lang="en-US"/>
-          </a:p>
-        </p:txBody>
-      </p:sp>
+      <p:pic>
+        <p:nvPicPr>
+          <p:cNvPr id="3" name="Picture 2" descr="Screen Shot 2017-04-19 at 1.15.09 PM.png"/>
+          <p:cNvPicPr>
+            <a:picLocks noChangeAspect="1"/>
+          </p:cNvPicPr>
+          <p:nvPr/>
+        </p:nvPicPr>
+        <p:blipFill>
+          <a:blip r:embed="rId2">
+            <a:extLst>
+              <a:ext uri="{28A0092B-C50C-407E-A947-70E740481C1C}">
+                <a14:useLocalDpi xmlns:a14="http://schemas.microsoft.com/office/drawing/2010/main" val="0"/>
+              </a:ext>
+            </a:extLst>
+          </a:blip>
+          <a:stretch>
+            <a:fillRect/>
+          </a:stretch>
+        </p:blipFill>
+        <p:spPr>
+          <a:xfrm>
+            <a:off x="0" y="856776"/>
+            <a:ext cx="9144000" cy="3806171"/>
+          </a:xfrm>
+          <a:prstGeom prst="rect">
+            <a:avLst/>
+          </a:prstGeom>
+        </p:spPr>
+      </p:pic>
     </p:spTree>
     <p:extLst>
       <p:ext uri="{BB962C8B-B14F-4D97-AF65-F5344CB8AC3E}">
-        <p14:creationId xmlns:p14="http://schemas.microsoft.com/office/powerpoint/2010/main" val="574044852"/>
+        <p14:creationId xmlns:p14="http://schemas.microsoft.com/office/powerpoint/2010/main" val="3799102677"/>
       </p:ext>
     </p:extLst>
   </p:cSld>
@@ -9878,364 +9946,44 @@
           <a:chExt cx="0" cy="0"/>
         </a:xfrm>
       </p:grpSpPr>
-      <p:pic>
-        <p:nvPicPr>
-          <p:cNvPr id="2" name="Picture 1" descr="Screen Shot 2017-04-16 at 10.49.46 PM.png"/>
-          <p:cNvPicPr>
-            <a:picLocks noChangeAspect="1"/>
-          </p:cNvPicPr>
-          <p:nvPr/>
-        </p:nvPicPr>
-        <p:blipFill>
-          <a:blip r:embed="rId2">
-            <a:extLst>
-              <a:ext uri="{28A0092B-C50C-407E-A947-70E740481C1C}">
-                <a14:useLocalDpi xmlns:a14="http://schemas.microsoft.com/office/drawing/2010/main" val="0"/>
-              </a:ext>
-            </a:extLst>
-          </a:blip>
-          <a:stretch>
-            <a:fillRect/>
-          </a:stretch>
-        </p:blipFill>
-        <p:spPr>
-          <a:xfrm>
-            <a:off x="476256" y="1219202"/>
-            <a:ext cx="8524875" cy="4105381"/>
-          </a:xfrm>
-          <a:prstGeom prst="rect">
-            <a:avLst/>
-          </a:prstGeom>
-        </p:spPr>
-      </p:pic>
-      <p:sp>
-        <p:nvSpPr>
-          <p:cNvPr id="3" name="Rounded Rectangle 2"/>
-          <p:cNvSpPr/>
-          <p:nvPr/>
-        </p:nvSpPr>
-        <p:spPr>
-          <a:xfrm>
-            <a:off x="476250" y="1999475"/>
-            <a:ext cx="2698752" cy="351259"/>
-          </a:xfrm>
-          <a:prstGeom prst="roundRect">
-            <a:avLst/>
-          </a:prstGeom>
-          <a:noFill/>
-          <a:ln w="28575" cmpd="sng">
-            <a:solidFill>
-              <a:srgbClr val="FF0000"/>
-            </a:solidFill>
-          </a:ln>
-          <a:effectLst/>
-        </p:spPr>
-        <p:style>
-          <a:lnRef idx="1">
-            <a:schemeClr val="accent1"/>
-          </a:lnRef>
-          <a:fillRef idx="3">
-            <a:schemeClr val="accent1"/>
-          </a:fillRef>
-          <a:effectRef idx="2">
-            <a:schemeClr val="accent1"/>
-          </a:effectRef>
-          <a:fontRef idx="minor">
-            <a:schemeClr val="lt1"/>
-          </a:fontRef>
-        </p:style>
-        <p:txBody>
-          <a:bodyPr rtlCol="0" anchor="ctr"/>
-          <a:lstStyle/>
-          <a:p>
-            <a:pPr algn="ctr"/>
-            <a:endParaRPr lang="en-US"/>
-          </a:p>
-        </p:txBody>
-      </p:sp>
-      <p:sp>
-        <p:nvSpPr>
-          <p:cNvPr id="4" name="TextBox 3"/>
-          <p:cNvSpPr txBox="1"/>
-          <p:nvPr/>
-        </p:nvSpPr>
-        <p:spPr>
-          <a:xfrm>
-            <a:off x="138149" y="1652900"/>
-            <a:ext cx="635000" cy="369332"/>
-          </a:xfrm>
-          <a:prstGeom prst="rect">
-            <a:avLst/>
-          </a:prstGeom>
-          <a:noFill/>
-        </p:spPr>
-        <p:txBody>
-          <a:bodyPr wrap="square" rtlCol="0">
-            <a:spAutoFit/>
-          </a:bodyPr>
-          <a:lstStyle/>
-          <a:p>
-            <a:r>
-              <a:rPr lang="en-US" dirty="0" smtClean="0">
-                <a:solidFill>
-                  <a:srgbClr val="FF0000"/>
-                </a:solidFill>
-              </a:rPr>
-              <a:t>(1)</a:t>
-            </a:r>
-            <a:endParaRPr lang="en-US" dirty="0">
-              <a:solidFill>
-                <a:srgbClr val="FF0000"/>
-              </a:solidFill>
-            </a:endParaRPr>
-          </a:p>
-        </p:txBody>
-      </p:sp>
-      <p:sp>
-        <p:nvSpPr>
-          <p:cNvPr id="5" name="Rounded Rectangle 4"/>
-          <p:cNvSpPr/>
-          <p:nvPr/>
-        </p:nvSpPr>
-        <p:spPr>
-          <a:xfrm>
-            <a:off x="476250" y="2520734"/>
-            <a:ext cx="2698752" cy="1626829"/>
-          </a:xfrm>
-          <a:prstGeom prst="roundRect">
-            <a:avLst/>
-          </a:prstGeom>
-          <a:noFill/>
-          <a:ln w="28575" cmpd="sng">
-            <a:solidFill>
-              <a:srgbClr val="FF0000"/>
-            </a:solidFill>
-          </a:ln>
-          <a:effectLst/>
-        </p:spPr>
-        <p:style>
-          <a:lnRef idx="1">
-            <a:schemeClr val="accent1"/>
-          </a:lnRef>
-          <a:fillRef idx="3">
-            <a:schemeClr val="accent1"/>
-          </a:fillRef>
-          <a:effectRef idx="2">
-            <a:schemeClr val="accent1"/>
-          </a:effectRef>
-          <a:fontRef idx="minor">
-            <a:schemeClr val="lt1"/>
-          </a:fontRef>
-        </p:style>
-        <p:txBody>
-          <a:bodyPr rtlCol="0" anchor="ctr"/>
-          <a:lstStyle/>
-          <a:p>
-            <a:pPr algn="ctr"/>
-            <a:endParaRPr lang="en-US"/>
-          </a:p>
-        </p:txBody>
-      </p:sp>
-      <p:sp>
-        <p:nvSpPr>
-          <p:cNvPr id="6" name="TextBox 5"/>
-          <p:cNvSpPr txBox="1"/>
-          <p:nvPr/>
-        </p:nvSpPr>
-        <p:spPr>
-          <a:xfrm>
-            <a:off x="138149" y="2336067"/>
-            <a:ext cx="635000" cy="369332"/>
-          </a:xfrm>
-          <a:prstGeom prst="rect">
-            <a:avLst/>
-          </a:prstGeom>
-          <a:noFill/>
-        </p:spPr>
-        <p:txBody>
-          <a:bodyPr wrap="square" rtlCol="0">
-            <a:spAutoFit/>
-          </a:bodyPr>
-          <a:lstStyle/>
-          <a:p>
-            <a:r>
-              <a:rPr lang="en-US" dirty="0" smtClean="0">
-                <a:solidFill>
-                  <a:srgbClr val="FF0000"/>
-                </a:solidFill>
-              </a:rPr>
-              <a:t>(2)</a:t>
-            </a:r>
-            <a:endParaRPr lang="en-US" dirty="0">
-              <a:solidFill>
-                <a:srgbClr val="FF0000"/>
-              </a:solidFill>
-            </a:endParaRPr>
-          </a:p>
-        </p:txBody>
-      </p:sp>
-      <p:sp>
-        <p:nvSpPr>
-          <p:cNvPr id="7" name="Rounded Rectangle 6"/>
-          <p:cNvSpPr/>
-          <p:nvPr/>
-        </p:nvSpPr>
-        <p:spPr>
-          <a:xfrm>
-            <a:off x="476250" y="4317263"/>
-            <a:ext cx="2698752" cy="330168"/>
-          </a:xfrm>
-          <a:prstGeom prst="roundRect">
-            <a:avLst/>
-          </a:prstGeom>
-          <a:noFill/>
-          <a:ln w="28575" cmpd="sng">
-            <a:solidFill>
-              <a:srgbClr val="FF0000"/>
-            </a:solidFill>
-          </a:ln>
-          <a:effectLst/>
-        </p:spPr>
-        <p:style>
-          <a:lnRef idx="1">
-            <a:schemeClr val="accent1"/>
-          </a:lnRef>
-          <a:fillRef idx="3">
-            <a:schemeClr val="accent1"/>
-          </a:fillRef>
-          <a:effectRef idx="2">
-            <a:schemeClr val="accent1"/>
-          </a:effectRef>
-          <a:fontRef idx="minor">
-            <a:schemeClr val="lt1"/>
-          </a:fontRef>
-        </p:style>
-        <p:txBody>
-          <a:bodyPr rtlCol="0" anchor="ctr"/>
-          <a:lstStyle/>
-          <a:p>
-            <a:pPr algn="ctr"/>
-            <a:endParaRPr lang="en-US"/>
-          </a:p>
-        </p:txBody>
-      </p:sp>
-      <p:sp>
-        <p:nvSpPr>
-          <p:cNvPr id="8" name="TextBox 7"/>
-          <p:cNvSpPr txBox="1"/>
-          <p:nvPr/>
-        </p:nvSpPr>
-        <p:spPr>
-          <a:xfrm>
-            <a:off x="111125" y="4138526"/>
-            <a:ext cx="635000" cy="369332"/>
-          </a:xfrm>
-          <a:prstGeom prst="rect">
-            <a:avLst/>
-          </a:prstGeom>
-          <a:noFill/>
-        </p:spPr>
-        <p:txBody>
-          <a:bodyPr wrap="square" rtlCol="0">
-            <a:spAutoFit/>
-          </a:bodyPr>
-          <a:lstStyle/>
-          <a:p>
-            <a:r>
-              <a:rPr lang="en-US" dirty="0" smtClean="0">
-                <a:solidFill>
-                  <a:srgbClr val="FF0000"/>
-                </a:solidFill>
-              </a:rPr>
-              <a:t>(3)</a:t>
-            </a:r>
-            <a:endParaRPr lang="en-US" dirty="0">
-              <a:solidFill>
-                <a:srgbClr val="FF0000"/>
-              </a:solidFill>
-            </a:endParaRPr>
-          </a:p>
-        </p:txBody>
-      </p:sp>
-      <p:sp>
-        <p:nvSpPr>
-          <p:cNvPr id="9" name="TextBox 8"/>
-          <p:cNvSpPr txBox="1"/>
-          <p:nvPr/>
-        </p:nvSpPr>
-        <p:spPr>
-          <a:xfrm>
-            <a:off x="114467" y="4557335"/>
-            <a:ext cx="635000" cy="369332"/>
-          </a:xfrm>
-          <a:prstGeom prst="rect">
-            <a:avLst/>
-          </a:prstGeom>
-          <a:noFill/>
-        </p:spPr>
-        <p:txBody>
-          <a:bodyPr wrap="square" rtlCol="0">
-            <a:spAutoFit/>
-          </a:bodyPr>
-          <a:lstStyle/>
-          <a:p>
-            <a:r>
-              <a:rPr lang="en-US" dirty="0" smtClean="0">
-                <a:solidFill>
-                  <a:srgbClr val="FF0000"/>
-                </a:solidFill>
-              </a:rPr>
-              <a:t>(4)</a:t>
-            </a:r>
-            <a:endParaRPr lang="en-US" dirty="0">
-              <a:solidFill>
-                <a:srgbClr val="FF0000"/>
-              </a:solidFill>
-            </a:endParaRPr>
-          </a:p>
-        </p:txBody>
-      </p:sp>
-      <p:sp>
-        <p:nvSpPr>
-          <p:cNvPr id="10" name="Rounded Rectangle 9"/>
-          <p:cNvSpPr/>
-          <p:nvPr/>
-        </p:nvSpPr>
-        <p:spPr>
-          <a:xfrm>
-            <a:off x="493530" y="4699333"/>
-            <a:ext cx="2698752" cy="330168"/>
-          </a:xfrm>
-          <a:prstGeom prst="roundRect">
-            <a:avLst/>
-          </a:prstGeom>
-          <a:noFill/>
-          <a:ln w="28575" cmpd="sng">
-            <a:solidFill>
-              <a:srgbClr val="FF0000"/>
-            </a:solidFill>
-          </a:ln>
-          <a:effectLst/>
-        </p:spPr>
-        <p:style>
-          <a:lnRef idx="1">
-            <a:schemeClr val="accent1"/>
-          </a:lnRef>
-          <a:fillRef idx="3">
-            <a:schemeClr val="accent1"/>
-          </a:fillRef>
-          <a:effectRef idx="2">
-            <a:schemeClr val="accent1"/>
-          </a:effectRef>
-          <a:fontRef idx="minor">
-            <a:schemeClr val="lt1"/>
-          </a:fontRef>
-        </p:style>
-        <p:txBody>
-          <a:bodyPr rtlCol="0" anchor="ctr"/>
-          <a:lstStyle/>
-          <a:p>
-            <a:pPr algn="ctr"/>
+      <p:sp>
+        <p:nvSpPr>
+          <p:cNvPr id="2" name="Title 1"/>
+          <p:cNvSpPr>
+            <a:spLocks noGrp="1"/>
+          </p:cNvSpPr>
+          <p:nvPr>
+            <p:ph type="title"/>
+          </p:nvPr>
+        </p:nvSpPr>
+        <p:spPr/>
+        <p:txBody>
+          <a:bodyPr/>
+          <a:lstStyle/>
+          <a:p>
+            <a:r>
+              <a:rPr lang="en-US" dirty="0" err="1" smtClean="0"/>
+              <a:t>MetaQC</a:t>
+            </a:r>
+            <a:endParaRPr lang="en-US" dirty="0"/>
+          </a:p>
+        </p:txBody>
+      </p:sp>
+      <p:sp>
+        <p:nvSpPr>
+          <p:cNvPr id="3" name="Content Placeholder 2"/>
+          <p:cNvSpPr>
+            <a:spLocks noGrp="1"/>
+          </p:cNvSpPr>
+          <p:nvPr>
+            <p:ph idx="1"/>
+          </p:nvPr>
+        </p:nvSpPr>
+        <p:spPr/>
+        <p:txBody>
+          <a:bodyPr/>
+          <a:lstStyle/>
+          <a:p>
             <a:endParaRPr lang="en-US"/>
           </a:p>
         </p:txBody>
@@ -10243,7 +9991,7 @@
     </p:spTree>
     <p:extLst>
       <p:ext uri="{BB962C8B-B14F-4D97-AF65-F5344CB8AC3E}">
-        <p14:creationId xmlns:p14="http://schemas.microsoft.com/office/powerpoint/2010/main" val="856412273"/>
+        <p14:creationId xmlns:p14="http://schemas.microsoft.com/office/powerpoint/2010/main" val="574044852"/>
       </p:ext>
     </p:extLst>
   </p:cSld>
@@ -10272,7 +10020,7 @@
       </p:grpSpPr>
       <p:pic>
         <p:nvPicPr>
-          <p:cNvPr id="2" name="Picture 1" descr="Screen Shot 2017-04-16 at 11.12.53 PM.png"/>
+          <p:cNvPr id="2" name="Picture 1" descr="Screen Shot 2017-04-16 at 10.49.46 PM.png"/>
           <p:cNvPicPr>
             <a:picLocks noChangeAspect="1"/>
           </p:cNvPicPr>
@@ -10292,8 +10040,8 @@
         </p:blipFill>
         <p:spPr>
           <a:xfrm>
-            <a:off x="562750" y="2"/>
-            <a:ext cx="7464705" cy="5372685"/>
+            <a:off x="476256" y="1219202"/>
+            <a:ext cx="8524875" cy="4105381"/>
           </a:xfrm>
           <a:prstGeom prst="rect">
             <a:avLst/>
@@ -10308,8 +10056,8 @@
         </p:nvSpPr>
         <p:spPr>
           <a:xfrm>
-            <a:off x="541976" y="540240"/>
-            <a:ext cx="7618397" cy="1796560"/>
+            <a:off x="476250" y="1999475"/>
+            <a:ext cx="2698752" cy="351259"/>
           </a:xfrm>
           <a:prstGeom prst="roundRect">
             <a:avLst/>
@@ -10353,7 +10101,7 @@
         </p:nvSpPr>
         <p:spPr>
           <a:xfrm>
-            <a:off x="138149" y="366061"/>
+            <a:off x="138149" y="1652900"/>
             <a:ext cx="635000" cy="369332"/>
           </a:xfrm>
           <a:prstGeom prst="rect">
@@ -10391,8 +10139,8 @@
         </p:nvSpPr>
         <p:spPr>
           <a:xfrm>
-            <a:off x="773155" y="3119822"/>
-            <a:ext cx="2528851" cy="2125281"/>
+            <a:off x="476250" y="2520734"/>
+            <a:ext cx="2698752" cy="1626829"/>
           </a:xfrm>
           <a:prstGeom prst="roundRect">
             <a:avLst/>
@@ -10436,7 +10184,7 @@
         </p:nvSpPr>
         <p:spPr>
           <a:xfrm>
-            <a:off x="138149" y="3119819"/>
+            <a:off x="138149" y="2336067"/>
             <a:ext cx="635000" cy="369332"/>
           </a:xfrm>
           <a:prstGeom prst="rect">
@@ -10466,10 +10214,176 @@
           </a:p>
         </p:txBody>
       </p:sp>
+      <p:sp>
+        <p:nvSpPr>
+          <p:cNvPr id="7" name="Rounded Rectangle 6"/>
+          <p:cNvSpPr/>
+          <p:nvPr/>
+        </p:nvSpPr>
+        <p:spPr>
+          <a:xfrm>
+            <a:off x="476250" y="4317263"/>
+            <a:ext cx="2698752" cy="330168"/>
+          </a:xfrm>
+          <a:prstGeom prst="roundRect">
+            <a:avLst/>
+          </a:prstGeom>
+          <a:noFill/>
+          <a:ln w="28575" cmpd="sng">
+            <a:solidFill>
+              <a:srgbClr val="FF0000"/>
+            </a:solidFill>
+          </a:ln>
+          <a:effectLst/>
+        </p:spPr>
+        <p:style>
+          <a:lnRef idx="1">
+            <a:schemeClr val="accent1"/>
+          </a:lnRef>
+          <a:fillRef idx="3">
+            <a:schemeClr val="accent1"/>
+          </a:fillRef>
+          <a:effectRef idx="2">
+            <a:schemeClr val="accent1"/>
+          </a:effectRef>
+          <a:fontRef idx="minor">
+            <a:schemeClr val="lt1"/>
+          </a:fontRef>
+        </p:style>
+        <p:txBody>
+          <a:bodyPr rtlCol="0" anchor="ctr"/>
+          <a:lstStyle/>
+          <a:p>
+            <a:pPr algn="ctr"/>
+            <a:endParaRPr lang="en-US"/>
+          </a:p>
+        </p:txBody>
+      </p:sp>
+      <p:sp>
+        <p:nvSpPr>
+          <p:cNvPr id="8" name="TextBox 7"/>
+          <p:cNvSpPr txBox="1"/>
+          <p:nvPr/>
+        </p:nvSpPr>
+        <p:spPr>
+          <a:xfrm>
+            <a:off x="111125" y="4138526"/>
+            <a:ext cx="635000" cy="369332"/>
+          </a:xfrm>
+          <a:prstGeom prst="rect">
+            <a:avLst/>
+          </a:prstGeom>
+          <a:noFill/>
+        </p:spPr>
+        <p:txBody>
+          <a:bodyPr wrap="square" rtlCol="0">
+            <a:spAutoFit/>
+          </a:bodyPr>
+          <a:lstStyle/>
+          <a:p>
+            <a:r>
+              <a:rPr lang="en-US" dirty="0" smtClean="0">
+                <a:solidFill>
+                  <a:srgbClr val="FF0000"/>
+                </a:solidFill>
+              </a:rPr>
+              <a:t>(3)</a:t>
+            </a:r>
+            <a:endParaRPr lang="en-US" dirty="0">
+              <a:solidFill>
+                <a:srgbClr val="FF0000"/>
+              </a:solidFill>
+            </a:endParaRPr>
+          </a:p>
+        </p:txBody>
+      </p:sp>
+      <p:sp>
+        <p:nvSpPr>
+          <p:cNvPr id="9" name="TextBox 8"/>
+          <p:cNvSpPr txBox="1"/>
+          <p:nvPr/>
+        </p:nvSpPr>
+        <p:spPr>
+          <a:xfrm>
+            <a:off x="114467" y="4557335"/>
+            <a:ext cx="635000" cy="369332"/>
+          </a:xfrm>
+          <a:prstGeom prst="rect">
+            <a:avLst/>
+          </a:prstGeom>
+          <a:noFill/>
+        </p:spPr>
+        <p:txBody>
+          <a:bodyPr wrap="square" rtlCol="0">
+            <a:spAutoFit/>
+          </a:bodyPr>
+          <a:lstStyle/>
+          <a:p>
+            <a:r>
+              <a:rPr lang="en-US" dirty="0" smtClean="0">
+                <a:solidFill>
+                  <a:srgbClr val="FF0000"/>
+                </a:solidFill>
+              </a:rPr>
+              <a:t>(4)</a:t>
+            </a:r>
+            <a:endParaRPr lang="en-US" dirty="0">
+              <a:solidFill>
+                <a:srgbClr val="FF0000"/>
+              </a:solidFill>
+            </a:endParaRPr>
+          </a:p>
+        </p:txBody>
+      </p:sp>
+      <p:sp>
+        <p:nvSpPr>
+          <p:cNvPr id="10" name="Rounded Rectangle 9"/>
+          <p:cNvSpPr/>
+          <p:nvPr/>
+        </p:nvSpPr>
+        <p:spPr>
+          <a:xfrm>
+            <a:off x="493530" y="4699333"/>
+            <a:ext cx="2698752" cy="330168"/>
+          </a:xfrm>
+          <a:prstGeom prst="roundRect">
+            <a:avLst/>
+          </a:prstGeom>
+          <a:noFill/>
+          <a:ln w="28575" cmpd="sng">
+            <a:solidFill>
+              <a:srgbClr val="FF0000"/>
+            </a:solidFill>
+          </a:ln>
+          <a:effectLst/>
+        </p:spPr>
+        <p:style>
+          <a:lnRef idx="1">
+            <a:schemeClr val="accent1"/>
+          </a:lnRef>
+          <a:fillRef idx="3">
+            <a:schemeClr val="accent1"/>
+          </a:fillRef>
+          <a:effectRef idx="2">
+            <a:schemeClr val="accent1"/>
+          </a:effectRef>
+          <a:fontRef idx="minor">
+            <a:schemeClr val="lt1"/>
+          </a:fontRef>
+        </p:style>
+        <p:txBody>
+          <a:bodyPr rtlCol="0" anchor="ctr"/>
+          <a:lstStyle/>
+          <a:p>
+            <a:pPr algn="ctr"/>
+            <a:endParaRPr lang="en-US"/>
+          </a:p>
+        </p:txBody>
+      </p:sp>
     </p:spTree>
     <p:extLst>
       <p:ext uri="{BB962C8B-B14F-4D97-AF65-F5344CB8AC3E}">
-        <p14:creationId xmlns:p14="http://schemas.microsoft.com/office/powerpoint/2010/main" val="1037557943"/>
+        <p14:creationId xmlns:p14="http://schemas.microsoft.com/office/powerpoint/2010/main" val="856412273"/>
       </p:ext>
     </p:extLst>
   </p:cSld>
@@ -10496,65 +10410,212 @@
           <a:chExt cx="0" cy="0"/>
         </a:xfrm>
       </p:grpSpPr>
-      <p:sp>
-        <p:nvSpPr>
-          <p:cNvPr id="2" name="Title 1"/>
-          <p:cNvSpPr>
-            <a:spLocks noGrp="1"/>
-          </p:cNvSpPr>
-          <p:nvPr>
-            <p:ph type="title"/>
-          </p:nvPr>
-        </p:nvSpPr>
-        <p:spPr/>
-        <p:txBody>
-          <a:bodyPr/>
-          <a:lstStyle/>
-          <a:p>
-            <a:r>
-              <a:rPr lang="en-US" dirty="0" err="1" smtClean="0"/>
-              <a:t>MetaDE</a:t>
-            </a:r>
-            <a:endParaRPr lang="en-US" dirty="0"/>
-          </a:p>
-        </p:txBody>
-      </p:sp>
-      <p:sp>
-        <p:nvSpPr>
-          <p:cNvPr id="3" name="Content Placeholder 2"/>
-          <p:cNvSpPr>
-            <a:spLocks noGrp="1"/>
-          </p:cNvSpPr>
-          <p:nvPr>
-            <p:ph idx="1"/>
-          </p:nvPr>
-        </p:nvSpPr>
-        <p:spPr/>
-        <p:txBody>
-          <a:bodyPr/>
-          <a:lstStyle/>
-          <a:p>
-            <a:endParaRPr lang="en-US"/>
+      <p:pic>
+        <p:nvPicPr>
+          <p:cNvPr id="2" name="Picture 1" descr="Screen Shot 2017-04-16 at 11.12.53 PM.png"/>
+          <p:cNvPicPr>
+            <a:picLocks noChangeAspect="1"/>
+          </p:cNvPicPr>
+          <p:nvPr/>
+        </p:nvPicPr>
+        <p:blipFill>
+          <a:blip r:embed="rId2">
+            <a:extLst>
+              <a:ext uri="{28A0092B-C50C-407E-A947-70E740481C1C}">
+                <a14:useLocalDpi xmlns:a14="http://schemas.microsoft.com/office/drawing/2010/main" val="0"/>
+              </a:ext>
+            </a:extLst>
+          </a:blip>
+          <a:stretch>
+            <a:fillRect/>
+          </a:stretch>
+        </p:blipFill>
+        <p:spPr>
+          <a:xfrm>
+            <a:off x="562750" y="2"/>
+            <a:ext cx="7464705" cy="5372685"/>
+          </a:xfrm>
+          <a:prstGeom prst="rect">
+            <a:avLst/>
+          </a:prstGeom>
+        </p:spPr>
+      </p:pic>
+      <p:sp>
+        <p:nvSpPr>
+          <p:cNvPr id="3" name="Rounded Rectangle 2"/>
+          <p:cNvSpPr/>
+          <p:nvPr/>
+        </p:nvSpPr>
+        <p:spPr>
+          <a:xfrm>
+            <a:off x="541976" y="540240"/>
+            <a:ext cx="7618397" cy="1796560"/>
+          </a:xfrm>
+          <a:prstGeom prst="roundRect">
+            <a:avLst/>
+          </a:prstGeom>
+          <a:noFill/>
+          <a:ln w="28575" cmpd="sng">
+            <a:solidFill>
+              <a:srgbClr val="FF0000"/>
+            </a:solidFill>
+          </a:ln>
+          <a:effectLst/>
+        </p:spPr>
+        <p:style>
+          <a:lnRef idx="1">
+            <a:schemeClr val="accent1"/>
+          </a:lnRef>
+          <a:fillRef idx="3">
+            <a:schemeClr val="accent1"/>
+          </a:fillRef>
+          <a:effectRef idx="2">
+            <a:schemeClr val="accent1"/>
+          </a:effectRef>
+          <a:fontRef idx="minor">
+            <a:schemeClr val="lt1"/>
+          </a:fontRef>
+        </p:style>
+        <p:txBody>
+          <a:bodyPr rtlCol="0" anchor="ctr"/>
+          <a:lstStyle/>
+          <a:p>
+            <a:pPr algn="ctr"/>
+            <a:endParaRPr lang="en-US"/>
+          </a:p>
+        </p:txBody>
+      </p:sp>
+      <p:sp>
+        <p:nvSpPr>
+          <p:cNvPr id="4" name="TextBox 3"/>
+          <p:cNvSpPr txBox="1"/>
+          <p:nvPr/>
+        </p:nvSpPr>
+        <p:spPr>
+          <a:xfrm>
+            <a:off x="138149" y="366061"/>
+            <a:ext cx="635000" cy="369332"/>
+          </a:xfrm>
+          <a:prstGeom prst="rect">
+            <a:avLst/>
+          </a:prstGeom>
+          <a:noFill/>
+        </p:spPr>
+        <p:txBody>
+          <a:bodyPr wrap="square" rtlCol="0">
+            <a:spAutoFit/>
+          </a:bodyPr>
+          <a:lstStyle/>
+          <a:p>
+            <a:r>
+              <a:rPr lang="en-US" dirty="0" smtClean="0">
+                <a:solidFill>
+                  <a:srgbClr val="FF0000"/>
+                </a:solidFill>
+              </a:rPr>
+              <a:t>(1)</a:t>
+            </a:r>
+            <a:endParaRPr lang="en-US" dirty="0">
+              <a:solidFill>
+                <a:srgbClr val="FF0000"/>
+              </a:solidFill>
+            </a:endParaRPr>
+          </a:p>
+        </p:txBody>
+      </p:sp>
+      <p:sp>
+        <p:nvSpPr>
+          <p:cNvPr id="5" name="Rounded Rectangle 4"/>
+          <p:cNvSpPr/>
+          <p:nvPr/>
+        </p:nvSpPr>
+        <p:spPr>
+          <a:xfrm>
+            <a:off x="773155" y="3119822"/>
+            <a:ext cx="2528851" cy="2125281"/>
+          </a:xfrm>
+          <a:prstGeom prst="roundRect">
+            <a:avLst/>
+          </a:prstGeom>
+          <a:noFill/>
+          <a:ln w="28575" cmpd="sng">
+            <a:solidFill>
+              <a:srgbClr val="FF0000"/>
+            </a:solidFill>
+          </a:ln>
+          <a:effectLst/>
+        </p:spPr>
+        <p:style>
+          <a:lnRef idx="1">
+            <a:schemeClr val="accent1"/>
+          </a:lnRef>
+          <a:fillRef idx="3">
+            <a:schemeClr val="accent1"/>
+          </a:fillRef>
+          <a:effectRef idx="2">
+            <a:schemeClr val="accent1"/>
+          </a:effectRef>
+          <a:fontRef idx="minor">
+            <a:schemeClr val="lt1"/>
+          </a:fontRef>
+        </p:style>
+        <p:txBody>
+          <a:bodyPr rtlCol="0" anchor="ctr"/>
+          <a:lstStyle/>
+          <a:p>
+            <a:pPr algn="ctr"/>
+            <a:endParaRPr lang="en-US"/>
+          </a:p>
+        </p:txBody>
+      </p:sp>
+      <p:sp>
+        <p:nvSpPr>
+          <p:cNvPr id="6" name="TextBox 5"/>
+          <p:cNvSpPr txBox="1"/>
+          <p:nvPr/>
+        </p:nvSpPr>
+        <p:spPr>
+          <a:xfrm>
+            <a:off x="138149" y="3119819"/>
+            <a:ext cx="635000" cy="369332"/>
+          </a:xfrm>
+          <a:prstGeom prst="rect">
+            <a:avLst/>
+          </a:prstGeom>
+          <a:noFill/>
+        </p:spPr>
+        <p:txBody>
+          <a:bodyPr wrap="square" rtlCol="0">
+            <a:spAutoFit/>
+          </a:bodyPr>
+          <a:lstStyle/>
+          <a:p>
+            <a:r>
+              <a:rPr lang="en-US" dirty="0" smtClean="0">
+                <a:solidFill>
+                  <a:srgbClr val="FF0000"/>
+                </a:solidFill>
+              </a:rPr>
+              <a:t>(2)</a:t>
+            </a:r>
+            <a:endParaRPr lang="en-US" dirty="0">
+              <a:solidFill>
+                <a:srgbClr val="FF0000"/>
+              </a:solidFill>
+            </a:endParaRPr>
           </a:p>
         </p:txBody>
       </p:sp>
     </p:spTree>
     <p:extLst>
       <p:ext uri="{BB962C8B-B14F-4D97-AF65-F5344CB8AC3E}">
-        <p14:creationId xmlns:p14="http://schemas.microsoft.com/office/powerpoint/2010/main" val="2735724217"/>
+        <p14:creationId xmlns:p14="http://schemas.microsoft.com/office/powerpoint/2010/main" val="1037557943"/>
       </p:ext>
     </p:extLst>
   </p:cSld>
   <p:clrMapOvr>
     <a:masterClrMapping/>
   </p:clrMapOvr>
-  <p:timing>
-    <p:tnLst>
-      <p:par>
-        <p:cTn xmlns:p14="http://schemas.microsoft.com/office/powerpoint/2010/main" id="1" dur="indefinite" restart="never" nodeType="tmRoot"/>
-      </p:par>
-    </p:tnLst>
-  </p:timing>
 </p:sld>
 </file>
 
